--- a/report.pptx
+++ b/report.pptx
@@ -11,6 +11,7 @@
     <p:sldId id="259" r:id="rId5"/>
     <p:sldId id="260" r:id="rId6"/>
     <p:sldId id="261" r:id="rId7"/>
+    <p:sldId id="262" r:id="rId8"/>
   </p:sldIdLst>
   <p:sldSz cx="12192000" cy="6858000"/>
   <p:notesSz cx="6858000" cy="9144000"/>
@@ -618,7 +619,7 @@
           <a:p>
             <a:fld id="{9E512E0B-7E90-B946-962A-8ABE01AC2B5D}" type="datetimeFigureOut">
               <a:rPr kumimoji="1" lang="zh-TW" altLang="en-US" smtClean="0"/>
-              <a:t>2020/6/4</a:t>
+              <a:t>2020/6/9</a:t>
             </a:fld>
             <a:endParaRPr kumimoji="1" lang="zh-TW" altLang="en-US"/>
           </a:p>
@@ -797,7 +798,7 @@
           <a:p>
             <a:fld id="{9E512E0B-7E90-B946-962A-8ABE01AC2B5D}" type="datetimeFigureOut">
               <a:rPr kumimoji="1" lang="zh-TW" altLang="en-US" smtClean="0"/>
-              <a:t>2020/6/4</a:t>
+              <a:t>2020/6/9</a:t>
             </a:fld>
             <a:endParaRPr kumimoji="1" lang="zh-TW" altLang="en-US"/>
           </a:p>
@@ -977,7 +978,7 @@
           <a:p>
             <a:fld id="{9E512E0B-7E90-B946-962A-8ABE01AC2B5D}" type="datetimeFigureOut">
               <a:rPr kumimoji="1" lang="zh-TW" altLang="en-US" smtClean="0"/>
-              <a:t>2020/6/4</a:t>
+              <a:t>2020/6/9</a:t>
             </a:fld>
             <a:endParaRPr kumimoji="1" lang="zh-TW" altLang="en-US"/>
           </a:p>
@@ -1147,7 +1148,7 @@
           <a:p>
             <a:fld id="{9E512E0B-7E90-B946-962A-8ABE01AC2B5D}" type="datetimeFigureOut">
               <a:rPr kumimoji="1" lang="zh-TW" altLang="en-US" smtClean="0"/>
-              <a:t>2020/6/4</a:t>
+              <a:t>2020/6/9</a:t>
             </a:fld>
             <a:endParaRPr kumimoji="1" lang="zh-TW" altLang="en-US"/>
           </a:p>
@@ -1468,7 +1469,7 @@
           <a:p>
             <a:fld id="{9E512E0B-7E90-B946-962A-8ABE01AC2B5D}" type="datetimeFigureOut">
               <a:rPr kumimoji="1" lang="zh-TW" altLang="en-US" smtClean="0"/>
-              <a:t>2020/6/4</a:t>
+              <a:t>2020/6/9</a:t>
             </a:fld>
             <a:endParaRPr kumimoji="1" lang="zh-TW" altLang="en-US"/>
           </a:p>
@@ -1928,7 +1929,7 @@
           <a:p>
             <a:fld id="{9E512E0B-7E90-B946-962A-8ABE01AC2B5D}" type="datetimeFigureOut">
               <a:rPr kumimoji="1" lang="zh-TW" altLang="en-US" smtClean="0"/>
-              <a:t>2020/6/4</a:t>
+              <a:t>2020/6/9</a:t>
             </a:fld>
             <a:endParaRPr kumimoji="1" lang="zh-TW" altLang="en-US"/>
           </a:p>
@@ -2339,7 +2340,7 @@
           <a:p>
             <a:fld id="{9E512E0B-7E90-B946-962A-8ABE01AC2B5D}" type="datetimeFigureOut">
               <a:rPr kumimoji="1" lang="zh-TW" altLang="en-US" smtClean="0"/>
-              <a:t>2020/6/4</a:t>
+              <a:t>2020/6/9</a:t>
             </a:fld>
             <a:endParaRPr kumimoji="1" lang="zh-TW" altLang="en-US"/>
           </a:p>
@@ -2457,7 +2458,7 @@
           <a:p>
             <a:fld id="{9E512E0B-7E90-B946-962A-8ABE01AC2B5D}" type="datetimeFigureOut">
               <a:rPr kumimoji="1" lang="zh-TW" altLang="en-US" smtClean="0"/>
-              <a:t>2020/6/4</a:t>
+              <a:t>2020/6/9</a:t>
             </a:fld>
             <a:endParaRPr kumimoji="1" lang="zh-TW" altLang="en-US"/>
           </a:p>
@@ -2575,7 +2576,7 @@
           <a:p>
             <a:fld id="{9E512E0B-7E90-B946-962A-8ABE01AC2B5D}" type="datetimeFigureOut">
               <a:rPr kumimoji="1" lang="zh-TW" altLang="en-US" smtClean="0"/>
-              <a:t>2020/6/4</a:t>
+              <a:t>2020/6/9</a:t>
             </a:fld>
             <a:endParaRPr kumimoji="1" lang="zh-TW" altLang="en-US"/>
           </a:p>
@@ -2933,7 +2934,7 @@
           <a:p>
             <a:fld id="{9E512E0B-7E90-B946-962A-8ABE01AC2B5D}" type="datetimeFigureOut">
               <a:rPr kumimoji="1" lang="zh-TW" altLang="en-US" smtClean="0"/>
-              <a:t>2020/6/4</a:t>
+              <a:t>2020/6/9</a:t>
             </a:fld>
             <a:endParaRPr kumimoji="1" lang="zh-TW" altLang="en-US"/>
           </a:p>
@@ -3440,7 +3441,7 @@
           <a:p>
             <a:fld id="{9E512E0B-7E90-B946-962A-8ABE01AC2B5D}" type="datetimeFigureOut">
               <a:rPr kumimoji="1" lang="zh-TW" altLang="en-US" smtClean="0"/>
-              <a:t>2020/6/4</a:t>
+              <a:t>2020/6/9</a:t>
             </a:fld>
             <a:endParaRPr kumimoji="1" lang="zh-TW" altLang="en-US"/>
           </a:p>
@@ -3795,7 +3796,7 @@
           <a:p>
             <a:fld id="{9E512E0B-7E90-B946-962A-8ABE01AC2B5D}" type="datetimeFigureOut">
               <a:rPr kumimoji="1" lang="zh-TW" altLang="en-US" smtClean="0"/>
-              <a:t>2020/6/4</a:t>
+              <a:t>2020/6/9</a:t>
             </a:fld>
             <a:endParaRPr kumimoji="1" lang="zh-TW" altLang="en-US"/>
           </a:p>
@@ -4664,7 +4665,7 @@
             </a:r>
             <a:r>
               <a:rPr kumimoji="1" lang="zh-CN" altLang="en-US" dirty="0"/>
-              <a:t>年度勝率、對手比分、驅逐出場次數</a:t>
+              <a:t>年度勝率、與對手的比分、驅逐出場次數</a:t>
             </a:r>
             <a:r>
               <a:rPr kumimoji="1" lang="en-US" altLang="zh-CN" dirty="0"/>
@@ -4727,7 +4728,7 @@
             <a:pPr lvl="1"/>
             <a:r>
               <a:rPr kumimoji="1" lang="zh-CN" altLang="en-US" dirty="0"/>
-              <a:t>打者：打擊率</a:t>
+              <a:t>打者：安打數、打擊率</a:t>
             </a:r>
             <a:r>
               <a:rPr kumimoji="1" lang="en-US" altLang="zh-CN" dirty="0"/>
@@ -4798,15 +4799,9 @@
             <a:endParaRPr kumimoji="1" lang="en-US" altLang="zh-CN" dirty="0"/>
           </a:p>
           <a:p>
-            <a:pPr lvl="1"/>
-            <a:r>
-              <a:rPr kumimoji="1" lang="en-US" altLang="zh-CN" dirty="0"/>
-              <a:t>Nasty</a:t>
-            </a:r>
-            <a:r>
-              <a:rPr kumimoji="1" lang="zh-CN" altLang="en-US" dirty="0"/>
-              <a:t>平均值</a:t>
-            </a:r>
+            <a:pPr marL="274320" lvl="1" indent="0">
+              <a:buNone/>
+            </a:pPr>
             <a:endParaRPr kumimoji="1" lang="en-US" altLang="zh-CN" dirty="0"/>
           </a:p>
           <a:p>
@@ -4968,6 +4963,36 @@
           <a:chExt cx="0" cy="0"/>
         </a:xfrm>
       </p:grpSpPr>
+      <p:pic>
+        <p:nvPicPr>
+          <p:cNvPr id="13" name="圖片 12">
+            <a:extLst>
+              <a:ext uri="{FF2B5EF4-FFF2-40B4-BE49-F238E27FC236}">
+                <a16:creationId xmlns:a16="http://schemas.microsoft.com/office/drawing/2014/main" id="{A1BA003C-92E3-9740-B380-B9656322B588}"/>
+              </a:ext>
+            </a:extLst>
+          </p:cNvPr>
+          <p:cNvPicPr>
+            <a:picLocks noChangeAspect="1"/>
+          </p:cNvPicPr>
+          <p:nvPr/>
+        </p:nvPicPr>
+        <p:blipFill>
+          <a:blip r:embed="rId2"/>
+          <a:stretch>
+            <a:fillRect/>
+          </a:stretch>
+        </p:blipFill>
+        <p:spPr>
+          <a:xfrm>
+            <a:off x="184877" y="1061409"/>
+            <a:ext cx="3355519" cy="5701951"/>
+          </a:xfrm>
+          <a:prstGeom prst="rect">
+            <a:avLst/>
+          </a:prstGeom>
+        </p:spPr>
+      </p:pic>
       <p:sp>
         <p:nvSpPr>
           <p:cNvPr id="2" name="標題 1">
@@ -4986,7 +5011,7 @@
         </p:nvSpPr>
         <p:spPr>
           <a:xfrm>
-            <a:off x="403167" y="166423"/>
+            <a:off x="335434" y="-98349"/>
             <a:ext cx="10058400" cy="1609344"/>
           </a:xfrm>
         </p:spPr>
@@ -5039,38 +5064,6 @@
           </a:p>
         </p:txBody>
       </p:sp>
-      <p:pic>
-        <p:nvPicPr>
-          <p:cNvPr id="4" name="內容版面配置區 3">
-            <a:extLst>
-              <a:ext uri="{FF2B5EF4-FFF2-40B4-BE49-F238E27FC236}">
-                <a16:creationId xmlns:a16="http://schemas.microsoft.com/office/drawing/2014/main" id="{BA7C0DCF-24AC-3B4D-B7ED-25436CF58985}"/>
-              </a:ext>
-            </a:extLst>
-          </p:cNvPr>
-          <p:cNvPicPr>
-            <a:picLocks noGrp="1" noChangeAspect="1"/>
-          </p:cNvPicPr>
-          <p:nvPr>
-            <p:ph idx="1"/>
-          </p:nvPr>
-        </p:nvPicPr>
-        <p:blipFill>
-          <a:blip r:embed="rId2"/>
-          <a:stretch>
-            <a:fillRect/>
-          </a:stretch>
-        </p:blipFill>
-        <p:spPr>
-          <a:xfrm>
-            <a:off x="255281" y="1906692"/>
-            <a:ext cx="3390900" cy="3860800"/>
-          </a:xfrm>
-          <a:prstGeom prst="rect">
-            <a:avLst/>
-          </a:prstGeom>
-        </p:spPr>
-      </p:pic>
       <p:sp>
         <p:nvSpPr>
           <p:cNvPr id="5" name="橢圓 4">
@@ -5085,8 +5078,8 @@
         </p:nvSpPr>
         <p:spPr>
           <a:xfrm>
-            <a:off x="332508" y="2855847"/>
-            <a:ext cx="989216" cy="261851"/>
+            <a:off x="184877" y="2181739"/>
+            <a:ext cx="946974" cy="247591"/>
           </a:xfrm>
           <a:prstGeom prst="ellipse">
             <a:avLst/>
@@ -5142,8 +5135,8 @@
         </p:nvSpPr>
         <p:spPr>
           <a:xfrm>
-            <a:off x="407323" y="3117698"/>
-            <a:ext cx="1128039" cy="282195"/>
+            <a:off x="273745" y="3600998"/>
+            <a:ext cx="1809455" cy="247591"/>
           </a:xfrm>
           <a:prstGeom prst="ellipse">
             <a:avLst/>
@@ -5199,8 +5192,8 @@
         </p:nvSpPr>
         <p:spPr>
           <a:xfrm>
-            <a:off x="403167" y="4556603"/>
-            <a:ext cx="1417320" cy="261851"/>
+            <a:off x="191756" y="4968477"/>
+            <a:ext cx="2847697" cy="247591"/>
           </a:xfrm>
           <a:prstGeom prst="ellipse">
             <a:avLst/>
@@ -5256,8 +5249,8 @@
         </p:nvSpPr>
         <p:spPr>
           <a:xfrm>
-            <a:off x="407323" y="4327773"/>
-            <a:ext cx="847898" cy="261851"/>
+            <a:off x="371211" y="4519333"/>
+            <a:ext cx="1626922" cy="298411"/>
           </a:xfrm>
           <a:prstGeom prst="ellipse">
             <a:avLst/>
@@ -5313,8 +5306,8 @@
         </p:nvSpPr>
         <p:spPr>
           <a:xfrm>
-            <a:off x="403167" y="3837092"/>
-            <a:ext cx="847898" cy="261851"/>
+            <a:off x="417689" y="3841256"/>
+            <a:ext cx="1196622" cy="247591"/>
           </a:xfrm>
           <a:prstGeom prst="ellipse">
             <a:avLst/>
@@ -5506,6 +5499,58 @@
           </a:prstGeom>
         </p:spPr>
       </p:pic>
+      <p:sp>
+        <p:nvSpPr>
+          <p:cNvPr id="14" name="文字方塊 13">
+            <a:extLst>
+              <a:ext uri="{FF2B5EF4-FFF2-40B4-BE49-F238E27FC236}">
+                <a16:creationId xmlns:a16="http://schemas.microsoft.com/office/drawing/2014/main" id="{7ACFDB93-A691-6A45-8ED0-D275C203AD89}"/>
+              </a:ext>
+            </a:extLst>
+          </p:cNvPr>
+          <p:cNvSpPr txBox="1"/>
+          <p:nvPr/>
+        </p:nvSpPr>
+        <p:spPr>
+          <a:xfrm>
+            <a:off x="1532330" y="2146759"/>
+            <a:ext cx="1181927" cy="369332"/>
+          </a:xfrm>
+          <a:prstGeom prst="rect">
+            <a:avLst/>
+          </a:prstGeom>
+          <a:noFill/>
+        </p:spPr>
+        <p:txBody>
+          <a:bodyPr wrap="none" rtlCol="0">
+            <a:spAutoFit/>
+          </a:bodyPr>
+          <a:lstStyle/>
+          <a:p>
+            <a:r>
+              <a:rPr kumimoji="1" lang="zh-CN" altLang="en-US" dirty="0">
+                <a:solidFill>
+                  <a:srgbClr val="FFFF00"/>
+                </a:solidFill>
+              </a:rPr>
+              <a:t>原始</a:t>
+            </a:r>
+            <a:r>
+              <a:rPr kumimoji="1" lang="en-US" altLang="zh-CN" dirty="0">
+                <a:solidFill>
+                  <a:srgbClr val="FFFF00"/>
+                </a:solidFill>
+              </a:rPr>
+              <a:t>table</a:t>
+            </a:r>
+            <a:endParaRPr kumimoji="1" lang="zh-TW" altLang="en-US" dirty="0">
+              <a:solidFill>
+                <a:srgbClr val="FFFF00"/>
+              </a:solidFill>
+            </a:endParaRPr>
+          </a:p>
+        </p:txBody>
+      </p:sp>
     </p:spTree>
     <p:extLst>
       <p:ext uri="{BB962C8B-B14F-4D97-AF65-F5344CB8AC3E}">
@@ -5516,6 +5561,1184 @@
   <p:clrMapOvr>
     <a:masterClrMapping/>
   </p:clrMapOvr>
+  <p:timing>
+    <p:tnLst>
+      <p:par>
+        <p:cTn id="1" dur="indefinite" restart="never" nodeType="tmRoot">
+          <p:childTnLst>
+            <p:seq concurrent="1" nextAc="seek">
+              <p:cTn id="2" dur="indefinite" nodeType="mainSeq">
+                <p:childTnLst>
+                  <p:par>
+                    <p:cTn id="3" fill="hold">
+                      <p:stCondLst>
+                        <p:cond delay="indefinite"/>
+                      </p:stCondLst>
+                      <p:childTnLst>
+                        <p:par>
+                          <p:cTn id="4" fill="hold">
+                            <p:stCondLst>
+                              <p:cond delay="0"/>
+                            </p:stCondLst>
+                            <p:childTnLst>
+                              <p:par>
+                                <p:cTn id="5" presetID="2" presetClass="entr" presetSubtype="4" fill="hold" nodeType="clickEffect">
+                                  <p:stCondLst>
+                                    <p:cond delay="0"/>
+                                  </p:stCondLst>
+                                  <p:childTnLst>
+                                    <p:set>
+                                      <p:cBhvr>
+                                        <p:cTn id="6" dur="1" fill="hold">
+                                          <p:stCondLst>
+                                            <p:cond delay="0"/>
+                                          </p:stCondLst>
+                                        </p:cTn>
+                                        <p:tgtEl>
+                                          <p:spTgt spid="13"/>
+                                        </p:tgtEl>
+                                        <p:attrNameLst>
+                                          <p:attrName>style.visibility</p:attrName>
+                                        </p:attrNameLst>
+                                      </p:cBhvr>
+                                      <p:to>
+                                        <p:strVal val="visible"/>
+                                      </p:to>
+                                    </p:set>
+                                    <p:anim calcmode="lin" valueType="num">
+                                      <p:cBhvr additive="base">
+                                        <p:cTn id="7" dur="500" fill="hold"/>
+                                        <p:tgtEl>
+                                          <p:spTgt spid="13"/>
+                                        </p:tgtEl>
+                                        <p:attrNameLst>
+                                          <p:attrName>ppt_x</p:attrName>
+                                        </p:attrNameLst>
+                                      </p:cBhvr>
+                                      <p:tavLst>
+                                        <p:tav tm="0">
+                                          <p:val>
+                                            <p:strVal val="#ppt_x"/>
+                                          </p:val>
+                                        </p:tav>
+                                        <p:tav tm="100000">
+                                          <p:val>
+                                            <p:strVal val="#ppt_x"/>
+                                          </p:val>
+                                        </p:tav>
+                                      </p:tavLst>
+                                    </p:anim>
+                                    <p:anim calcmode="lin" valueType="num">
+                                      <p:cBhvr additive="base">
+                                        <p:cTn id="8" dur="500" fill="hold"/>
+                                        <p:tgtEl>
+                                          <p:spTgt spid="13"/>
+                                        </p:tgtEl>
+                                        <p:attrNameLst>
+                                          <p:attrName>ppt_y</p:attrName>
+                                        </p:attrNameLst>
+                                      </p:cBhvr>
+                                      <p:tavLst>
+                                        <p:tav tm="0">
+                                          <p:val>
+                                            <p:strVal val="1+#ppt_h/2"/>
+                                          </p:val>
+                                        </p:tav>
+                                        <p:tav tm="100000">
+                                          <p:val>
+                                            <p:strVal val="#ppt_y"/>
+                                          </p:val>
+                                        </p:tav>
+                                      </p:tavLst>
+                                    </p:anim>
+                                  </p:childTnLst>
+                                </p:cTn>
+                              </p:par>
+                            </p:childTnLst>
+                          </p:cTn>
+                        </p:par>
+                      </p:childTnLst>
+                    </p:cTn>
+                  </p:par>
+                  <p:par>
+                    <p:cTn id="9" fill="hold">
+                      <p:stCondLst>
+                        <p:cond delay="indefinite"/>
+                      </p:stCondLst>
+                      <p:childTnLst>
+                        <p:par>
+                          <p:cTn id="10" fill="hold">
+                            <p:stCondLst>
+                              <p:cond delay="0"/>
+                            </p:stCondLst>
+                            <p:childTnLst>
+                              <p:par>
+                                <p:cTn id="11" presetID="37" presetClass="entr" presetSubtype="0" fill="hold" grpId="0" nodeType="clickEffect">
+                                  <p:stCondLst>
+                                    <p:cond delay="0"/>
+                                  </p:stCondLst>
+                                  <p:childTnLst>
+                                    <p:set>
+                                      <p:cBhvr>
+                                        <p:cTn id="12" dur="1" fill="hold">
+                                          <p:stCondLst>
+                                            <p:cond delay="0"/>
+                                          </p:stCondLst>
+                                        </p:cTn>
+                                        <p:tgtEl>
+                                          <p:spTgt spid="5"/>
+                                        </p:tgtEl>
+                                        <p:attrNameLst>
+                                          <p:attrName>style.visibility</p:attrName>
+                                        </p:attrNameLst>
+                                      </p:cBhvr>
+                                      <p:to>
+                                        <p:strVal val="visible"/>
+                                      </p:to>
+                                    </p:set>
+                                    <p:animEffect transition="in" filter="fade">
+                                      <p:cBhvr>
+                                        <p:cTn id="13" dur="1000"/>
+                                        <p:tgtEl>
+                                          <p:spTgt spid="5"/>
+                                        </p:tgtEl>
+                                      </p:cBhvr>
+                                    </p:animEffect>
+                                    <p:anim calcmode="lin" valueType="num">
+                                      <p:cBhvr>
+                                        <p:cTn id="14" dur="1000" fill="hold"/>
+                                        <p:tgtEl>
+                                          <p:spTgt spid="5"/>
+                                        </p:tgtEl>
+                                        <p:attrNameLst>
+                                          <p:attrName>ppt_x</p:attrName>
+                                        </p:attrNameLst>
+                                      </p:cBhvr>
+                                      <p:tavLst>
+                                        <p:tav tm="0">
+                                          <p:val>
+                                            <p:strVal val="#ppt_x"/>
+                                          </p:val>
+                                        </p:tav>
+                                        <p:tav tm="100000">
+                                          <p:val>
+                                            <p:strVal val="#ppt_x"/>
+                                          </p:val>
+                                        </p:tav>
+                                      </p:tavLst>
+                                    </p:anim>
+                                    <p:anim calcmode="lin" valueType="num">
+                                      <p:cBhvr>
+                                        <p:cTn id="15" dur="900" decel="100000" fill="hold"/>
+                                        <p:tgtEl>
+                                          <p:spTgt spid="5"/>
+                                        </p:tgtEl>
+                                        <p:attrNameLst>
+                                          <p:attrName>ppt_y</p:attrName>
+                                        </p:attrNameLst>
+                                      </p:cBhvr>
+                                      <p:tavLst>
+                                        <p:tav tm="0">
+                                          <p:val>
+                                            <p:strVal val="#ppt_y+1"/>
+                                          </p:val>
+                                        </p:tav>
+                                        <p:tav tm="100000">
+                                          <p:val>
+                                            <p:strVal val="#ppt_y-.03"/>
+                                          </p:val>
+                                        </p:tav>
+                                      </p:tavLst>
+                                    </p:anim>
+                                    <p:anim calcmode="lin" valueType="num">
+                                      <p:cBhvr>
+                                        <p:cTn id="16" dur="100" accel="100000" fill="hold">
+                                          <p:stCondLst>
+                                            <p:cond delay="900"/>
+                                          </p:stCondLst>
+                                        </p:cTn>
+                                        <p:tgtEl>
+                                          <p:spTgt spid="5"/>
+                                        </p:tgtEl>
+                                        <p:attrNameLst>
+                                          <p:attrName>ppt_y</p:attrName>
+                                        </p:attrNameLst>
+                                      </p:cBhvr>
+                                      <p:tavLst>
+                                        <p:tav tm="0">
+                                          <p:val>
+                                            <p:strVal val="#ppt_y-.03"/>
+                                          </p:val>
+                                        </p:tav>
+                                        <p:tav tm="100000">
+                                          <p:val>
+                                            <p:strVal val="#ppt_y"/>
+                                          </p:val>
+                                        </p:tav>
+                                      </p:tavLst>
+                                    </p:anim>
+                                  </p:childTnLst>
+                                </p:cTn>
+                              </p:par>
+                              <p:par>
+                                <p:cTn id="17" presetID="37" presetClass="entr" presetSubtype="0" fill="hold" grpId="0" nodeType="withEffect">
+                                  <p:stCondLst>
+                                    <p:cond delay="0"/>
+                                  </p:stCondLst>
+                                  <p:childTnLst>
+                                    <p:set>
+                                      <p:cBhvr>
+                                        <p:cTn id="18" dur="1" fill="hold">
+                                          <p:stCondLst>
+                                            <p:cond delay="0"/>
+                                          </p:stCondLst>
+                                        </p:cTn>
+                                        <p:tgtEl>
+                                          <p:spTgt spid="14"/>
+                                        </p:tgtEl>
+                                        <p:attrNameLst>
+                                          <p:attrName>style.visibility</p:attrName>
+                                        </p:attrNameLst>
+                                      </p:cBhvr>
+                                      <p:to>
+                                        <p:strVal val="visible"/>
+                                      </p:to>
+                                    </p:set>
+                                    <p:animEffect transition="in" filter="fade">
+                                      <p:cBhvr>
+                                        <p:cTn id="19" dur="1000"/>
+                                        <p:tgtEl>
+                                          <p:spTgt spid="14"/>
+                                        </p:tgtEl>
+                                      </p:cBhvr>
+                                    </p:animEffect>
+                                    <p:anim calcmode="lin" valueType="num">
+                                      <p:cBhvr>
+                                        <p:cTn id="20" dur="1000" fill="hold"/>
+                                        <p:tgtEl>
+                                          <p:spTgt spid="14"/>
+                                        </p:tgtEl>
+                                        <p:attrNameLst>
+                                          <p:attrName>ppt_x</p:attrName>
+                                        </p:attrNameLst>
+                                      </p:cBhvr>
+                                      <p:tavLst>
+                                        <p:tav tm="0">
+                                          <p:val>
+                                            <p:strVal val="#ppt_x"/>
+                                          </p:val>
+                                        </p:tav>
+                                        <p:tav tm="100000">
+                                          <p:val>
+                                            <p:strVal val="#ppt_x"/>
+                                          </p:val>
+                                        </p:tav>
+                                      </p:tavLst>
+                                    </p:anim>
+                                    <p:anim calcmode="lin" valueType="num">
+                                      <p:cBhvr>
+                                        <p:cTn id="21" dur="900" decel="100000" fill="hold"/>
+                                        <p:tgtEl>
+                                          <p:spTgt spid="14"/>
+                                        </p:tgtEl>
+                                        <p:attrNameLst>
+                                          <p:attrName>ppt_y</p:attrName>
+                                        </p:attrNameLst>
+                                      </p:cBhvr>
+                                      <p:tavLst>
+                                        <p:tav tm="0">
+                                          <p:val>
+                                            <p:strVal val="#ppt_y+1"/>
+                                          </p:val>
+                                        </p:tav>
+                                        <p:tav tm="100000">
+                                          <p:val>
+                                            <p:strVal val="#ppt_y-.03"/>
+                                          </p:val>
+                                        </p:tav>
+                                      </p:tavLst>
+                                    </p:anim>
+                                    <p:anim calcmode="lin" valueType="num">
+                                      <p:cBhvr>
+                                        <p:cTn id="22" dur="100" accel="100000" fill="hold">
+                                          <p:stCondLst>
+                                            <p:cond delay="900"/>
+                                          </p:stCondLst>
+                                        </p:cTn>
+                                        <p:tgtEl>
+                                          <p:spTgt spid="14"/>
+                                        </p:tgtEl>
+                                        <p:attrNameLst>
+                                          <p:attrName>ppt_y</p:attrName>
+                                        </p:attrNameLst>
+                                      </p:cBhvr>
+                                      <p:tavLst>
+                                        <p:tav tm="0">
+                                          <p:val>
+                                            <p:strVal val="#ppt_y-.03"/>
+                                          </p:val>
+                                        </p:tav>
+                                        <p:tav tm="100000">
+                                          <p:val>
+                                            <p:strVal val="#ppt_y"/>
+                                          </p:val>
+                                        </p:tav>
+                                      </p:tavLst>
+                                    </p:anim>
+                                  </p:childTnLst>
+                                </p:cTn>
+                              </p:par>
+                              <p:par>
+                                <p:cTn id="23" presetID="37" presetClass="entr" presetSubtype="0" fill="hold" grpId="0" nodeType="withEffect">
+                                  <p:stCondLst>
+                                    <p:cond delay="0"/>
+                                  </p:stCondLst>
+                                  <p:childTnLst>
+                                    <p:set>
+                                      <p:cBhvr>
+                                        <p:cTn id="24" dur="1" fill="hold">
+                                          <p:stCondLst>
+                                            <p:cond delay="0"/>
+                                          </p:stCondLst>
+                                        </p:cTn>
+                                        <p:tgtEl>
+                                          <p:spTgt spid="7"/>
+                                        </p:tgtEl>
+                                        <p:attrNameLst>
+                                          <p:attrName>style.visibility</p:attrName>
+                                        </p:attrNameLst>
+                                      </p:cBhvr>
+                                      <p:to>
+                                        <p:strVal val="visible"/>
+                                      </p:to>
+                                    </p:set>
+                                    <p:animEffect transition="in" filter="fade">
+                                      <p:cBhvr>
+                                        <p:cTn id="25" dur="1000"/>
+                                        <p:tgtEl>
+                                          <p:spTgt spid="7"/>
+                                        </p:tgtEl>
+                                      </p:cBhvr>
+                                    </p:animEffect>
+                                    <p:anim calcmode="lin" valueType="num">
+                                      <p:cBhvr>
+                                        <p:cTn id="26" dur="1000" fill="hold"/>
+                                        <p:tgtEl>
+                                          <p:spTgt spid="7"/>
+                                        </p:tgtEl>
+                                        <p:attrNameLst>
+                                          <p:attrName>ppt_x</p:attrName>
+                                        </p:attrNameLst>
+                                      </p:cBhvr>
+                                      <p:tavLst>
+                                        <p:tav tm="0">
+                                          <p:val>
+                                            <p:strVal val="#ppt_x"/>
+                                          </p:val>
+                                        </p:tav>
+                                        <p:tav tm="100000">
+                                          <p:val>
+                                            <p:strVal val="#ppt_x"/>
+                                          </p:val>
+                                        </p:tav>
+                                      </p:tavLst>
+                                    </p:anim>
+                                    <p:anim calcmode="lin" valueType="num">
+                                      <p:cBhvr>
+                                        <p:cTn id="27" dur="900" decel="100000" fill="hold"/>
+                                        <p:tgtEl>
+                                          <p:spTgt spid="7"/>
+                                        </p:tgtEl>
+                                        <p:attrNameLst>
+                                          <p:attrName>ppt_y</p:attrName>
+                                        </p:attrNameLst>
+                                      </p:cBhvr>
+                                      <p:tavLst>
+                                        <p:tav tm="0">
+                                          <p:val>
+                                            <p:strVal val="#ppt_y+1"/>
+                                          </p:val>
+                                        </p:tav>
+                                        <p:tav tm="100000">
+                                          <p:val>
+                                            <p:strVal val="#ppt_y-.03"/>
+                                          </p:val>
+                                        </p:tav>
+                                      </p:tavLst>
+                                    </p:anim>
+                                    <p:anim calcmode="lin" valueType="num">
+                                      <p:cBhvr>
+                                        <p:cTn id="28" dur="100" accel="100000" fill="hold">
+                                          <p:stCondLst>
+                                            <p:cond delay="900"/>
+                                          </p:stCondLst>
+                                        </p:cTn>
+                                        <p:tgtEl>
+                                          <p:spTgt spid="7"/>
+                                        </p:tgtEl>
+                                        <p:attrNameLst>
+                                          <p:attrName>ppt_y</p:attrName>
+                                        </p:attrNameLst>
+                                      </p:cBhvr>
+                                      <p:tavLst>
+                                        <p:tav tm="0">
+                                          <p:val>
+                                            <p:strVal val="#ppt_y-.03"/>
+                                          </p:val>
+                                        </p:tav>
+                                        <p:tav tm="100000">
+                                          <p:val>
+                                            <p:strVal val="#ppt_y"/>
+                                          </p:val>
+                                        </p:tav>
+                                      </p:tavLst>
+                                    </p:anim>
+                                  </p:childTnLst>
+                                </p:cTn>
+                              </p:par>
+                              <p:par>
+                                <p:cTn id="29" presetID="37" presetClass="entr" presetSubtype="0" fill="hold" grpId="0" nodeType="withEffect">
+                                  <p:stCondLst>
+                                    <p:cond delay="0"/>
+                                  </p:stCondLst>
+                                  <p:childTnLst>
+                                    <p:set>
+                                      <p:cBhvr>
+                                        <p:cTn id="30" dur="1" fill="hold">
+                                          <p:stCondLst>
+                                            <p:cond delay="0"/>
+                                          </p:stCondLst>
+                                        </p:cTn>
+                                        <p:tgtEl>
+                                          <p:spTgt spid="10"/>
+                                        </p:tgtEl>
+                                        <p:attrNameLst>
+                                          <p:attrName>style.visibility</p:attrName>
+                                        </p:attrNameLst>
+                                      </p:cBhvr>
+                                      <p:to>
+                                        <p:strVal val="visible"/>
+                                      </p:to>
+                                    </p:set>
+                                    <p:animEffect transition="in" filter="fade">
+                                      <p:cBhvr>
+                                        <p:cTn id="31" dur="1000"/>
+                                        <p:tgtEl>
+                                          <p:spTgt spid="10"/>
+                                        </p:tgtEl>
+                                      </p:cBhvr>
+                                    </p:animEffect>
+                                    <p:anim calcmode="lin" valueType="num">
+                                      <p:cBhvr>
+                                        <p:cTn id="32" dur="1000" fill="hold"/>
+                                        <p:tgtEl>
+                                          <p:spTgt spid="10"/>
+                                        </p:tgtEl>
+                                        <p:attrNameLst>
+                                          <p:attrName>ppt_x</p:attrName>
+                                        </p:attrNameLst>
+                                      </p:cBhvr>
+                                      <p:tavLst>
+                                        <p:tav tm="0">
+                                          <p:val>
+                                            <p:strVal val="#ppt_x"/>
+                                          </p:val>
+                                        </p:tav>
+                                        <p:tav tm="100000">
+                                          <p:val>
+                                            <p:strVal val="#ppt_x"/>
+                                          </p:val>
+                                        </p:tav>
+                                      </p:tavLst>
+                                    </p:anim>
+                                    <p:anim calcmode="lin" valueType="num">
+                                      <p:cBhvr>
+                                        <p:cTn id="33" dur="900" decel="100000" fill="hold"/>
+                                        <p:tgtEl>
+                                          <p:spTgt spid="10"/>
+                                        </p:tgtEl>
+                                        <p:attrNameLst>
+                                          <p:attrName>ppt_y</p:attrName>
+                                        </p:attrNameLst>
+                                      </p:cBhvr>
+                                      <p:tavLst>
+                                        <p:tav tm="0">
+                                          <p:val>
+                                            <p:strVal val="#ppt_y+1"/>
+                                          </p:val>
+                                        </p:tav>
+                                        <p:tav tm="100000">
+                                          <p:val>
+                                            <p:strVal val="#ppt_y-.03"/>
+                                          </p:val>
+                                        </p:tav>
+                                      </p:tavLst>
+                                    </p:anim>
+                                    <p:anim calcmode="lin" valueType="num">
+                                      <p:cBhvr>
+                                        <p:cTn id="34" dur="100" accel="100000" fill="hold">
+                                          <p:stCondLst>
+                                            <p:cond delay="900"/>
+                                          </p:stCondLst>
+                                        </p:cTn>
+                                        <p:tgtEl>
+                                          <p:spTgt spid="10"/>
+                                        </p:tgtEl>
+                                        <p:attrNameLst>
+                                          <p:attrName>ppt_y</p:attrName>
+                                        </p:attrNameLst>
+                                      </p:cBhvr>
+                                      <p:tavLst>
+                                        <p:tav tm="0">
+                                          <p:val>
+                                            <p:strVal val="#ppt_y-.03"/>
+                                          </p:val>
+                                        </p:tav>
+                                        <p:tav tm="100000">
+                                          <p:val>
+                                            <p:strVal val="#ppt_y"/>
+                                          </p:val>
+                                        </p:tav>
+                                      </p:tavLst>
+                                    </p:anim>
+                                  </p:childTnLst>
+                                </p:cTn>
+                              </p:par>
+                              <p:par>
+                                <p:cTn id="35" presetID="37" presetClass="entr" presetSubtype="0" fill="hold" grpId="0" nodeType="withEffect">
+                                  <p:stCondLst>
+                                    <p:cond delay="0"/>
+                                  </p:stCondLst>
+                                  <p:childTnLst>
+                                    <p:set>
+                                      <p:cBhvr>
+                                        <p:cTn id="36" dur="1" fill="hold">
+                                          <p:stCondLst>
+                                            <p:cond delay="0"/>
+                                          </p:stCondLst>
+                                        </p:cTn>
+                                        <p:tgtEl>
+                                          <p:spTgt spid="9"/>
+                                        </p:tgtEl>
+                                        <p:attrNameLst>
+                                          <p:attrName>style.visibility</p:attrName>
+                                        </p:attrNameLst>
+                                      </p:cBhvr>
+                                      <p:to>
+                                        <p:strVal val="visible"/>
+                                      </p:to>
+                                    </p:set>
+                                    <p:animEffect transition="in" filter="fade">
+                                      <p:cBhvr>
+                                        <p:cTn id="37" dur="1000"/>
+                                        <p:tgtEl>
+                                          <p:spTgt spid="9"/>
+                                        </p:tgtEl>
+                                      </p:cBhvr>
+                                    </p:animEffect>
+                                    <p:anim calcmode="lin" valueType="num">
+                                      <p:cBhvr>
+                                        <p:cTn id="38" dur="1000" fill="hold"/>
+                                        <p:tgtEl>
+                                          <p:spTgt spid="9"/>
+                                        </p:tgtEl>
+                                        <p:attrNameLst>
+                                          <p:attrName>ppt_x</p:attrName>
+                                        </p:attrNameLst>
+                                      </p:cBhvr>
+                                      <p:tavLst>
+                                        <p:tav tm="0">
+                                          <p:val>
+                                            <p:strVal val="#ppt_x"/>
+                                          </p:val>
+                                        </p:tav>
+                                        <p:tav tm="100000">
+                                          <p:val>
+                                            <p:strVal val="#ppt_x"/>
+                                          </p:val>
+                                        </p:tav>
+                                      </p:tavLst>
+                                    </p:anim>
+                                    <p:anim calcmode="lin" valueType="num">
+                                      <p:cBhvr>
+                                        <p:cTn id="39" dur="900" decel="100000" fill="hold"/>
+                                        <p:tgtEl>
+                                          <p:spTgt spid="9"/>
+                                        </p:tgtEl>
+                                        <p:attrNameLst>
+                                          <p:attrName>ppt_y</p:attrName>
+                                        </p:attrNameLst>
+                                      </p:cBhvr>
+                                      <p:tavLst>
+                                        <p:tav tm="0">
+                                          <p:val>
+                                            <p:strVal val="#ppt_y+1"/>
+                                          </p:val>
+                                        </p:tav>
+                                        <p:tav tm="100000">
+                                          <p:val>
+                                            <p:strVal val="#ppt_y-.03"/>
+                                          </p:val>
+                                        </p:tav>
+                                      </p:tavLst>
+                                    </p:anim>
+                                    <p:anim calcmode="lin" valueType="num">
+                                      <p:cBhvr>
+                                        <p:cTn id="40" dur="100" accel="100000" fill="hold">
+                                          <p:stCondLst>
+                                            <p:cond delay="900"/>
+                                          </p:stCondLst>
+                                        </p:cTn>
+                                        <p:tgtEl>
+                                          <p:spTgt spid="9"/>
+                                        </p:tgtEl>
+                                        <p:attrNameLst>
+                                          <p:attrName>ppt_y</p:attrName>
+                                        </p:attrNameLst>
+                                      </p:cBhvr>
+                                      <p:tavLst>
+                                        <p:tav tm="0">
+                                          <p:val>
+                                            <p:strVal val="#ppt_y-.03"/>
+                                          </p:val>
+                                        </p:tav>
+                                        <p:tav tm="100000">
+                                          <p:val>
+                                            <p:strVal val="#ppt_y"/>
+                                          </p:val>
+                                        </p:tav>
+                                      </p:tavLst>
+                                    </p:anim>
+                                  </p:childTnLst>
+                                </p:cTn>
+                              </p:par>
+                              <p:par>
+                                <p:cTn id="41" presetID="37" presetClass="entr" presetSubtype="0" fill="hold" grpId="0" nodeType="withEffect">
+                                  <p:stCondLst>
+                                    <p:cond delay="0"/>
+                                  </p:stCondLst>
+                                  <p:childTnLst>
+                                    <p:set>
+                                      <p:cBhvr>
+                                        <p:cTn id="42" dur="1" fill="hold">
+                                          <p:stCondLst>
+                                            <p:cond delay="0"/>
+                                          </p:stCondLst>
+                                        </p:cTn>
+                                        <p:tgtEl>
+                                          <p:spTgt spid="8"/>
+                                        </p:tgtEl>
+                                        <p:attrNameLst>
+                                          <p:attrName>style.visibility</p:attrName>
+                                        </p:attrNameLst>
+                                      </p:cBhvr>
+                                      <p:to>
+                                        <p:strVal val="visible"/>
+                                      </p:to>
+                                    </p:set>
+                                    <p:animEffect transition="in" filter="fade">
+                                      <p:cBhvr>
+                                        <p:cTn id="43" dur="1000"/>
+                                        <p:tgtEl>
+                                          <p:spTgt spid="8"/>
+                                        </p:tgtEl>
+                                      </p:cBhvr>
+                                    </p:animEffect>
+                                    <p:anim calcmode="lin" valueType="num">
+                                      <p:cBhvr>
+                                        <p:cTn id="44" dur="1000" fill="hold"/>
+                                        <p:tgtEl>
+                                          <p:spTgt spid="8"/>
+                                        </p:tgtEl>
+                                        <p:attrNameLst>
+                                          <p:attrName>ppt_x</p:attrName>
+                                        </p:attrNameLst>
+                                      </p:cBhvr>
+                                      <p:tavLst>
+                                        <p:tav tm="0">
+                                          <p:val>
+                                            <p:strVal val="#ppt_x"/>
+                                          </p:val>
+                                        </p:tav>
+                                        <p:tav tm="100000">
+                                          <p:val>
+                                            <p:strVal val="#ppt_x"/>
+                                          </p:val>
+                                        </p:tav>
+                                      </p:tavLst>
+                                    </p:anim>
+                                    <p:anim calcmode="lin" valueType="num">
+                                      <p:cBhvr>
+                                        <p:cTn id="45" dur="900" decel="100000" fill="hold"/>
+                                        <p:tgtEl>
+                                          <p:spTgt spid="8"/>
+                                        </p:tgtEl>
+                                        <p:attrNameLst>
+                                          <p:attrName>ppt_y</p:attrName>
+                                        </p:attrNameLst>
+                                      </p:cBhvr>
+                                      <p:tavLst>
+                                        <p:tav tm="0">
+                                          <p:val>
+                                            <p:strVal val="#ppt_y+1"/>
+                                          </p:val>
+                                        </p:tav>
+                                        <p:tav tm="100000">
+                                          <p:val>
+                                            <p:strVal val="#ppt_y-.03"/>
+                                          </p:val>
+                                        </p:tav>
+                                      </p:tavLst>
+                                    </p:anim>
+                                    <p:anim calcmode="lin" valueType="num">
+                                      <p:cBhvr>
+                                        <p:cTn id="46" dur="100" accel="100000" fill="hold">
+                                          <p:stCondLst>
+                                            <p:cond delay="900"/>
+                                          </p:stCondLst>
+                                        </p:cTn>
+                                        <p:tgtEl>
+                                          <p:spTgt spid="8"/>
+                                        </p:tgtEl>
+                                        <p:attrNameLst>
+                                          <p:attrName>ppt_y</p:attrName>
+                                        </p:attrNameLst>
+                                      </p:cBhvr>
+                                      <p:tavLst>
+                                        <p:tav tm="0">
+                                          <p:val>
+                                            <p:strVal val="#ppt_y-.03"/>
+                                          </p:val>
+                                        </p:tav>
+                                        <p:tav tm="100000">
+                                          <p:val>
+                                            <p:strVal val="#ppt_y"/>
+                                          </p:val>
+                                        </p:tav>
+                                      </p:tavLst>
+                                    </p:anim>
+                                  </p:childTnLst>
+                                </p:cTn>
+                              </p:par>
+                            </p:childTnLst>
+                          </p:cTn>
+                        </p:par>
+                      </p:childTnLst>
+                    </p:cTn>
+                  </p:par>
+                  <p:par>
+                    <p:cTn id="47" fill="hold">
+                      <p:stCondLst>
+                        <p:cond delay="indefinite"/>
+                      </p:stCondLst>
+                      <p:childTnLst>
+                        <p:par>
+                          <p:cTn id="48" fill="hold">
+                            <p:stCondLst>
+                              <p:cond delay="0"/>
+                            </p:stCondLst>
+                            <p:childTnLst>
+                              <p:par>
+                                <p:cTn id="49" presetID="17" presetClass="entr" presetSubtype="10" fill="hold" nodeType="clickEffect">
+                                  <p:stCondLst>
+                                    <p:cond delay="0"/>
+                                  </p:stCondLst>
+                                  <p:childTnLst>
+                                    <p:set>
+                                      <p:cBhvr>
+                                        <p:cTn id="50" dur="1" fill="hold">
+                                          <p:stCondLst>
+                                            <p:cond delay="0"/>
+                                          </p:stCondLst>
+                                        </p:cTn>
+                                        <p:tgtEl>
+                                          <p:spTgt spid="6"/>
+                                        </p:tgtEl>
+                                        <p:attrNameLst>
+                                          <p:attrName>style.visibility</p:attrName>
+                                        </p:attrNameLst>
+                                      </p:cBhvr>
+                                      <p:to>
+                                        <p:strVal val="visible"/>
+                                      </p:to>
+                                    </p:set>
+                                    <p:anim calcmode="lin" valueType="num">
+                                      <p:cBhvr>
+                                        <p:cTn id="51" dur="500" fill="hold"/>
+                                        <p:tgtEl>
+                                          <p:spTgt spid="6"/>
+                                        </p:tgtEl>
+                                        <p:attrNameLst>
+                                          <p:attrName>ppt_w</p:attrName>
+                                        </p:attrNameLst>
+                                      </p:cBhvr>
+                                      <p:tavLst>
+                                        <p:tav tm="0">
+                                          <p:val>
+                                            <p:fltVal val="0"/>
+                                          </p:val>
+                                        </p:tav>
+                                        <p:tav tm="100000">
+                                          <p:val>
+                                            <p:strVal val="#ppt_w"/>
+                                          </p:val>
+                                        </p:tav>
+                                      </p:tavLst>
+                                    </p:anim>
+                                    <p:anim calcmode="lin" valueType="num">
+                                      <p:cBhvr>
+                                        <p:cTn id="52" dur="500" fill="hold"/>
+                                        <p:tgtEl>
+                                          <p:spTgt spid="6"/>
+                                        </p:tgtEl>
+                                        <p:attrNameLst>
+                                          <p:attrName>ppt_h</p:attrName>
+                                        </p:attrNameLst>
+                                      </p:cBhvr>
+                                      <p:tavLst>
+                                        <p:tav tm="0">
+                                          <p:val>
+                                            <p:strVal val="#ppt_h"/>
+                                          </p:val>
+                                        </p:tav>
+                                        <p:tav tm="100000">
+                                          <p:val>
+                                            <p:strVal val="#ppt_h"/>
+                                          </p:val>
+                                        </p:tav>
+                                      </p:tavLst>
+                                    </p:anim>
+                                  </p:childTnLst>
+                                </p:cTn>
+                              </p:par>
+                              <p:par>
+                                <p:cTn id="53" presetID="17" presetClass="entr" presetSubtype="10" fill="hold" nodeType="withEffect">
+                                  <p:stCondLst>
+                                    <p:cond delay="0"/>
+                                  </p:stCondLst>
+                                  <p:childTnLst>
+                                    <p:set>
+                                      <p:cBhvr>
+                                        <p:cTn id="54" dur="1" fill="hold">
+                                          <p:stCondLst>
+                                            <p:cond delay="0"/>
+                                          </p:stCondLst>
+                                        </p:cTn>
+                                        <p:tgtEl>
+                                          <p:spTgt spid="20"/>
+                                        </p:tgtEl>
+                                        <p:attrNameLst>
+                                          <p:attrName>style.visibility</p:attrName>
+                                        </p:attrNameLst>
+                                      </p:cBhvr>
+                                      <p:to>
+                                        <p:strVal val="visible"/>
+                                      </p:to>
+                                    </p:set>
+                                    <p:anim calcmode="lin" valueType="num">
+                                      <p:cBhvr>
+                                        <p:cTn id="55" dur="500" fill="hold"/>
+                                        <p:tgtEl>
+                                          <p:spTgt spid="20"/>
+                                        </p:tgtEl>
+                                        <p:attrNameLst>
+                                          <p:attrName>ppt_w</p:attrName>
+                                        </p:attrNameLst>
+                                      </p:cBhvr>
+                                      <p:tavLst>
+                                        <p:tav tm="0">
+                                          <p:val>
+                                            <p:fltVal val="0"/>
+                                          </p:val>
+                                        </p:tav>
+                                        <p:tav tm="100000">
+                                          <p:val>
+                                            <p:strVal val="#ppt_w"/>
+                                          </p:val>
+                                        </p:tav>
+                                      </p:tavLst>
+                                    </p:anim>
+                                    <p:anim calcmode="lin" valueType="num">
+                                      <p:cBhvr>
+                                        <p:cTn id="56" dur="500" fill="hold"/>
+                                        <p:tgtEl>
+                                          <p:spTgt spid="20"/>
+                                        </p:tgtEl>
+                                        <p:attrNameLst>
+                                          <p:attrName>ppt_h</p:attrName>
+                                        </p:attrNameLst>
+                                      </p:cBhvr>
+                                      <p:tavLst>
+                                        <p:tav tm="0">
+                                          <p:val>
+                                            <p:strVal val="#ppt_h"/>
+                                          </p:val>
+                                        </p:tav>
+                                        <p:tav tm="100000">
+                                          <p:val>
+                                            <p:strVal val="#ppt_h"/>
+                                          </p:val>
+                                        </p:tav>
+                                      </p:tavLst>
+                                    </p:anim>
+                                  </p:childTnLst>
+                                </p:cTn>
+                              </p:par>
+                              <p:par>
+                                <p:cTn id="57" presetID="17" presetClass="entr" presetSubtype="10" fill="hold" nodeType="withEffect">
+                                  <p:stCondLst>
+                                    <p:cond delay="0"/>
+                                  </p:stCondLst>
+                                  <p:childTnLst>
+                                    <p:set>
+                                      <p:cBhvr>
+                                        <p:cTn id="58" dur="1" fill="hold">
+                                          <p:stCondLst>
+                                            <p:cond delay="0"/>
+                                          </p:stCondLst>
+                                        </p:cTn>
+                                        <p:tgtEl>
+                                          <p:spTgt spid="17"/>
+                                        </p:tgtEl>
+                                        <p:attrNameLst>
+                                          <p:attrName>style.visibility</p:attrName>
+                                        </p:attrNameLst>
+                                      </p:cBhvr>
+                                      <p:to>
+                                        <p:strVal val="visible"/>
+                                      </p:to>
+                                    </p:set>
+                                    <p:anim calcmode="lin" valueType="num">
+                                      <p:cBhvr>
+                                        <p:cTn id="59" dur="500" fill="hold"/>
+                                        <p:tgtEl>
+                                          <p:spTgt spid="17"/>
+                                        </p:tgtEl>
+                                        <p:attrNameLst>
+                                          <p:attrName>ppt_w</p:attrName>
+                                        </p:attrNameLst>
+                                      </p:cBhvr>
+                                      <p:tavLst>
+                                        <p:tav tm="0">
+                                          <p:val>
+                                            <p:fltVal val="0"/>
+                                          </p:val>
+                                        </p:tav>
+                                        <p:tav tm="100000">
+                                          <p:val>
+                                            <p:strVal val="#ppt_w"/>
+                                          </p:val>
+                                        </p:tav>
+                                      </p:tavLst>
+                                    </p:anim>
+                                    <p:anim calcmode="lin" valueType="num">
+                                      <p:cBhvr>
+                                        <p:cTn id="60" dur="500" fill="hold"/>
+                                        <p:tgtEl>
+                                          <p:spTgt spid="17"/>
+                                        </p:tgtEl>
+                                        <p:attrNameLst>
+                                          <p:attrName>ppt_h</p:attrName>
+                                        </p:attrNameLst>
+                                      </p:cBhvr>
+                                      <p:tavLst>
+                                        <p:tav tm="0">
+                                          <p:val>
+                                            <p:strVal val="#ppt_h"/>
+                                          </p:val>
+                                        </p:tav>
+                                        <p:tav tm="100000">
+                                          <p:val>
+                                            <p:strVal val="#ppt_h"/>
+                                          </p:val>
+                                        </p:tav>
+                                      </p:tavLst>
+                                    </p:anim>
+                                  </p:childTnLst>
+                                </p:cTn>
+                              </p:par>
+                              <p:par>
+                                <p:cTn id="61" presetID="17" presetClass="entr" presetSubtype="10" fill="hold" nodeType="withEffect">
+                                  <p:stCondLst>
+                                    <p:cond delay="0"/>
+                                  </p:stCondLst>
+                                  <p:childTnLst>
+                                    <p:set>
+                                      <p:cBhvr>
+                                        <p:cTn id="62" dur="1" fill="hold">
+                                          <p:stCondLst>
+                                            <p:cond delay="0"/>
+                                          </p:stCondLst>
+                                        </p:cTn>
+                                        <p:tgtEl>
+                                          <p:spTgt spid="3"/>
+                                        </p:tgtEl>
+                                        <p:attrNameLst>
+                                          <p:attrName>style.visibility</p:attrName>
+                                        </p:attrNameLst>
+                                      </p:cBhvr>
+                                      <p:to>
+                                        <p:strVal val="visible"/>
+                                      </p:to>
+                                    </p:set>
+                                    <p:anim calcmode="lin" valueType="num">
+                                      <p:cBhvr>
+                                        <p:cTn id="63" dur="500" fill="hold"/>
+                                        <p:tgtEl>
+                                          <p:spTgt spid="3"/>
+                                        </p:tgtEl>
+                                        <p:attrNameLst>
+                                          <p:attrName>ppt_w</p:attrName>
+                                        </p:attrNameLst>
+                                      </p:cBhvr>
+                                      <p:tavLst>
+                                        <p:tav tm="0">
+                                          <p:val>
+                                            <p:fltVal val="0"/>
+                                          </p:val>
+                                        </p:tav>
+                                        <p:tav tm="100000">
+                                          <p:val>
+                                            <p:strVal val="#ppt_w"/>
+                                          </p:val>
+                                        </p:tav>
+                                      </p:tavLst>
+                                    </p:anim>
+                                    <p:anim calcmode="lin" valueType="num">
+                                      <p:cBhvr>
+                                        <p:cTn id="64" dur="500" fill="hold"/>
+                                        <p:tgtEl>
+                                          <p:spTgt spid="3"/>
+                                        </p:tgtEl>
+                                        <p:attrNameLst>
+                                          <p:attrName>ppt_h</p:attrName>
+                                        </p:attrNameLst>
+                                      </p:cBhvr>
+                                      <p:tavLst>
+                                        <p:tav tm="0">
+                                          <p:val>
+                                            <p:strVal val="#ppt_h"/>
+                                          </p:val>
+                                        </p:tav>
+                                        <p:tav tm="100000">
+                                          <p:val>
+                                            <p:strVal val="#ppt_h"/>
+                                          </p:val>
+                                        </p:tav>
+                                      </p:tavLst>
+                                    </p:anim>
+                                  </p:childTnLst>
+                                </p:cTn>
+                              </p:par>
+                              <p:par>
+                                <p:cTn id="65" presetID="17" presetClass="entr" presetSubtype="10" fill="hold" nodeType="withEffect">
+                                  <p:stCondLst>
+                                    <p:cond delay="0"/>
+                                  </p:stCondLst>
+                                  <p:childTnLst>
+                                    <p:set>
+                                      <p:cBhvr>
+                                        <p:cTn id="66" dur="1" fill="hold">
+                                          <p:stCondLst>
+                                            <p:cond delay="0"/>
+                                          </p:stCondLst>
+                                        </p:cTn>
+                                        <p:tgtEl>
+                                          <p:spTgt spid="18"/>
+                                        </p:tgtEl>
+                                        <p:attrNameLst>
+                                          <p:attrName>style.visibility</p:attrName>
+                                        </p:attrNameLst>
+                                      </p:cBhvr>
+                                      <p:to>
+                                        <p:strVal val="visible"/>
+                                      </p:to>
+                                    </p:set>
+                                    <p:anim calcmode="lin" valueType="num">
+                                      <p:cBhvr>
+                                        <p:cTn id="67" dur="500" fill="hold"/>
+                                        <p:tgtEl>
+                                          <p:spTgt spid="18"/>
+                                        </p:tgtEl>
+                                        <p:attrNameLst>
+                                          <p:attrName>ppt_w</p:attrName>
+                                        </p:attrNameLst>
+                                      </p:cBhvr>
+                                      <p:tavLst>
+                                        <p:tav tm="0">
+                                          <p:val>
+                                            <p:fltVal val="0"/>
+                                          </p:val>
+                                        </p:tav>
+                                        <p:tav tm="100000">
+                                          <p:val>
+                                            <p:strVal val="#ppt_w"/>
+                                          </p:val>
+                                        </p:tav>
+                                      </p:tavLst>
+                                    </p:anim>
+                                    <p:anim calcmode="lin" valueType="num">
+                                      <p:cBhvr>
+                                        <p:cTn id="68" dur="500" fill="hold"/>
+                                        <p:tgtEl>
+                                          <p:spTgt spid="18"/>
+                                        </p:tgtEl>
+                                        <p:attrNameLst>
+                                          <p:attrName>ppt_h</p:attrName>
+                                        </p:attrNameLst>
+                                      </p:cBhvr>
+                                      <p:tavLst>
+                                        <p:tav tm="0">
+                                          <p:val>
+                                            <p:strVal val="#ppt_h"/>
+                                          </p:val>
+                                        </p:tav>
+                                        <p:tav tm="100000">
+                                          <p:val>
+                                            <p:strVal val="#ppt_h"/>
+                                          </p:val>
+                                        </p:tav>
+                                      </p:tavLst>
+                                    </p:anim>
+                                  </p:childTnLst>
+                                </p:cTn>
+                              </p:par>
+                            </p:childTnLst>
+                          </p:cTn>
+                        </p:par>
+                      </p:childTnLst>
+                    </p:cTn>
+                  </p:par>
+                </p:childTnLst>
+              </p:cTn>
+              <p:prevCondLst>
+                <p:cond evt="onPrev" delay="0">
+                  <p:tgtEl>
+                    <p:sldTgt/>
+                  </p:tgtEl>
+                </p:cond>
+              </p:prevCondLst>
+              <p:nextCondLst>
+                <p:cond evt="onNext" delay="0">
+                  <p:tgtEl>
+                    <p:sldTgt/>
+                  </p:tgtEl>
+                </p:cond>
+              </p:nextCondLst>
+            </p:seq>
+          </p:childTnLst>
+        </p:cTn>
+      </p:par>
+    </p:tnLst>
+    <p:bldLst>
+      <p:bldP spid="5" grpId="0" animBg="1"/>
+      <p:bldP spid="7" grpId="0" animBg="1"/>
+      <p:bldP spid="8" grpId="0" animBg="1"/>
+      <p:bldP spid="9" grpId="0" animBg="1"/>
+      <p:bldP spid="10" grpId="0" animBg="1"/>
+      <p:bldP spid="14" grpId="0"/>
+    </p:bldLst>
+  </p:timing>
 </p:sld>
 </file>
 
@@ -5728,6 +6951,86 @@
     <p:extLst>
       <p:ext uri="{BB962C8B-B14F-4D97-AF65-F5344CB8AC3E}">
         <p14:creationId xmlns:p14="http://schemas.microsoft.com/office/powerpoint/2010/main" val="3477721775"/>
+      </p:ext>
+    </p:extLst>
+  </p:cSld>
+  <p:clrMapOvr>
+    <a:masterClrMapping/>
+  </p:clrMapOvr>
+</p:sld>
+</file>
+
+<file path=ppt/slides/slide7.xml><?xml version="1.0" encoding="utf-8"?>
+<p:sld xmlns:a="http://schemas.openxmlformats.org/drawingml/2006/main" xmlns:r="http://schemas.openxmlformats.org/officeDocument/2006/relationships" xmlns:p="http://schemas.openxmlformats.org/presentationml/2006/main">
+  <p:cSld>
+    <p:spTree>
+      <p:nvGrpSpPr>
+        <p:cNvPr id="1" name=""/>
+        <p:cNvGrpSpPr/>
+        <p:nvPr/>
+      </p:nvGrpSpPr>
+      <p:grpSpPr>
+        <a:xfrm>
+          <a:off x="0" y="0"/>
+          <a:ext cx="0" cy="0"/>
+          <a:chOff x="0" y="0"/>
+          <a:chExt cx="0" cy="0"/>
+        </a:xfrm>
+      </p:grpSpPr>
+      <p:sp>
+        <p:nvSpPr>
+          <p:cNvPr id="2" name="標題 1">
+            <a:extLst>
+              <a:ext uri="{FF2B5EF4-FFF2-40B4-BE49-F238E27FC236}">
+                <a16:creationId xmlns:a16="http://schemas.microsoft.com/office/drawing/2014/main" id="{35ED88A4-AF75-044B-9D36-89FCF5F31209}"/>
+              </a:ext>
+            </a:extLst>
+          </p:cNvPr>
+          <p:cNvSpPr>
+            <a:spLocks noGrp="1"/>
+          </p:cNvSpPr>
+          <p:nvPr>
+            <p:ph type="title"/>
+          </p:nvPr>
+        </p:nvSpPr>
+        <p:spPr/>
+        <p:txBody>
+          <a:bodyPr/>
+          <a:lstStyle/>
+          <a:p>
+            <a:endParaRPr kumimoji="1" lang="zh-TW" altLang="en-US"/>
+          </a:p>
+        </p:txBody>
+      </p:sp>
+      <p:sp>
+        <p:nvSpPr>
+          <p:cNvPr id="3" name="內容版面配置區 2">
+            <a:extLst>
+              <a:ext uri="{FF2B5EF4-FFF2-40B4-BE49-F238E27FC236}">
+                <a16:creationId xmlns:a16="http://schemas.microsoft.com/office/drawing/2014/main" id="{8AAA5C91-4703-5F43-B187-E106B7A5CE56}"/>
+              </a:ext>
+            </a:extLst>
+          </p:cNvPr>
+          <p:cNvSpPr>
+            <a:spLocks noGrp="1"/>
+          </p:cNvSpPr>
+          <p:nvPr>
+            <p:ph idx="1"/>
+          </p:nvPr>
+        </p:nvSpPr>
+        <p:spPr/>
+        <p:txBody>
+          <a:bodyPr/>
+          <a:lstStyle/>
+          <a:p>
+            <a:endParaRPr kumimoji="1" lang="zh-TW" altLang="en-US"/>
+          </a:p>
+        </p:txBody>
+      </p:sp>
+    </p:spTree>
+    <p:extLst>
+      <p:ext uri="{BB962C8B-B14F-4D97-AF65-F5344CB8AC3E}">
+        <p14:creationId xmlns:p14="http://schemas.microsoft.com/office/powerpoint/2010/main" val="3342573951"/>
       </p:ext>
     </p:extLst>
   </p:cSld>

--- a/report.pptx
+++ b/report.pptx
@@ -7,11 +7,14 @@
   <p:sldIdLst>
     <p:sldId id="256" r:id="rId2"/>
     <p:sldId id="257" r:id="rId3"/>
-    <p:sldId id="258" r:id="rId4"/>
-    <p:sldId id="259" r:id="rId5"/>
-    <p:sldId id="260" r:id="rId6"/>
-    <p:sldId id="261" r:id="rId7"/>
-    <p:sldId id="262" r:id="rId8"/>
+    <p:sldId id="265" r:id="rId4"/>
+    <p:sldId id="258" r:id="rId5"/>
+    <p:sldId id="259" r:id="rId6"/>
+    <p:sldId id="260" r:id="rId7"/>
+    <p:sldId id="264" r:id="rId8"/>
+    <p:sldId id="263" r:id="rId9"/>
+    <p:sldId id="261" r:id="rId10"/>
+    <p:sldId id="262" r:id="rId11"/>
   </p:sldIdLst>
   <p:sldSz cx="12192000" cy="6858000"/>
   <p:notesSz cx="6858000" cy="9144000"/>
@@ -4572,6 +4575,86 @@
 </p:sld>
 </file>
 
+<file path=ppt/slides/slide10.xml><?xml version="1.0" encoding="utf-8"?>
+<p:sld xmlns:a="http://schemas.openxmlformats.org/drawingml/2006/main" xmlns:r="http://schemas.openxmlformats.org/officeDocument/2006/relationships" xmlns:p="http://schemas.openxmlformats.org/presentationml/2006/main">
+  <p:cSld>
+    <p:spTree>
+      <p:nvGrpSpPr>
+        <p:cNvPr id="1" name=""/>
+        <p:cNvGrpSpPr/>
+        <p:nvPr/>
+      </p:nvGrpSpPr>
+      <p:grpSpPr>
+        <a:xfrm>
+          <a:off x="0" y="0"/>
+          <a:ext cx="0" cy="0"/>
+          <a:chOff x="0" y="0"/>
+          <a:chExt cx="0" cy="0"/>
+        </a:xfrm>
+      </p:grpSpPr>
+      <p:sp>
+        <p:nvSpPr>
+          <p:cNvPr id="2" name="標題 1">
+            <a:extLst>
+              <a:ext uri="{FF2B5EF4-FFF2-40B4-BE49-F238E27FC236}">
+                <a16:creationId xmlns:a16="http://schemas.microsoft.com/office/drawing/2014/main" id="{35ED88A4-AF75-044B-9D36-89FCF5F31209}"/>
+              </a:ext>
+            </a:extLst>
+          </p:cNvPr>
+          <p:cNvSpPr>
+            <a:spLocks noGrp="1"/>
+          </p:cNvSpPr>
+          <p:nvPr>
+            <p:ph type="title"/>
+          </p:nvPr>
+        </p:nvSpPr>
+        <p:spPr/>
+        <p:txBody>
+          <a:bodyPr/>
+          <a:lstStyle/>
+          <a:p>
+            <a:endParaRPr kumimoji="1" lang="zh-TW" altLang="en-US"/>
+          </a:p>
+        </p:txBody>
+      </p:sp>
+      <p:sp>
+        <p:nvSpPr>
+          <p:cNvPr id="3" name="內容版面配置區 2">
+            <a:extLst>
+              <a:ext uri="{FF2B5EF4-FFF2-40B4-BE49-F238E27FC236}">
+                <a16:creationId xmlns:a16="http://schemas.microsoft.com/office/drawing/2014/main" id="{8AAA5C91-4703-5F43-B187-E106B7A5CE56}"/>
+              </a:ext>
+            </a:extLst>
+          </p:cNvPr>
+          <p:cNvSpPr>
+            <a:spLocks noGrp="1"/>
+          </p:cNvSpPr>
+          <p:nvPr>
+            <p:ph idx="1"/>
+          </p:nvPr>
+        </p:nvSpPr>
+        <p:spPr/>
+        <p:txBody>
+          <a:bodyPr/>
+          <a:lstStyle/>
+          <a:p>
+            <a:endParaRPr kumimoji="1" lang="zh-TW" altLang="en-US"/>
+          </a:p>
+        </p:txBody>
+      </p:sp>
+    </p:spTree>
+    <p:extLst>
+      <p:ext uri="{BB962C8B-B14F-4D97-AF65-F5344CB8AC3E}">
+        <p14:creationId xmlns:p14="http://schemas.microsoft.com/office/powerpoint/2010/main" val="3342573951"/>
+      </p:ext>
+    </p:extLst>
+  </p:cSld>
+  <p:clrMapOvr>
+    <a:masterClrMapping/>
+  </p:clrMapOvr>
+</p:sld>
+</file>
+
 <file path=ppt/slides/slide2.xml><?xml version="1.0" encoding="utf-8"?>
 <p:sld xmlns:a="http://schemas.openxmlformats.org/drawingml/2006/main" xmlns:r="http://schemas.openxmlformats.org/officeDocument/2006/relationships" xmlns:p="http://schemas.openxmlformats.org/presentationml/2006/main">
   <p:cSld>
@@ -4831,6 +4914,69 @@
 </file>
 
 <file path=ppt/slides/slide3.xml><?xml version="1.0" encoding="utf-8"?>
+<p:sld xmlns:a="http://schemas.openxmlformats.org/drawingml/2006/main" xmlns:r="http://schemas.openxmlformats.org/officeDocument/2006/relationships" xmlns:p="http://schemas.openxmlformats.org/presentationml/2006/main">
+  <p:cSld>
+    <p:spTree>
+      <p:nvGrpSpPr>
+        <p:cNvPr id="1" name=""/>
+        <p:cNvGrpSpPr/>
+        <p:nvPr/>
+      </p:nvGrpSpPr>
+      <p:grpSpPr>
+        <a:xfrm>
+          <a:off x="0" y="0"/>
+          <a:ext cx="0" cy="0"/>
+          <a:chOff x="0" y="0"/>
+          <a:chExt cx="0" cy="0"/>
+        </a:xfrm>
+      </p:grpSpPr>
+      <p:sp>
+        <p:nvSpPr>
+          <p:cNvPr id="3" name="內容版面配置區 2">
+            <a:extLst>
+              <a:ext uri="{FF2B5EF4-FFF2-40B4-BE49-F238E27FC236}">
+                <a16:creationId xmlns:a16="http://schemas.microsoft.com/office/drawing/2014/main" id="{094AF7EC-E337-B34B-912C-961EDC41A072}"/>
+              </a:ext>
+            </a:extLst>
+          </p:cNvPr>
+          <p:cNvSpPr>
+            <a:spLocks noGrp="1"/>
+          </p:cNvSpPr>
+          <p:nvPr>
+            <p:ph idx="1"/>
+          </p:nvPr>
+        </p:nvSpPr>
+        <p:spPr>
+          <a:xfrm>
+            <a:off x="1069848" y="406400"/>
+            <a:ext cx="10058400" cy="5765800"/>
+          </a:xfrm>
+        </p:spPr>
+        <p:txBody>
+          <a:bodyPr/>
+          <a:lstStyle/>
+          <a:p>
+            <a:pPr marL="0" indent="0">
+              <a:buNone/>
+            </a:pPr>
+            <a:endParaRPr kumimoji="1" lang="zh-TW" altLang="en-US" dirty="0"/>
+          </a:p>
+        </p:txBody>
+      </p:sp>
+    </p:spTree>
+    <p:extLst>
+      <p:ext uri="{BB962C8B-B14F-4D97-AF65-F5344CB8AC3E}">
+        <p14:creationId xmlns:p14="http://schemas.microsoft.com/office/powerpoint/2010/main" val="2539499823"/>
+      </p:ext>
+    </p:extLst>
+  </p:cSld>
+  <p:clrMapOvr>
+    <a:masterClrMapping/>
+  </p:clrMapOvr>
+</p:sld>
+</file>
+
+<file path=ppt/slides/slide4.xml><?xml version="1.0" encoding="utf-8"?>
 <p:sld xmlns:a="http://schemas.openxmlformats.org/drawingml/2006/main" xmlns:r="http://schemas.openxmlformats.org/officeDocument/2006/relationships" xmlns:p="http://schemas.openxmlformats.org/presentationml/2006/main">
   <p:cSld>
     <p:spTree>
@@ -4946,7 +5092,7 @@
 </p:sld>
 </file>
 
-<file path=ppt/slides/slide4.xml><?xml version="1.0" encoding="utf-8"?>
+<file path=ppt/slides/slide5.xml><?xml version="1.0" encoding="utf-8"?>
 <p:sld xmlns:a="http://schemas.openxmlformats.org/drawingml/2006/main" xmlns:r="http://schemas.openxmlformats.org/officeDocument/2006/relationships" xmlns:p="http://schemas.openxmlformats.org/presentationml/2006/main">
   <p:cSld>
     <p:spTree>
@@ -6742,7 +6888,7 @@
 </p:sld>
 </file>
 
-<file path=ppt/slides/slide5.xml><?xml version="1.0" encoding="utf-8"?>
+<file path=ppt/slides/slide6.xml><?xml version="1.0" encoding="utf-8"?>
 <p:sld xmlns:a="http://schemas.openxmlformats.org/drawingml/2006/main" xmlns:r="http://schemas.openxmlformats.org/officeDocument/2006/relationships" xmlns:p="http://schemas.openxmlformats.org/presentationml/2006/main">
   <p:cSld>
     <p:spTree>
@@ -6781,8 +6927,8 @@
           <a:lstStyle/>
           <a:p>
             <a:r>
-              <a:rPr kumimoji="1" lang="en-US" altLang="zh-TW" dirty="0"/>
-              <a:t>Baseball Reference</a:t>
+              <a:rPr kumimoji="1" lang="zh-CN" altLang="en-US" dirty="0"/>
+              <a:t>類競品分析</a:t>
             </a:r>
             <a:endParaRPr kumimoji="1" lang="zh-TW" altLang="en-US" dirty="0"/>
           </a:p>
@@ -6850,107 +6996,46 @@
           </a:prstGeom>
         </p:spPr>
       </p:pic>
+      <p:sp>
+        <p:nvSpPr>
+          <p:cNvPr id="4" name="文字方塊 3">
+            <a:extLst>
+              <a:ext uri="{FF2B5EF4-FFF2-40B4-BE49-F238E27FC236}">
+                <a16:creationId xmlns:a16="http://schemas.microsoft.com/office/drawing/2014/main" id="{59882327-F5A8-DD4F-B245-2EFDE04FFD1F}"/>
+              </a:ext>
+            </a:extLst>
+          </p:cNvPr>
+          <p:cNvSpPr txBox="1"/>
+          <p:nvPr/>
+        </p:nvSpPr>
+        <p:spPr>
+          <a:xfrm>
+            <a:off x="5181600" y="1525000"/>
+            <a:ext cx="2225481" cy="369332"/>
+          </a:xfrm>
+          <a:prstGeom prst="rect">
+            <a:avLst/>
+          </a:prstGeom>
+          <a:noFill/>
+        </p:spPr>
+        <p:txBody>
+          <a:bodyPr wrap="none" rtlCol="0">
+            <a:spAutoFit/>
+          </a:bodyPr>
+          <a:lstStyle/>
+          <a:p>
+            <a:r>
+              <a:rPr kumimoji="1" lang="en-US" altLang="zh-TW" dirty="0"/>
+              <a:t>Baseball reference </a:t>
+            </a:r>
+            <a:endParaRPr kumimoji="1" lang="zh-TW" altLang="en-US" dirty="0"/>
+          </a:p>
+        </p:txBody>
+      </p:sp>
     </p:spTree>
     <p:extLst>
       <p:ext uri="{BB962C8B-B14F-4D97-AF65-F5344CB8AC3E}">
         <p14:creationId xmlns:p14="http://schemas.microsoft.com/office/powerpoint/2010/main" val="674210841"/>
-      </p:ext>
-    </p:extLst>
-  </p:cSld>
-  <p:clrMapOvr>
-    <a:masterClrMapping/>
-  </p:clrMapOvr>
-</p:sld>
-</file>
-
-<file path=ppt/slides/slide6.xml><?xml version="1.0" encoding="utf-8"?>
-<p:sld xmlns:a="http://schemas.openxmlformats.org/drawingml/2006/main" xmlns:r="http://schemas.openxmlformats.org/officeDocument/2006/relationships" xmlns:p="http://schemas.openxmlformats.org/presentationml/2006/main">
-  <p:cSld>
-    <p:spTree>
-      <p:nvGrpSpPr>
-        <p:cNvPr id="1" name=""/>
-        <p:cNvGrpSpPr/>
-        <p:nvPr/>
-      </p:nvGrpSpPr>
-      <p:grpSpPr>
-        <a:xfrm>
-          <a:off x="0" y="0"/>
-          <a:ext cx="0" cy="0"/>
-          <a:chOff x="0" y="0"/>
-          <a:chExt cx="0" cy="0"/>
-        </a:xfrm>
-      </p:grpSpPr>
-      <p:sp>
-        <p:nvSpPr>
-          <p:cNvPr id="2" name="標題 1">
-            <a:extLst>
-              <a:ext uri="{FF2B5EF4-FFF2-40B4-BE49-F238E27FC236}">
-                <a16:creationId xmlns:a16="http://schemas.microsoft.com/office/drawing/2014/main" id="{A5476516-ADA5-584F-9504-C87C82614399}"/>
-              </a:ext>
-            </a:extLst>
-          </p:cNvPr>
-          <p:cNvSpPr>
-            <a:spLocks noGrp="1"/>
-          </p:cNvSpPr>
-          <p:nvPr>
-            <p:ph type="title"/>
-          </p:nvPr>
-        </p:nvSpPr>
-        <p:spPr>
-          <a:xfrm>
-            <a:off x="412302" y="0"/>
-            <a:ext cx="10058400" cy="1609344"/>
-          </a:xfrm>
-        </p:spPr>
-        <p:txBody>
-          <a:bodyPr/>
-          <a:lstStyle/>
-          <a:p>
-            <a:r>
-              <a:rPr kumimoji="1" lang="en-US" altLang="zh-TW" dirty="0" err="1"/>
-              <a:t>Er</a:t>
-            </a:r>
-            <a:r>
-              <a:rPr kumimoji="1" lang="en-US" altLang="zh-TW" dirty="0"/>
-              <a:t>-diagram</a:t>
-            </a:r>
-            <a:endParaRPr kumimoji="1" lang="zh-TW" altLang="en-US" dirty="0"/>
-          </a:p>
-        </p:txBody>
-      </p:sp>
-      <p:pic>
-        <p:nvPicPr>
-          <p:cNvPr id="9" name="內容版面配置區 8">
-            <a:extLst>
-              <a:ext uri="{FF2B5EF4-FFF2-40B4-BE49-F238E27FC236}">
-                <a16:creationId xmlns:a16="http://schemas.microsoft.com/office/drawing/2014/main" id="{1DF5B1EB-0BD0-CB46-8EFC-753D5F121CE8}"/>
-              </a:ext>
-            </a:extLst>
-          </p:cNvPr>
-          <p:cNvPicPr>
-            <a:picLocks noGrp="1" noChangeAspect="1"/>
-          </p:cNvPicPr>
-          <p:nvPr>
-            <p:ph idx="1"/>
-          </p:nvPr>
-        </p:nvPicPr>
-        <p:blipFill>
-          <a:blip r:embed="rId2"/>
-          <a:stretch>
-            <a:fillRect/>
-          </a:stretch>
-        </p:blipFill>
-        <p:spPr>
-          <a:xfrm>
-            <a:off x="1202076" y="1209863"/>
-            <a:ext cx="9503596" cy="5437323"/>
-          </a:xfrm>
-        </p:spPr>
-      </p:pic>
-    </p:spTree>
-    <p:extLst>
-      <p:ext uri="{BB962C8B-B14F-4D97-AF65-F5344CB8AC3E}">
-        <p14:creationId xmlns:p14="http://schemas.microsoft.com/office/powerpoint/2010/main" val="3477721775"/>
       </p:ext>
     </p:extLst>
   </p:cSld>
@@ -6977,12 +7062,312 @@
           <a:chExt cx="0" cy="0"/>
         </a:xfrm>
       </p:grpSpPr>
+      <p:pic>
+        <p:nvPicPr>
+          <p:cNvPr id="4" name="內容版面配置區 3">
+            <a:extLst>
+              <a:ext uri="{FF2B5EF4-FFF2-40B4-BE49-F238E27FC236}">
+                <a16:creationId xmlns:a16="http://schemas.microsoft.com/office/drawing/2014/main" id="{58250A4F-8B70-8F49-854A-15B5A047A5F1}"/>
+              </a:ext>
+            </a:extLst>
+          </p:cNvPr>
+          <p:cNvPicPr>
+            <a:picLocks noGrp="1" noChangeAspect="1"/>
+          </p:cNvPicPr>
+          <p:nvPr>
+            <p:ph idx="1"/>
+          </p:nvPr>
+        </p:nvPicPr>
+        <p:blipFill>
+          <a:blip r:embed="rId2"/>
+          <a:stretch>
+            <a:fillRect/>
+          </a:stretch>
+        </p:blipFill>
+        <p:spPr>
+          <a:xfrm>
+            <a:off x="1194545" y="354769"/>
+            <a:ext cx="9342377" cy="6148461"/>
+          </a:xfrm>
+          <a:prstGeom prst="rect">
+            <a:avLst/>
+          </a:prstGeom>
+        </p:spPr>
+      </p:pic>
+    </p:spTree>
+    <p:extLst>
+      <p:ext uri="{BB962C8B-B14F-4D97-AF65-F5344CB8AC3E}">
+        <p14:creationId xmlns:p14="http://schemas.microsoft.com/office/powerpoint/2010/main" val="2921805902"/>
+      </p:ext>
+    </p:extLst>
+  </p:cSld>
+  <p:clrMapOvr>
+    <a:masterClrMapping/>
+  </p:clrMapOvr>
+</p:sld>
+</file>
+
+<file path=ppt/slides/slide8.xml><?xml version="1.0" encoding="utf-8"?>
+<p:sld xmlns:a="http://schemas.openxmlformats.org/drawingml/2006/main" xmlns:r="http://schemas.openxmlformats.org/officeDocument/2006/relationships" xmlns:p="http://schemas.openxmlformats.org/presentationml/2006/main">
+  <p:cSld>
+    <p:spTree>
+      <p:nvGrpSpPr>
+        <p:cNvPr id="1" name=""/>
+        <p:cNvGrpSpPr/>
+        <p:nvPr/>
+      </p:nvGrpSpPr>
+      <p:grpSpPr>
+        <a:xfrm>
+          <a:off x="0" y="0"/>
+          <a:ext cx="0" cy="0"/>
+          <a:chOff x="0" y="0"/>
+          <a:chExt cx="0" cy="0"/>
+        </a:xfrm>
+      </p:grpSpPr>
+      <p:pic>
+        <p:nvPicPr>
+          <p:cNvPr id="4" name="圖片 3">
+            <a:extLst>
+              <a:ext uri="{FF2B5EF4-FFF2-40B4-BE49-F238E27FC236}">
+                <a16:creationId xmlns:a16="http://schemas.microsoft.com/office/drawing/2014/main" id="{758B1F50-6408-5640-9EB3-6E1BFC094AF0}"/>
+              </a:ext>
+            </a:extLst>
+          </p:cNvPr>
+          <p:cNvPicPr>
+            <a:picLocks noChangeAspect="1"/>
+          </p:cNvPicPr>
+          <p:nvPr/>
+        </p:nvPicPr>
+        <p:blipFill>
+          <a:blip r:embed="rId2"/>
+          <a:stretch>
+            <a:fillRect/>
+          </a:stretch>
+        </p:blipFill>
+        <p:spPr>
+          <a:xfrm>
+            <a:off x="3748661" y="225816"/>
+            <a:ext cx="7675695" cy="6406368"/>
+          </a:xfrm>
+          <a:prstGeom prst="rect">
+            <a:avLst/>
+          </a:prstGeom>
+        </p:spPr>
+      </p:pic>
+      <p:sp>
+        <p:nvSpPr>
+          <p:cNvPr id="5" name="文字方塊 4">
+            <a:extLst>
+              <a:ext uri="{FF2B5EF4-FFF2-40B4-BE49-F238E27FC236}">
+                <a16:creationId xmlns:a16="http://schemas.microsoft.com/office/drawing/2014/main" id="{6EA13B5B-E35F-0D40-B43C-A0F30EDAFA07}"/>
+              </a:ext>
+            </a:extLst>
+          </p:cNvPr>
+          <p:cNvSpPr txBox="1"/>
+          <p:nvPr/>
+        </p:nvSpPr>
+        <p:spPr>
+          <a:xfrm>
+            <a:off x="417690" y="327378"/>
+            <a:ext cx="3300904" cy="646331"/>
+          </a:xfrm>
+          <a:prstGeom prst="rect">
+            <a:avLst/>
+          </a:prstGeom>
+          <a:noFill/>
+        </p:spPr>
+        <p:txBody>
+          <a:bodyPr wrap="none" rtlCol="0">
+            <a:spAutoFit/>
+          </a:bodyPr>
+          <a:lstStyle/>
+          <a:p>
+            <a:r>
+              <a:rPr kumimoji="1" lang="zh-CN" altLang="en-US" sz="3600" dirty="0">
+                <a:solidFill>
+                  <a:srgbClr val="C00000"/>
+                </a:solidFill>
+              </a:rPr>
+              <a:t>目前進度</a:t>
+            </a:r>
+            <a:r>
+              <a:rPr kumimoji="1" lang="en-US" altLang="zh-CN" sz="3600" dirty="0">
+                <a:solidFill>
+                  <a:srgbClr val="C00000"/>
+                </a:solidFill>
+              </a:rPr>
+              <a:t>(</a:t>
+            </a:r>
+            <a:r>
+              <a:rPr kumimoji="1" lang="zh-CN" altLang="en-US" sz="3600" dirty="0">
+                <a:solidFill>
+                  <a:srgbClr val="C00000"/>
+                </a:solidFill>
+              </a:rPr>
+              <a:t>後端</a:t>
+            </a:r>
+            <a:r>
+              <a:rPr kumimoji="1" lang="en-US" altLang="zh-CN" sz="3600" dirty="0">
+                <a:solidFill>
+                  <a:srgbClr val="C00000"/>
+                </a:solidFill>
+              </a:rPr>
+              <a:t>)</a:t>
+            </a:r>
+            <a:endParaRPr kumimoji="1" lang="zh-TW" altLang="en-US" sz="3600" dirty="0">
+              <a:solidFill>
+                <a:srgbClr val="C00000"/>
+              </a:solidFill>
+            </a:endParaRPr>
+          </a:p>
+        </p:txBody>
+      </p:sp>
+      <p:sp>
+        <p:nvSpPr>
+          <p:cNvPr id="6" name="文字方塊 5">
+            <a:extLst>
+              <a:ext uri="{FF2B5EF4-FFF2-40B4-BE49-F238E27FC236}">
+                <a16:creationId xmlns:a16="http://schemas.microsoft.com/office/drawing/2014/main" id="{6DD5E639-DE9D-2C4F-8217-F7CB755B09ED}"/>
+              </a:ext>
+            </a:extLst>
+          </p:cNvPr>
+          <p:cNvSpPr txBox="1"/>
+          <p:nvPr/>
+        </p:nvSpPr>
+        <p:spPr>
+          <a:xfrm>
+            <a:off x="2585665" y="1112208"/>
+            <a:ext cx="646331" cy="369332"/>
+          </a:xfrm>
+          <a:prstGeom prst="rect">
+            <a:avLst/>
+          </a:prstGeom>
+          <a:noFill/>
+        </p:spPr>
+        <p:txBody>
+          <a:bodyPr wrap="none" rtlCol="0">
+            <a:spAutoFit/>
+          </a:bodyPr>
+          <a:lstStyle/>
+          <a:p>
+            <a:r>
+              <a:rPr kumimoji="1" lang="zh-TW" altLang="en-US" dirty="0"/>
+              <a:t>打者</a:t>
+            </a:r>
+          </a:p>
+        </p:txBody>
+      </p:sp>
+      <p:sp>
+        <p:nvSpPr>
+          <p:cNvPr id="7" name="向右箭號 6">
+            <a:extLst>
+              <a:ext uri="{FF2B5EF4-FFF2-40B4-BE49-F238E27FC236}">
+                <a16:creationId xmlns:a16="http://schemas.microsoft.com/office/drawing/2014/main" id="{48B22F71-D65A-BA4A-8E27-B019D33AD6C9}"/>
+              </a:ext>
+            </a:extLst>
+          </p:cNvPr>
+          <p:cNvSpPr/>
+          <p:nvPr/>
+        </p:nvSpPr>
+        <p:spPr>
+          <a:xfrm rot="18750237">
+            <a:off x="3174707" y="800540"/>
+            <a:ext cx="545987" cy="316089"/>
+          </a:xfrm>
+          <a:prstGeom prst="rightArrow">
+            <a:avLst/>
+          </a:prstGeom>
+        </p:spPr>
+        <p:style>
+          <a:lnRef idx="2">
+            <a:schemeClr val="accent1">
+              <a:shade val="50000"/>
+            </a:schemeClr>
+          </a:lnRef>
+          <a:fillRef idx="1">
+            <a:schemeClr val="accent1"/>
+          </a:fillRef>
+          <a:effectRef idx="0">
+            <a:schemeClr val="accent1"/>
+          </a:effectRef>
+          <a:fontRef idx="minor">
+            <a:schemeClr val="lt1"/>
+          </a:fontRef>
+        </p:style>
+        <p:txBody>
+          <a:bodyPr rtlCol="0" anchor="ctr"/>
+          <a:lstStyle/>
+          <a:p>
+            <a:pPr algn="ctr"/>
+            <a:endParaRPr kumimoji="1" lang="zh-TW" altLang="en-US"/>
+          </a:p>
+        </p:txBody>
+      </p:sp>
+    </p:spTree>
+    <p:extLst>
+      <p:ext uri="{BB962C8B-B14F-4D97-AF65-F5344CB8AC3E}">
+        <p14:creationId xmlns:p14="http://schemas.microsoft.com/office/powerpoint/2010/main" val="1356387353"/>
+      </p:ext>
+    </p:extLst>
+  </p:cSld>
+  <p:clrMapOvr>
+    <a:masterClrMapping/>
+  </p:clrMapOvr>
+</p:sld>
+</file>
+
+<file path=ppt/slides/slide9.xml><?xml version="1.0" encoding="utf-8"?>
+<p:sld xmlns:a="http://schemas.openxmlformats.org/drawingml/2006/main" xmlns:r="http://schemas.openxmlformats.org/officeDocument/2006/relationships" xmlns:p="http://schemas.openxmlformats.org/presentationml/2006/main">
+  <p:cSld>
+    <p:spTree>
+      <p:nvGrpSpPr>
+        <p:cNvPr id="1" name=""/>
+        <p:cNvGrpSpPr/>
+        <p:nvPr/>
+      </p:nvGrpSpPr>
+      <p:grpSpPr>
+        <a:xfrm>
+          <a:off x="0" y="0"/>
+          <a:ext cx="0" cy="0"/>
+          <a:chOff x="0" y="0"/>
+          <a:chExt cx="0" cy="0"/>
+        </a:xfrm>
+      </p:grpSpPr>
+      <p:pic>
+        <p:nvPicPr>
+          <p:cNvPr id="6" name="內容版面配置區 5">
+            <a:extLst>
+              <a:ext uri="{FF2B5EF4-FFF2-40B4-BE49-F238E27FC236}">
+                <a16:creationId xmlns:a16="http://schemas.microsoft.com/office/drawing/2014/main" id="{8227E43B-EAD0-8B40-89A2-8A34C715A5A7}"/>
+              </a:ext>
+            </a:extLst>
+          </p:cNvPr>
+          <p:cNvPicPr>
+            <a:picLocks noGrp="1" noChangeAspect="1"/>
+          </p:cNvPicPr>
+          <p:nvPr>
+            <p:ph idx="1"/>
+          </p:nvPr>
+        </p:nvPicPr>
+        <p:blipFill>
+          <a:blip r:embed="rId2"/>
+          <a:stretch>
+            <a:fillRect/>
+          </a:stretch>
+        </p:blipFill>
+        <p:spPr>
+          <a:xfrm>
+            <a:off x="911831" y="731972"/>
+            <a:ext cx="9773609" cy="5591807"/>
+          </a:xfrm>
+        </p:spPr>
+      </p:pic>
       <p:sp>
         <p:nvSpPr>
           <p:cNvPr id="2" name="標題 1">
             <a:extLst>
               <a:ext uri="{FF2B5EF4-FFF2-40B4-BE49-F238E27FC236}">
-                <a16:creationId xmlns:a16="http://schemas.microsoft.com/office/drawing/2014/main" id="{35ED88A4-AF75-044B-9D36-89FCF5F31209}"/>
+                <a16:creationId xmlns:a16="http://schemas.microsoft.com/office/drawing/2014/main" id="{A5476516-ADA5-584F-9504-C87C82614399}"/>
               </a:ext>
             </a:extLst>
           </p:cNvPr>
@@ -6993,44 +7378,32 @@
             <p:ph type="title"/>
           </p:nvPr>
         </p:nvSpPr>
-        <p:spPr/>
+        <p:spPr>
+          <a:xfrm>
+            <a:off x="412302" y="0"/>
+            <a:ext cx="10058400" cy="1609344"/>
+          </a:xfrm>
+        </p:spPr>
         <p:txBody>
           <a:bodyPr/>
           <a:lstStyle/>
           <a:p>
-            <a:endParaRPr kumimoji="1" lang="zh-TW" altLang="en-US"/>
-          </a:p>
-        </p:txBody>
-      </p:sp>
-      <p:sp>
-        <p:nvSpPr>
-          <p:cNvPr id="3" name="內容版面配置區 2">
-            <a:extLst>
-              <a:ext uri="{FF2B5EF4-FFF2-40B4-BE49-F238E27FC236}">
-                <a16:creationId xmlns:a16="http://schemas.microsoft.com/office/drawing/2014/main" id="{8AAA5C91-4703-5F43-B187-E106B7A5CE56}"/>
-              </a:ext>
-            </a:extLst>
-          </p:cNvPr>
-          <p:cNvSpPr>
-            <a:spLocks noGrp="1"/>
-          </p:cNvSpPr>
-          <p:nvPr>
-            <p:ph idx="1"/>
-          </p:nvPr>
-        </p:nvSpPr>
-        <p:spPr/>
-        <p:txBody>
-          <a:bodyPr/>
-          <a:lstStyle/>
-          <a:p>
-            <a:endParaRPr kumimoji="1" lang="zh-TW" altLang="en-US"/>
+            <a:r>
+              <a:rPr kumimoji="1" lang="en-US" altLang="zh-TW" dirty="0" err="1"/>
+              <a:t>Er</a:t>
+            </a:r>
+            <a:r>
+              <a:rPr kumimoji="1" lang="en-US" altLang="zh-TW" dirty="0"/>
+              <a:t>-diagram</a:t>
+            </a:r>
+            <a:endParaRPr kumimoji="1" lang="zh-TW" altLang="en-US" dirty="0"/>
           </a:p>
         </p:txBody>
       </p:sp>
     </p:spTree>
     <p:extLst>
       <p:ext uri="{BB962C8B-B14F-4D97-AF65-F5344CB8AC3E}">
-        <p14:creationId xmlns:p14="http://schemas.microsoft.com/office/powerpoint/2010/main" val="3342573951"/>
+        <p14:creationId xmlns:p14="http://schemas.microsoft.com/office/powerpoint/2010/main" val="3477721775"/>
       </p:ext>
     </p:extLst>
   </p:cSld>

--- a/report.pptx
+++ b/report.pptx
@@ -12,9 +12,10 @@
     <p:sldId id="259" r:id="rId6"/>
     <p:sldId id="260" r:id="rId7"/>
     <p:sldId id="264" r:id="rId8"/>
-    <p:sldId id="263" r:id="rId9"/>
-    <p:sldId id="261" r:id="rId10"/>
-    <p:sldId id="262" r:id="rId11"/>
+    <p:sldId id="266" r:id="rId9"/>
+    <p:sldId id="263" r:id="rId10"/>
+    <p:sldId id="261" r:id="rId11"/>
+    <p:sldId id="262" r:id="rId12"/>
   </p:sldIdLst>
   <p:sldSz cx="12192000" cy="6858000"/>
   <p:notesSz cx="6858000" cy="9144000"/>
@@ -4592,6 +4593,103 @@
           <a:chExt cx="0" cy="0"/>
         </a:xfrm>
       </p:grpSpPr>
+      <p:pic>
+        <p:nvPicPr>
+          <p:cNvPr id="6" name="內容版面配置區 5">
+            <a:extLst>
+              <a:ext uri="{FF2B5EF4-FFF2-40B4-BE49-F238E27FC236}">
+                <a16:creationId xmlns:a16="http://schemas.microsoft.com/office/drawing/2014/main" id="{8227E43B-EAD0-8B40-89A2-8A34C715A5A7}"/>
+              </a:ext>
+            </a:extLst>
+          </p:cNvPr>
+          <p:cNvPicPr>
+            <a:picLocks noGrp="1" noChangeAspect="1"/>
+          </p:cNvPicPr>
+          <p:nvPr>
+            <p:ph idx="1"/>
+          </p:nvPr>
+        </p:nvPicPr>
+        <p:blipFill>
+          <a:blip r:embed="rId2"/>
+          <a:stretch>
+            <a:fillRect/>
+          </a:stretch>
+        </p:blipFill>
+        <p:spPr>
+          <a:xfrm>
+            <a:off x="911831" y="731972"/>
+            <a:ext cx="9773609" cy="5591807"/>
+          </a:xfrm>
+        </p:spPr>
+      </p:pic>
+      <p:sp>
+        <p:nvSpPr>
+          <p:cNvPr id="2" name="標題 1">
+            <a:extLst>
+              <a:ext uri="{FF2B5EF4-FFF2-40B4-BE49-F238E27FC236}">
+                <a16:creationId xmlns:a16="http://schemas.microsoft.com/office/drawing/2014/main" id="{A5476516-ADA5-584F-9504-C87C82614399}"/>
+              </a:ext>
+            </a:extLst>
+          </p:cNvPr>
+          <p:cNvSpPr>
+            <a:spLocks noGrp="1"/>
+          </p:cNvSpPr>
+          <p:nvPr>
+            <p:ph type="title"/>
+          </p:nvPr>
+        </p:nvSpPr>
+        <p:spPr>
+          <a:xfrm>
+            <a:off x="412302" y="0"/>
+            <a:ext cx="10058400" cy="1609344"/>
+          </a:xfrm>
+        </p:spPr>
+        <p:txBody>
+          <a:bodyPr/>
+          <a:lstStyle/>
+          <a:p>
+            <a:r>
+              <a:rPr kumimoji="1" lang="en-US" altLang="zh-TW" dirty="0" err="1"/>
+              <a:t>Er</a:t>
+            </a:r>
+            <a:r>
+              <a:rPr kumimoji="1" lang="en-US" altLang="zh-TW" dirty="0"/>
+              <a:t>-diagram</a:t>
+            </a:r>
+            <a:endParaRPr kumimoji="1" lang="zh-TW" altLang="en-US" dirty="0"/>
+          </a:p>
+        </p:txBody>
+      </p:sp>
+    </p:spTree>
+    <p:extLst>
+      <p:ext uri="{BB962C8B-B14F-4D97-AF65-F5344CB8AC3E}">
+        <p14:creationId xmlns:p14="http://schemas.microsoft.com/office/powerpoint/2010/main" val="3477721775"/>
+      </p:ext>
+    </p:extLst>
+  </p:cSld>
+  <p:clrMapOvr>
+    <a:masterClrMapping/>
+  </p:clrMapOvr>
+</p:sld>
+</file>
+
+<file path=ppt/slides/slide11.xml><?xml version="1.0" encoding="utf-8"?>
+<p:sld xmlns:a="http://schemas.openxmlformats.org/drawingml/2006/main" xmlns:r="http://schemas.openxmlformats.org/officeDocument/2006/relationships" xmlns:p="http://schemas.openxmlformats.org/presentationml/2006/main">
+  <p:cSld>
+    <p:spTree>
+      <p:nvGrpSpPr>
+        <p:cNvPr id="1" name=""/>
+        <p:cNvGrpSpPr/>
+        <p:nvPr/>
+      </p:nvGrpSpPr>
+      <p:grpSpPr>
+        <a:xfrm>
+          <a:off x="0" y="0"/>
+          <a:ext cx="0" cy="0"/>
+          <a:chOff x="0" y="0"/>
+          <a:chExt cx="0" cy="0"/>
+        </a:xfrm>
+      </p:grpSpPr>
       <p:sp>
         <p:nvSpPr>
           <p:cNvPr id="2" name="標題 1">
@@ -4748,13 +4846,21 @@
             </a:r>
             <a:r>
               <a:rPr kumimoji="1" lang="zh-CN" altLang="en-US" dirty="0"/>
-              <a:t>年度勝率、與對手的比分、驅逐出場次數</a:t>
-            </a:r>
-            <a:r>
-              <a:rPr kumimoji="1" lang="en-US" altLang="zh-CN" dirty="0"/>
-              <a:t>…</a:t>
-            </a:r>
-            <a:endParaRPr kumimoji="1" lang="en-US" altLang="zh-TW" dirty="0"/>
+              <a:t>年度勝率、與對手的比分、</a:t>
+            </a:r>
+            <a:r>
+              <a:rPr kumimoji="1" lang="zh-CN" altLang="en-US" dirty="0">
+                <a:solidFill>
+                  <a:srgbClr val="FF0000"/>
+                </a:solidFill>
+              </a:rPr>
+              <a:t>驅逐出場內容</a:t>
+            </a:r>
+            <a:endParaRPr kumimoji="1" lang="en-US" altLang="zh-TW" dirty="0">
+              <a:solidFill>
+                <a:srgbClr val="FF0000"/>
+              </a:solidFill>
+            </a:endParaRPr>
           </a:p>
           <a:p>
             <a:pPr lvl="1"/>
@@ -4787,15 +4893,16 @@
               <a:t>、</a:t>
             </a:r>
             <a:r>
-              <a:rPr kumimoji="1" lang="en-US" altLang="zh-CN" dirty="0"/>
-              <a:t>BABIP…</a:t>
-            </a:r>
+              <a:rPr kumimoji="1" lang="en-US" altLang="zh-CN"/>
+              <a:t>BABIP</a:t>
+            </a:r>
+            <a:endParaRPr kumimoji="1" lang="en-US" altLang="zh-CN" dirty="0"/>
           </a:p>
           <a:p>
             <a:pPr lvl="3"/>
             <a:r>
               <a:rPr kumimoji="1" lang="zh-CN" altLang="en-US" dirty="0"/>
-              <a:t>其中關於自責失分的數據難以判斷故不做，反正</a:t>
+              <a:t>其中關於</a:t>
             </a:r>
             <a:r>
               <a:rPr kumimoji="1" lang="en-US" altLang="zh-CN" dirty="0"/>
@@ -4803,7 +4910,7 @@
             </a:r>
             <a:r>
               <a:rPr kumimoji="1" lang="zh-CN" altLang="en-US" dirty="0"/>
-              <a:t>本來就為人詬病</a:t>
+              <a:t>的數據難以判斷故不做</a:t>
             </a:r>
             <a:endParaRPr kumimoji="1" lang="en-US" altLang="zh-CN" dirty="0"/>
           </a:p>
@@ -4900,6 +5007,36 @@
           </a:p>
         </p:txBody>
       </p:sp>
+      <p:pic>
+        <p:nvPicPr>
+          <p:cNvPr id="5" name="圖片 4">
+            <a:extLst>
+              <a:ext uri="{FF2B5EF4-FFF2-40B4-BE49-F238E27FC236}">
+                <a16:creationId xmlns:a16="http://schemas.microsoft.com/office/drawing/2014/main" id="{DD96A7B6-4EED-EB4A-AE86-6F20C10101A5}"/>
+              </a:ext>
+            </a:extLst>
+          </p:cNvPr>
+          <p:cNvPicPr>
+            <a:picLocks noChangeAspect="1"/>
+          </p:cNvPicPr>
+          <p:nvPr/>
+        </p:nvPicPr>
+        <p:blipFill>
+          <a:blip r:embed="rId2"/>
+          <a:stretch>
+            <a:fillRect/>
+          </a:stretch>
+        </p:blipFill>
+        <p:spPr>
+          <a:xfrm>
+            <a:off x="8128000" y="251442"/>
+            <a:ext cx="3375378" cy="2294202"/>
+          </a:xfrm>
+          <a:prstGeom prst="rect">
+            <a:avLst/>
+          </a:prstGeom>
+        </p:spPr>
+      </p:pic>
     </p:spTree>
     <p:extLst>
       <p:ext uri="{BB962C8B-B14F-4D97-AF65-F5344CB8AC3E}">
@@ -4910,6 +5047,89 @@
   <p:clrMapOvr>
     <a:masterClrMapping/>
   </p:clrMapOvr>
+  <p:timing>
+    <p:tnLst>
+      <p:par>
+        <p:cTn id="1" dur="indefinite" restart="never" nodeType="tmRoot">
+          <p:childTnLst>
+            <p:seq concurrent="1" nextAc="seek">
+              <p:cTn id="2" dur="indefinite" nodeType="mainSeq">
+                <p:childTnLst>
+                  <p:par>
+                    <p:cTn id="3" fill="hold">
+                      <p:stCondLst>
+                        <p:cond delay="indefinite"/>
+                      </p:stCondLst>
+                      <p:childTnLst>
+                        <p:par>
+                          <p:cTn id="4" fill="hold">
+                            <p:stCondLst>
+                              <p:cond delay="0"/>
+                            </p:stCondLst>
+                            <p:childTnLst>
+                              <p:par>
+                                <p:cTn id="5" presetID="9" presetClass="entr" presetSubtype="0" fill="hold" nodeType="clickEffect">
+                                  <p:stCondLst>
+                                    <p:cond delay="0"/>
+                                  </p:stCondLst>
+                                  <p:childTnLst>
+                                    <p:set>
+                                      <p:cBhvr>
+                                        <p:cTn id="6" dur="1" fill="hold">
+                                          <p:stCondLst>
+                                            <p:cond delay="0"/>
+                                          </p:stCondLst>
+                                        </p:cTn>
+                                        <p:tgtEl>
+                                          <p:spTgt spid="5"/>
+                                        </p:tgtEl>
+                                        <p:attrNameLst>
+                                          <p:attrName>style.visibility</p:attrName>
+                                        </p:attrNameLst>
+                                      </p:cBhvr>
+                                      <p:to>
+                                        <p:strVal val="visible"/>
+                                      </p:to>
+                                    </p:set>
+                                    <p:animEffect transition="in" filter="dissolve">
+                                      <p:cBhvr>
+                                        <p:cTn id="7" dur="500"/>
+                                        <p:tgtEl>
+                                          <p:spTgt spid="5"/>
+                                        </p:tgtEl>
+                                      </p:cBhvr>
+                                    </p:animEffect>
+                                  </p:childTnLst>
+                                </p:cTn>
+                              </p:par>
+                            </p:childTnLst>
+                          </p:cTn>
+                        </p:par>
+                      </p:childTnLst>
+                    </p:cTn>
+                  </p:par>
+                </p:childTnLst>
+              </p:cTn>
+              <p:prevCondLst>
+                <p:cond evt="onPrev" delay="0">
+                  <p:tgtEl>
+                    <p:sldTgt/>
+                  </p:tgtEl>
+                </p:cond>
+              </p:prevCondLst>
+              <p:nextCondLst>
+                <p:cond evt="onNext" delay="0">
+                  <p:tgtEl>
+                    <p:sldTgt/>
+                  </p:tgtEl>
+                </p:cond>
+              </p:nextCondLst>
+            </p:seq>
+          </p:childTnLst>
+        </p:cTn>
+      </p:par>
+    </p:tnLst>
+  </p:timing>
 </p:sld>
 </file>
 
@@ -7124,6 +7344,166 @@
           <a:chExt cx="0" cy="0"/>
         </a:xfrm>
       </p:grpSpPr>
+      <p:sp>
+        <p:nvSpPr>
+          <p:cNvPr id="4" name="文字方塊 3">
+            <a:extLst>
+              <a:ext uri="{FF2B5EF4-FFF2-40B4-BE49-F238E27FC236}">
+                <a16:creationId xmlns:a16="http://schemas.microsoft.com/office/drawing/2014/main" id="{F2C8AB3B-BB86-CD42-B45E-F2D6926F09AB}"/>
+              </a:ext>
+            </a:extLst>
+          </p:cNvPr>
+          <p:cNvSpPr txBox="1"/>
+          <p:nvPr/>
+        </p:nvSpPr>
+        <p:spPr>
+          <a:xfrm>
+            <a:off x="8759338" y="268402"/>
+            <a:ext cx="3300904" cy="646331"/>
+          </a:xfrm>
+          <a:prstGeom prst="rect">
+            <a:avLst/>
+          </a:prstGeom>
+          <a:noFill/>
+        </p:spPr>
+        <p:txBody>
+          <a:bodyPr wrap="none" rtlCol="0">
+            <a:spAutoFit/>
+          </a:bodyPr>
+          <a:lstStyle/>
+          <a:p>
+            <a:r>
+              <a:rPr kumimoji="1" lang="zh-CN" altLang="en-US" sz="3600" dirty="0">
+                <a:solidFill>
+                  <a:srgbClr val="C00000"/>
+                </a:solidFill>
+              </a:rPr>
+              <a:t>目前進度</a:t>
+            </a:r>
+            <a:r>
+              <a:rPr kumimoji="1" lang="en-US" altLang="zh-CN" sz="3600" dirty="0">
+                <a:solidFill>
+                  <a:srgbClr val="C00000"/>
+                </a:solidFill>
+              </a:rPr>
+              <a:t>(</a:t>
+            </a:r>
+            <a:r>
+              <a:rPr kumimoji="1" lang="zh-CN" altLang="en-US" sz="3600" dirty="0">
+                <a:solidFill>
+                  <a:srgbClr val="C00000"/>
+                </a:solidFill>
+              </a:rPr>
+              <a:t>後端</a:t>
+            </a:r>
+            <a:r>
+              <a:rPr kumimoji="1" lang="en-US" altLang="zh-CN" sz="3600" dirty="0">
+                <a:solidFill>
+                  <a:srgbClr val="C00000"/>
+                </a:solidFill>
+              </a:rPr>
+              <a:t>)</a:t>
+            </a:r>
+            <a:endParaRPr kumimoji="1" lang="zh-TW" altLang="en-US" sz="3600" dirty="0">
+              <a:solidFill>
+                <a:srgbClr val="C00000"/>
+              </a:solidFill>
+            </a:endParaRPr>
+          </a:p>
+        </p:txBody>
+      </p:sp>
+      <p:pic>
+        <p:nvPicPr>
+          <p:cNvPr id="7" name="內容版面配置區 6">
+            <a:extLst>
+              <a:ext uri="{FF2B5EF4-FFF2-40B4-BE49-F238E27FC236}">
+                <a16:creationId xmlns:a16="http://schemas.microsoft.com/office/drawing/2014/main" id="{A784001C-FD4C-E940-A605-D56050FDF009}"/>
+              </a:ext>
+            </a:extLst>
+          </p:cNvPr>
+          <p:cNvPicPr>
+            <a:picLocks noGrp="1" noChangeAspect="1"/>
+          </p:cNvPicPr>
+          <p:nvPr>
+            <p:ph idx="1"/>
+          </p:nvPr>
+        </p:nvPicPr>
+        <p:blipFill>
+          <a:blip r:embed="rId2"/>
+          <a:stretch>
+            <a:fillRect/>
+          </a:stretch>
+        </p:blipFill>
+        <p:spPr>
+          <a:xfrm>
+            <a:off x="6477482" y="1889516"/>
+            <a:ext cx="5375851" cy="2701038"/>
+          </a:xfrm>
+          <a:prstGeom prst="rect">
+            <a:avLst/>
+          </a:prstGeom>
+        </p:spPr>
+      </p:pic>
+      <p:pic>
+        <p:nvPicPr>
+          <p:cNvPr id="6" name="圖片 5">
+            <a:extLst>
+              <a:ext uri="{FF2B5EF4-FFF2-40B4-BE49-F238E27FC236}">
+                <a16:creationId xmlns:a16="http://schemas.microsoft.com/office/drawing/2014/main" id="{A3738D25-144E-A344-B672-18B12B13DB6C}"/>
+              </a:ext>
+            </a:extLst>
+          </p:cNvPr>
+          <p:cNvPicPr>
+            <a:picLocks noChangeAspect="1"/>
+          </p:cNvPicPr>
+          <p:nvPr/>
+        </p:nvPicPr>
+        <p:blipFill>
+          <a:blip r:embed="rId3"/>
+          <a:stretch>
+            <a:fillRect/>
+          </a:stretch>
+        </p:blipFill>
+        <p:spPr>
+          <a:xfrm>
+            <a:off x="131758" y="268402"/>
+            <a:ext cx="5680657" cy="5943267"/>
+          </a:xfrm>
+          <a:prstGeom prst="rect">
+            <a:avLst/>
+          </a:prstGeom>
+        </p:spPr>
+      </p:pic>
+    </p:spTree>
+    <p:extLst>
+      <p:ext uri="{BB962C8B-B14F-4D97-AF65-F5344CB8AC3E}">
+        <p14:creationId xmlns:p14="http://schemas.microsoft.com/office/powerpoint/2010/main" val="1956414440"/>
+      </p:ext>
+    </p:extLst>
+  </p:cSld>
+  <p:clrMapOvr>
+    <a:masterClrMapping/>
+  </p:clrMapOvr>
+</p:sld>
+</file>
+
+<file path=ppt/slides/slide9.xml><?xml version="1.0" encoding="utf-8"?>
+<p:sld xmlns:a="http://schemas.openxmlformats.org/drawingml/2006/main" xmlns:r="http://schemas.openxmlformats.org/officeDocument/2006/relationships" xmlns:p="http://schemas.openxmlformats.org/presentationml/2006/main">
+  <p:cSld>
+    <p:spTree>
+      <p:nvGrpSpPr>
+        <p:cNvPr id="1" name=""/>
+        <p:cNvGrpSpPr/>
+        <p:nvPr/>
+      </p:nvGrpSpPr>
+      <p:grpSpPr>
+        <a:xfrm>
+          <a:off x="0" y="0"/>
+          <a:ext cx="0" cy="0"/>
+          <a:chOff x="0" y="0"/>
+          <a:chExt cx="0" cy="0"/>
+        </a:xfrm>
+      </p:grpSpPr>
       <p:pic>
         <p:nvPicPr>
           <p:cNvPr id="4" name="圖片 3">
@@ -7303,107 +7683,70 @@
           </a:p>
         </p:txBody>
       </p:sp>
-    </p:spTree>
-    <p:extLst>
-      <p:ext uri="{BB962C8B-B14F-4D97-AF65-F5344CB8AC3E}">
-        <p14:creationId xmlns:p14="http://schemas.microsoft.com/office/powerpoint/2010/main" val="1356387353"/>
-      </p:ext>
-    </p:extLst>
-  </p:cSld>
-  <p:clrMapOvr>
-    <a:masterClrMapping/>
-  </p:clrMapOvr>
-</p:sld>
-</file>
-
-<file path=ppt/slides/slide9.xml><?xml version="1.0" encoding="utf-8"?>
-<p:sld xmlns:a="http://schemas.openxmlformats.org/drawingml/2006/main" xmlns:r="http://schemas.openxmlformats.org/officeDocument/2006/relationships" xmlns:p="http://schemas.openxmlformats.org/presentationml/2006/main">
-  <p:cSld>
-    <p:spTree>
-      <p:nvGrpSpPr>
-        <p:cNvPr id="1" name=""/>
-        <p:cNvGrpSpPr/>
-        <p:nvPr/>
-      </p:nvGrpSpPr>
-      <p:grpSpPr>
-        <a:xfrm>
-          <a:off x="0" y="0"/>
-          <a:ext cx="0" cy="0"/>
-          <a:chOff x="0" y="0"/>
-          <a:chExt cx="0" cy="0"/>
-        </a:xfrm>
-      </p:grpSpPr>
       <p:pic>
         <p:nvPicPr>
-          <p:cNvPr id="6" name="內容版面配置區 5">
+          <p:cNvPr id="8" name="圖片 7">
             <a:extLst>
               <a:ext uri="{FF2B5EF4-FFF2-40B4-BE49-F238E27FC236}">
-                <a16:creationId xmlns:a16="http://schemas.microsoft.com/office/drawing/2014/main" id="{8227E43B-EAD0-8B40-89A2-8A34C715A5A7}"/>
+                <a16:creationId xmlns:a16="http://schemas.microsoft.com/office/drawing/2014/main" id="{C1B34ADD-DDB3-EE42-8D13-6DCB517F0AF3}"/>
               </a:ext>
             </a:extLst>
           </p:cNvPr>
           <p:cNvPicPr>
-            <a:picLocks noGrp="1" noChangeAspect="1"/>
+            <a:picLocks noChangeAspect="1"/>
           </p:cNvPicPr>
-          <p:nvPr>
-            <p:ph idx="1"/>
-          </p:nvPr>
+          <p:nvPr/>
         </p:nvPicPr>
         <p:blipFill>
-          <a:blip r:embed="rId2"/>
+          <a:blip r:embed="rId3"/>
           <a:stretch>
             <a:fillRect/>
           </a:stretch>
         </p:blipFill>
         <p:spPr>
           <a:xfrm>
-            <a:off x="911831" y="731972"/>
-            <a:ext cx="9773609" cy="5591807"/>
+            <a:off x="304878" y="1112208"/>
+            <a:ext cx="1333500" cy="1892300"/>
           </a:xfrm>
+          <a:prstGeom prst="rect">
+            <a:avLst/>
+          </a:prstGeom>
         </p:spPr>
       </p:pic>
-      <p:sp>
-        <p:nvSpPr>
-          <p:cNvPr id="2" name="標題 1">
+      <p:pic>
+        <p:nvPicPr>
+          <p:cNvPr id="9" name="圖片 8">
             <a:extLst>
               <a:ext uri="{FF2B5EF4-FFF2-40B4-BE49-F238E27FC236}">
-                <a16:creationId xmlns:a16="http://schemas.microsoft.com/office/drawing/2014/main" id="{A5476516-ADA5-584F-9504-C87C82614399}"/>
+                <a16:creationId xmlns:a16="http://schemas.microsoft.com/office/drawing/2014/main" id="{F9032A16-F3A9-8A45-A3E7-BEF6718B8D49}"/>
               </a:ext>
             </a:extLst>
           </p:cNvPr>
-          <p:cNvSpPr>
-            <a:spLocks noGrp="1"/>
-          </p:cNvSpPr>
-          <p:nvPr>
-            <p:ph type="title"/>
-          </p:nvPr>
-        </p:nvSpPr>
+          <p:cNvPicPr>
+            <a:picLocks noChangeAspect="1"/>
+          </p:cNvPicPr>
+          <p:nvPr/>
+        </p:nvPicPr>
+        <p:blipFill>
+          <a:blip r:embed="rId4"/>
+          <a:stretch>
+            <a:fillRect/>
+          </a:stretch>
+        </p:blipFill>
         <p:spPr>
           <a:xfrm>
-            <a:off x="412302" y="0"/>
-            <a:ext cx="10058400" cy="1609344"/>
+            <a:off x="971628" y="3429000"/>
+            <a:ext cx="6852356" cy="843683"/>
           </a:xfrm>
+          <a:prstGeom prst="rect">
+            <a:avLst/>
+          </a:prstGeom>
         </p:spPr>
-        <p:txBody>
-          <a:bodyPr/>
-          <a:lstStyle/>
-          <a:p>
-            <a:r>
-              <a:rPr kumimoji="1" lang="en-US" altLang="zh-TW" dirty="0" err="1"/>
-              <a:t>Er</a:t>
-            </a:r>
-            <a:r>
-              <a:rPr kumimoji="1" lang="en-US" altLang="zh-TW" dirty="0"/>
-              <a:t>-diagram</a:t>
-            </a:r>
-            <a:endParaRPr kumimoji="1" lang="zh-TW" altLang="en-US" dirty="0"/>
-          </a:p>
-        </p:txBody>
-      </p:sp>
+      </p:pic>
     </p:spTree>
     <p:extLst>
       <p:ext uri="{BB962C8B-B14F-4D97-AF65-F5344CB8AC3E}">
-        <p14:creationId xmlns:p14="http://schemas.microsoft.com/office/powerpoint/2010/main" val="3477721775"/>
+        <p14:creationId xmlns:p14="http://schemas.microsoft.com/office/powerpoint/2010/main" val="1356387353"/>
       </p:ext>
     </p:extLst>
   </p:cSld>

--- a/report.pptx
+++ b/report.pptx
@@ -10,11 +10,11 @@
     <p:sldId id="265" r:id="rId4"/>
     <p:sldId id="258" r:id="rId5"/>
     <p:sldId id="259" r:id="rId6"/>
-    <p:sldId id="260" r:id="rId7"/>
-    <p:sldId id="264" r:id="rId8"/>
-    <p:sldId id="266" r:id="rId9"/>
-    <p:sldId id="263" r:id="rId10"/>
-    <p:sldId id="261" r:id="rId11"/>
+    <p:sldId id="261" r:id="rId7"/>
+    <p:sldId id="260" r:id="rId8"/>
+    <p:sldId id="264" r:id="rId9"/>
+    <p:sldId id="266" r:id="rId10"/>
+    <p:sldId id="263" r:id="rId11"/>
     <p:sldId id="262" r:id="rId12"/>
   </p:sldIdLst>
   <p:sldSz cx="12192000" cy="6858000"/>
@@ -4595,19 +4595,17 @@
       </p:grpSpPr>
       <p:pic>
         <p:nvPicPr>
-          <p:cNvPr id="6" name="內容版面配置區 5">
+          <p:cNvPr id="14" name="圖片 13">
             <a:extLst>
               <a:ext uri="{FF2B5EF4-FFF2-40B4-BE49-F238E27FC236}">
-                <a16:creationId xmlns:a16="http://schemas.microsoft.com/office/drawing/2014/main" id="{8227E43B-EAD0-8B40-89A2-8A34C715A5A7}"/>
+                <a16:creationId xmlns:a16="http://schemas.microsoft.com/office/drawing/2014/main" id="{3AC0696F-55AC-A64F-8DAB-BE3916D717A2}"/>
               </a:ext>
             </a:extLst>
           </p:cNvPr>
           <p:cNvPicPr>
-            <a:picLocks noGrp="1" noChangeAspect="1"/>
+            <a:picLocks noChangeAspect="1"/>
           </p:cNvPicPr>
-          <p:nvPr>
-            <p:ph idx="1"/>
-          </p:nvPr>
+          <p:nvPr/>
         </p:nvPicPr>
         <p:blipFill>
           <a:blip r:embed="rId2"/>
@@ -4617,59 +4615,684 @@
         </p:blipFill>
         <p:spPr>
           <a:xfrm>
-            <a:off x="911831" y="731972"/>
-            <a:ext cx="9773609" cy="5591807"/>
+            <a:off x="3371106" y="790450"/>
+            <a:ext cx="8888401" cy="5394391"/>
           </a:xfrm>
+          <a:prstGeom prst="rect">
+            <a:avLst/>
+          </a:prstGeom>
         </p:spPr>
       </p:pic>
       <p:sp>
         <p:nvSpPr>
-          <p:cNvPr id="2" name="標題 1">
+          <p:cNvPr id="5" name="文字方塊 4">
             <a:extLst>
               <a:ext uri="{FF2B5EF4-FFF2-40B4-BE49-F238E27FC236}">
-                <a16:creationId xmlns:a16="http://schemas.microsoft.com/office/drawing/2014/main" id="{A5476516-ADA5-584F-9504-C87C82614399}"/>
+                <a16:creationId xmlns:a16="http://schemas.microsoft.com/office/drawing/2014/main" id="{6EA13B5B-E35F-0D40-B43C-A0F30EDAFA07}"/>
               </a:ext>
             </a:extLst>
           </p:cNvPr>
-          <p:cNvSpPr>
-            <a:spLocks noGrp="1"/>
-          </p:cNvSpPr>
-          <p:nvPr>
-            <p:ph type="title"/>
-          </p:nvPr>
+          <p:cNvSpPr txBox="1"/>
+          <p:nvPr/>
         </p:nvSpPr>
         <p:spPr>
           <a:xfrm>
-            <a:off x="412302" y="0"/>
-            <a:ext cx="10058400" cy="1609344"/>
+            <a:off x="212370" y="279812"/>
+            <a:ext cx="3300904" cy="646331"/>
           </a:xfrm>
+          <a:prstGeom prst="rect">
+            <a:avLst/>
+          </a:prstGeom>
+          <a:noFill/>
         </p:spPr>
         <p:txBody>
-          <a:bodyPr/>
+          <a:bodyPr wrap="none" rtlCol="0">
+            <a:spAutoFit/>
+          </a:bodyPr>
           <a:lstStyle/>
           <a:p>
             <a:r>
-              <a:rPr kumimoji="1" lang="en-US" altLang="zh-TW" dirty="0" err="1"/>
-              <a:t>Er</a:t>
-            </a:r>
-            <a:r>
-              <a:rPr kumimoji="1" lang="en-US" altLang="zh-TW" dirty="0"/>
-              <a:t>-diagram</a:t>
-            </a:r>
-            <a:endParaRPr kumimoji="1" lang="zh-TW" altLang="en-US" dirty="0"/>
+              <a:rPr kumimoji="1" lang="zh-CN" altLang="en-US" sz="3600" dirty="0">
+                <a:solidFill>
+                  <a:srgbClr val="C00000"/>
+                </a:solidFill>
+              </a:rPr>
+              <a:t>目前進度</a:t>
+            </a:r>
+            <a:r>
+              <a:rPr kumimoji="1" lang="en-US" altLang="zh-CN" sz="3600" dirty="0">
+                <a:solidFill>
+                  <a:srgbClr val="C00000"/>
+                </a:solidFill>
+              </a:rPr>
+              <a:t>(</a:t>
+            </a:r>
+            <a:r>
+              <a:rPr kumimoji="1" lang="zh-CN" altLang="en-US" sz="3600" dirty="0">
+                <a:solidFill>
+                  <a:srgbClr val="C00000"/>
+                </a:solidFill>
+              </a:rPr>
+              <a:t>後端</a:t>
+            </a:r>
+            <a:r>
+              <a:rPr kumimoji="1" lang="en-US" altLang="zh-CN" sz="3600" dirty="0">
+                <a:solidFill>
+                  <a:srgbClr val="C00000"/>
+                </a:solidFill>
+              </a:rPr>
+              <a:t>)</a:t>
+            </a:r>
+            <a:endParaRPr kumimoji="1" lang="zh-TW" altLang="en-US" sz="3600" dirty="0">
+              <a:solidFill>
+                <a:srgbClr val="C00000"/>
+              </a:solidFill>
+            </a:endParaRPr>
+          </a:p>
+        </p:txBody>
+      </p:sp>
+      <p:sp>
+        <p:nvSpPr>
+          <p:cNvPr id="6" name="文字方塊 5">
+            <a:extLst>
+              <a:ext uri="{FF2B5EF4-FFF2-40B4-BE49-F238E27FC236}">
+                <a16:creationId xmlns:a16="http://schemas.microsoft.com/office/drawing/2014/main" id="{6DD5E639-DE9D-2C4F-8217-F7CB755B09ED}"/>
+              </a:ext>
+            </a:extLst>
+          </p:cNvPr>
+          <p:cNvSpPr txBox="1"/>
+          <p:nvPr/>
+        </p:nvSpPr>
+        <p:spPr>
+          <a:xfrm>
+            <a:off x="1780292" y="1496948"/>
+            <a:ext cx="646331" cy="369332"/>
+          </a:xfrm>
+          <a:prstGeom prst="rect">
+            <a:avLst/>
+          </a:prstGeom>
+          <a:noFill/>
+        </p:spPr>
+        <p:txBody>
+          <a:bodyPr wrap="none" rtlCol="0">
+            <a:spAutoFit/>
+          </a:bodyPr>
+          <a:lstStyle/>
+          <a:p>
+            <a:r>
+              <a:rPr kumimoji="1" lang="zh-TW" altLang="en-US" dirty="0"/>
+              <a:t>打者</a:t>
+            </a:r>
+          </a:p>
+        </p:txBody>
+      </p:sp>
+      <p:sp>
+        <p:nvSpPr>
+          <p:cNvPr id="7" name="向右箭號 6">
+            <a:extLst>
+              <a:ext uri="{FF2B5EF4-FFF2-40B4-BE49-F238E27FC236}">
+                <a16:creationId xmlns:a16="http://schemas.microsoft.com/office/drawing/2014/main" id="{48B22F71-D65A-BA4A-8E27-B019D33AD6C9}"/>
+              </a:ext>
+            </a:extLst>
+          </p:cNvPr>
+          <p:cNvSpPr/>
+          <p:nvPr/>
+        </p:nvSpPr>
+        <p:spPr>
+          <a:xfrm rot="20522541">
+            <a:off x="2611633" y="1443437"/>
+            <a:ext cx="531988" cy="316089"/>
+          </a:xfrm>
+          <a:prstGeom prst="rightArrow">
+            <a:avLst/>
+          </a:prstGeom>
+        </p:spPr>
+        <p:style>
+          <a:lnRef idx="2">
+            <a:schemeClr val="accent1">
+              <a:shade val="50000"/>
+            </a:schemeClr>
+          </a:lnRef>
+          <a:fillRef idx="1">
+            <a:schemeClr val="accent1"/>
+          </a:fillRef>
+          <a:effectRef idx="0">
+            <a:schemeClr val="accent1"/>
+          </a:effectRef>
+          <a:fontRef idx="minor">
+            <a:schemeClr val="lt1"/>
+          </a:fontRef>
+        </p:style>
+        <p:txBody>
+          <a:bodyPr rtlCol="0" anchor="ctr"/>
+          <a:lstStyle/>
+          <a:p>
+            <a:pPr algn="ctr"/>
+            <a:endParaRPr kumimoji="1" lang="zh-TW" altLang="en-US"/>
+          </a:p>
+        </p:txBody>
+      </p:sp>
+      <p:pic>
+        <p:nvPicPr>
+          <p:cNvPr id="8" name="圖片 7">
+            <a:extLst>
+              <a:ext uri="{FF2B5EF4-FFF2-40B4-BE49-F238E27FC236}">
+                <a16:creationId xmlns:a16="http://schemas.microsoft.com/office/drawing/2014/main" id="{C1B34ADD-DDB3-EE42-8D13-6DCB517F0AF3}"/>
+              </a:ext>
+            </a:extLst>
+          </p:cNvPr>
+          <p:cNvPicPr>
+            <a:picLocks noChangeAspect="1"/>
+          </p:cNvPicPr>
+          <p:nvPr/>
+        </p:nvPicPr>
+        <p:blipFill>
+          <a:blip r:embed="rId3"/>
+          <a:stretch>
+            <a:fillRect/>
+          </a:stretch>
+        </p:blipFill>
+        <p:spPr>
+          <a:xfrm>
+            <a:off x="304878" y="1112208"/>
+            <a:ext cx="1333500" cy="1892300"/>
+          </a:xfrm>
+          <a:prstGeom prst="rect">
+            <a:avLst/>
+          </a:prstGeom>
+        </p:spPr>
+      </p:pic>
+      <p:pic>
+        <p:nvPicPr>
+          <p:cNvPr id="11" name="圖片 10">
+            <a:extLst>
+              <a:ext uri="{FF2B5EF4-FFF2-40B4-BE49-F238E27FC236}">
+                <a16:creationId xmlns:a16="http://schemas.microsoft.com/office/drawing/2014/main" id="{886A27A0-12A3-EC48-882B-5D1372ECE260}"/>
+              </a:ext>
+            </a:extLst>
+          </p:cNvPr>
+          <p:cNvPicPr>
+            <a:picLocks noChangeAspect="1"/>
+          </p:cNvPicPr>
+          <p:nvPr/>
+        </p:nvPicPr>
+        <p:blipFill>
+          <a:blip r:embed="rId4"/>
+          <a:stretch>
+            <a:fillRect/>
+          </a:stretch>
+        </p:blipFill>
+        <p:spPr>
+          <a:xfrm>
+            <a:off x="733777" y="3336146"/>
+            <a:ext cx="10373919" cy="987498"/>
+          </a:xfrm>
+          <a:prstGeom prst="rect">
+            <a:avLst/>
+          </a:prstGeom>
+        </p:spPr>
+      </p:pic>
+      <p:pic>
+        <p:nvPicPr>
+          <p:cNvPr id="12" name="圖片 11">
+            <a:extLst>
+              <a:ext uri="{FF2B5EF4-FFF2-40B4-BE49-F238E27FC236}">
+                <a16:creationId xmlns:a16="http://schemas.microsoft.com/office/drawing/2014/main" id="{DC9672CD-1950-604D-97EE-39E150806B0B}"/>
+              </a:ext>
+            </a:extLst>
+          </p:cNvPr>
+          <p:cNvPicPr>
+            <a:picLocks noChangeAspect="1"/>
+          </p:cNvPicPr>
+          <p:nvPr/>
+        </p:nvPicPr>
+        <p:blipFill>
+          <a:blip r:embed="rId5"/>
+          <a:stretch>
+            <a:fillRect/>
+          </a:stretch>
+        </p:blipFill>
+        <p:spPr>
+          <a:xfrm>
+            <a:off x="733778" y="3040564"/>
+            <a:ext cx="10388340" cy="322684"/>
+          </a:xfrm>
+          <a:prstGeom prst="rect">
+            <a:avLst/>
+          </a:prstGeom>
+        </p:spPr>
+      </p:pic>
+      <p:sp>
+        <p:nvSpPr>
+          <p:cNvPr id="13" name="矩形 12">
+            <a:extLst>
+              <a:ext uri="{FF2B5EF4-FFF2-40B4-BE49-F238E27FC236}">
+                <a16:creationId xmlns:a16="http://schemas.microsoft.com/office/drawing/2014/main" id="{E038D05A-CBD6-EE41-AC9F-43C46BE0E08F}"/>
+              </a:ext>
+            </a:extLst>
+          </p:cNvPr>
+          <p:cNvSpPr/>
+          <p:nvPr/>
+        </p:nvSpPr>
+        <p:spPr>
+          <a:xfrm>
+            <a:off x="3371106" y="1340666"/>
+            <a:ext cx="8719293" cy="230031"/>
+          </a:xfrm>
+          <a:prstGeom prst="rect">
+            <a:avLst/>
+          </a:prstGeom>
+          <a:noFill/>
+          <a:ln>
+            <a:solidFill>
+              <a:srgbClr val="FFFF00"/>
+            </a:solidFill>
+          </a:ln>
+        </p:spPr>
+        <p:style>
+          <a:lnRef idx="2">
+            <a:schemeClr val="accent1">
+              <a:shade val="50000"/>
+            </a:schemeClr>
+          </a:lnRef>
+          <a:fillRef idx="1">
+            <a:schemeClr val="accent1"/>
+          </a:fillRef>
+          <a:effectRef idx="0">
+            <a:schemeClr val="accent1"/>
+          </a:effectRef>
+          <a:fontRef idx="minor">
+            <a:schemeClr val="lt1"/>
+          </a:fontRef>
+        </p:style>
+        <p:txBody>
+          <a:bodyPr rtlCol="0" anchor="ctr"/>
+          <a:lstStyle/>
+          <a:p>
+            <a:pPr algn="ctr"/>
+            <a:endParaRPr kumimoji="1" lang="zh-TW" altLang="en-US"/>
+          </a:p>
+        </p:txBody>
+      </p:sp>
+      <p:sp>
+        <p:nvSpPr>
+          <p:cNvPr id="15" name="矩形 14">
+            <a:extLst>
+              <a:ext uri="{FF2B5EF4-FFF2-40B4-BE49-F238E27FC236}">
+                <a16:creationId xmlns:a16="http://schemas.microsoft.com/office/drawing/2014/main" id="{3C5B83AF-B93E-4646-9EB2-3EF7702677DF}"/>
+              </a:ext>
+            </a:extLst>
+          </p:cNvPr>
+          <p:cNvSpPr/>
+          <p:nvPr/>
+        </p:nvSpPr>
+        <p:spPr>
+          <a:xfrm>
+            <a:off x="733777" y="3336146"/>
+            <a:ext cx="10388341" cy="231143"/>
+          </a:xfrm>
+          <a:prstGeom prst="rect">
+            <a:avLst/>
+          </a:prstGeom>
+          <a:noFill/>
+          <a:ln w="19050">
+            <a:solidFill>
+              <a:srgbClr val="FF0000"/>
+            </a:solidFill>
+          </a:ln>
+        </p:spPr>
+        <p:style>
+          <a:lnRef idx="2">
+            <a:schemeClr val="accent1">
+              <a:shade val="50000"/>
+            </a:schemeClr>
+          </a:lnRef>
+          <a:fillRef idx="1">
+            <a:schemeClr val="accent1"/>
+          </a:fillRef>
+          <a:effectRef idx="0">
+            <a:schemeClr val="accent1"/>
+          </a:effectRef>
+          <a:fontRef idx="minor">
+            <a:schemeClr val="lt1"/>
+          </a:fontRef>
+        </p:style>
+        <p:txBody>
+          <a:bodyPr rtlCol="0" anchor="ctr"/>
+          <a:lstStyle/>
+          <a:p>
+            <a:pPr algn="ctr"/>
+            <a:endParaRPr kumimoji="1" lang="zh-TW" altLang="en-US"/>
           </a:p>
         </p:txBody>
       </p:sp>
     </p:spTree>
     <p:extLst>
       <p:ext uri="{BB962C8B-B14F-4D97-AF65-F5344CB8AC3E}">
-        <p14:creationId xmlns:p14="http://schemas.microsoft.com/office/powerpoint/2010/main" val="3477721775"/>
+        <p14:creationId xmlns:p14="http://schemas.microsoft.com/office/powerpoint/2010/main" val="1356387353"/>
       </p:ext>
     </p:extLst>
   </p:cSld>
   <p:clrMapOvr>
     <a:masterClrMapping/>
   </p:clrMapOvr>
+  <p:timing>
+    <p:tnLst>
+      <p:par>
+        <p:cTn id="1" dur="indefinite" restart="never" nodeType="tmRoot">
+          <p:childTnLst>
+            <p:seq concurrent="1" nextAc="seek">
+              <p:cTn id="2" dur="indefinite" nodeType="mainSeq">
+                <p:childTnLst>
+                  <p:par>
+                    <p:cTn id="3" fill="hold">
+                      <p:stCondLst>
+                        <p:cond delay="indefinite"/>
+                      </p:stCondLst>
+                      <p:childTnLst>
+                        <p:par>
+                          <p:cTn id="4" fill="hold">
+                            <p:stCondLst>
+                              <p:cond delay="0"/>
+                            </p:stCondLst>
+                            <p:childTnLst>
+                              <p:par>
+                                <p:cTn id="5" presetID="9" presetClass="entr" presetSubtype="0" fill="hold" nodeType="clickEffect">
+                                  <p:stCondLst>
+                                    <p:cond delay="0"/>
+                                  </p:stCondLst>
+                                  <p:childTnLst>
+                                    <p:set>
+                                      <p:cBhvr>
+                                        <p:cTn id="6" dur="1" fill="hold">
+                                          <p:stCondLst>
+                                            <p:cond delay="0"/>
+                                          </p:stCondLst>
+                                        </p:cTn>
+                                        <p:tgtEl>
+                                          <p:spTgt spid="8"/>
+                                        </p:tgtEl>
+                                        <p:attrNameLst>
+                                          <p:attrName>style.visibility</p:attrName>
+                                        </p:attrNameLst>
+                                      </p:cBhvr>
+                                      <p:to>
+                                        <p:strVal val="visible"/>
+                                      </p:to>
+                                    </p:set>
+                                    <p:animEffect transition="in" filter="dissolve">
+                                      <p:cBhvr>
+                                        <p:cTn id="7" dur="500"/>
+                                        <p:tgtEl>
+                                          <p:spTgt spid="8"/>
+                                        </p:tgtEl>
+                                      </p:cBhvr>
+                                    </p:animEffect>
+                                  </p:childTnLst>
+                                </p:cTn>
+                              </p:par>
+                              <p:par>
+                                <p:cTn id="8" presetID="9" presetClass="entr" presetSubtype="0" fill="hold" grpId="0" nodeType="withEffect">
+                                  <p:stCondLst>
+                                    <p:cond delay="0"/>
+                                  </p:stCondLst>
+                                  <p:childTnLst>
+                                    <p:set>
+                                      <p:cBhvr>
+                                        <p:cTn id="9" dur="1" fill="hold">
+                                          <p:stCondLst>
+                                            <p:cond delay="0"/>
+                                          </p:stCondLst>
+                                        </p:cTn>
+                                        <p:tgtEl>
+                                          <p:spTgt spid="6"/>
+                                        </p:tgtEl>
+                                        <p:attrNameLst>
+                                          <p:attrName>style.visibility</p:attrName>
+                                        </p:attrNameLst>
+                                      </p:cBhvr>
+                                      <p:to>
+                                        <p:strVal val="visible"/>
+                                      </p:to>
+                                    </p:set>
+                                    <p:animEffect transition="in" filter="dissolve">
+                                      <p:cBhvr>
+                                        <p:cTn id="10" dur="500"/>
+                                        <p:tgtEl>
+                                          <p:spTgt spid="6"/>
+                                        </p:tgtEl>
+                                      </p:cBhvr>
+                                    </p:animEffect>
+                                  </p:childTnLst>
+                                </p:cTn>
+                              </p:par>
+                              <p:par>
+                                <p:cTn id="11" presetID="9" presetClass="entr" presetSubtype="0" fill="hold" grpId="0" nodeType="withEffect">
+                                  <p:stCondLst>
+                                    <p:cond delay="0"/>
+                                  </p:stCondLst>
+                                  <p:childTnLst>
+                                    <p:set>
+                                      <p:cBhvr>
+                                        <p:cTn id="12" dur="1" fill="hold">
+                                          <p:stCondLst>
+                                            <p:cond delay="0"/>
+                                          </p:stCondLst>
+                                        </p:cTn>
+                                        <p:tgtEl>
+                                          <p:spTgt spid="7"/>
+                                        </p:tgtEl>
+                                        <p:attrNameLst>
+                                          <p:attrName>style.visibility</p:attrName>
+                                        </p:attrNameLst>
+                                      </p:cBhvr>
+                                      <p:to>
+                                        <p:strVal val="visible"/>
+                                      </p:to>
+                                    </p:set>
+                                    <p:animEffect transition="in" filter="dissolve">
+                                      <p:cBhvr>
+                                        <p:cTn id="13" dur="500"/>
+                                        <p:tgtEl>
+                                          <p:spTgt spid="7"/>
+                                        </p:tgtEl>
+                                      </p:cBhvr>
+                                    </p:animEffect>
+                                  </p:childTnLst>
+                                </p:cTn>
+                              </p:par>
+                              <p:par>
+                                <p:cTn id="14" presetID="9" presetClass="entr" presetSubtype="0" fill="hold" grpId="0" nodeType="withEffect">
+                                  <p:stCondLst>
+                                    <p:cond delay="0"/>
+                                  </p:stCondLst>
+                                  <p:childTnLst>
+                                    <p:set>
+                                      <p:cBhvr>
+                                        <p:cTn id="15" dur="1" fill="hold">
+                                          <p:stCondLst>
+                                            <p:cond delay="0"/>
+                                          </p:stCondLst>
+                                        </p:cTn>
+                                        <p:tgtEl>
+                                          <p:spTgt spid="13"/>
+                                        </p:tgtEl>
+                                        <p:attrNameLst>
+                                          <p:attrName>style.visibility</p:attrName>
+                                        </p:attrNameLst>
+                                      </p:cBhvr>
+                                      <p:to>
+                                        <p:strVal val="visible"/>
+                                      </p:to>
+                                    </p:set>
+                                    <p:animEffect transition="in" filter="dissolve">
+                                      <p:cBhvr>
+                                        <p:cTn id="16" dur="500"/>
+                                        <p:tgtEl>
+                                          <p:spTgt spid="13"/>
+                                        </p:tgtEl>
+                                      </p:cBhvr>
+                                    </p:animEffect>
+                                  </p:childTnLst>
+                                </p:cTn>
+                              </p:par>
+                            </p:childTnLst>
+                          </p:cTn>
+                        </p:par>
+                      </p:childTnLst>
+                    </p:cTn>
+                  </p:par>
+                  <p:par>
+                    <p:cTn id="17" fill="hold">
+                      <p:stCondLst>
+                        <p:cond delay="indefinite"/>
+                      </p:stCondLst>
+                      <p:childTnLst>
+                        <p:par>
+                          <p:cTn id="18" fill="hold">
+                            <p:stCondLst>
+                              <p:cond delay="0"/>
+                            </p:stCondLst>
+                            <p:childTnLst>
+                              <p:par>
+                                <p:cTn id="19" presetID="5" presetClass="entr" presetSubtype="10" fill="hold" nodeType="clickEffect">
+                                  <p:stCondLst>
+                                    <p:cond delay="0"/>
+                                  </p:stCondLst>
+                                  <p:childTnLst>
+                                    <p:set>
+                                      <p:cBhvr>
+                                        <p:cTn id="20" dur="1" fill="hold">
+                                          <p:stCondLst>
+                                            <p:cond delay="0"/>
+                                          </p:stCondLst>
+                                        </p:cTn>
+                                        <p:tgtEl>
+                                          <p:spTgt spid="11"/>
+                                        </p:tgtEl>
+                                        <p:attrNameLst>
+                                          <p:attrName>style.visibility</p:attrName>
+                                        </p:attrNameLst>
+                                      </p:cBhvr>
+                                      <p:to>
+                                        <p:strVal val="visible"/>
+                                      </p:to>
+                                    </p:set>
+                                    <p:animEffect transition="in" filter="checkerboard(across)">
+                                      <p:cBhvr>
+                                        <p:cTn id="21" dur="500"/>
+                                        <p:tgtEl>
+                                          <p:spTgt spid="11"/>
+                                        </p:tgtEl>
+                                      </p:cBhvr>
+                                    </p:animEffect>
+                                  </p:childTnLst>
+                                </p:cTn>
+                              </p:par>
+                              <p:par>
+                                <p:cTn id="22" presetID="5" presetClass="entr" presetSubtype="10" fill="hold" nodeType="withEffect">
+                                  <p:stCondLst>
+                                    <p:cond delay="0"/>
+                                  </p:stCondLst>
+                                  <p:childTnLst>
+                                    <p:set>
+                                      <p:cBhvr>
+                                        <p:cTn id="23" dur="1" fill="hold">
+                                          <p:stCondLst>
+                                            <p:cond delay="0"/>
+                                          </p:stCondLst>
+                                        </p:cTn>
+                                        <p:tgtEl>
+                                          <p:spTgt spid="12"/>
+                                        </p:tgtEl>
+                                        <p:attrNameLst>
+                                          <p:attrName>style.visibility</p:attrName>
+                                        </p:attrNameLst>
+                                      </p:cBhvr>
+                                      <p:to>
+                                        <p:strVal val="visible"/>
+                                      </p:to>
+                                    </p:set>
+                                    <p:animEffect transition="in" filter="checkerboard(across)">
+                                      <p:cBhvr>
+                                        <p:cTn id="24" dur="500"/>
+                                        <p:tgtEl>
+                                          <p:spTgt spid="12"/>
+                                        </p:tgtEl>
+                                      </p:cBhvr>
+                                    </p:animEffect>
+                                  </p:childTnLst>
+                                </p:cTn>
+                              </p:par>
+                              <p:par>
+                                <p:cTn id="25" presetID="5" presetClass="entr" presetSubtype="10" fill="hold" grpId="0" nodeType="withEffect">
+                                  <p:stCondLst>
+                                    <p:cond delay="0"/>
+                                  </p:stCondLst>
+                                  <p:childTnLst>
+                                    <p:set>
+                                      <p:cBhvr>
+                                        <p:cTn id="26" dur="1" fill="hold">
+                                          <p:stCondLst>
+                                            <p:cond delay="0"/>
+                                          </p:stCondLst>
+                                        </p:cTn>
+                                        <p:tgtEl>
+                                          <p:spTgt spid="15"/>
+                                        </p:tgtEl>
+                                        <p:attrNameLst>
+                                          <p:attrName>style.visibility</p:attrName>
+                                        </p:attrNameLst>
+                                      </p:cBhvr>
+                                      <p:to>
+                                        <p:strVal val="visible"/>
+                                      </p:to>
+                                    </p:set>
+                                    <p:animEffect transition="in" filter="checkerboard(across)">
+                                      <p:cBhvr>
+                                        <p:cTn id="27" dur="500"/>
+                                        <p:tgtEl>
+                                          <p:spTgt spid="15"/>
+                                        </p:tgtEl>
+                                      </p:cBhvr>
+                                    </p:animEffect>
+                                  </p:childTnLst>
+                                </p:cTn>
+                              </p:par>
+                            </p:childTnLst>
+                          </p:cTn>
+                        </p:par>
+                      </p:childTnLst>
+                    </p:cTn>
+                  </p:par>
+                </p:childTnLst>
+              </p:cTn>
+              <p:prevCondLst>
+                <p:cond evt="onPrev" delay="0">
+                  <p:tgtEl>
+                    <p:sldTgt/>
+                  </p:tgtEl>
+                </p:cond>
+              </p:prevCondLst>
+              <p:nextCondLst>
+                <p:cond evt="onNext" delay="0">
+                  <p:tgtEl>
+                    <p:sldTgt/>
+                  </p:tgtEl>
+                </p:cond>
+              </p:nextCondLst>
+            </p:seq>
+          </p:childTnLst>
+        </p:cTn>
+      </p:par>
+    </p:tnLst>
+    <p:bldLst>
+      <p:bldP spid="6" grpId="0"/>
+      <p:bldP spid="7" grpId="0" animBg="1"/>
+      <p:bldP spid="13" grpId="0" animBg="1"/>
+      <p:bldP spid="15" grpId="0" animBg="1"/>
+    </p:bldLst>
+  </p:timing>
 </p:sld>
 </file>
 
@@ -4893,10 +5516,9 @@
               <a:t>、</a:t>
             </a:r>
             <a:r>
-              <a:rPr kumimoji="1" lang="en-US" altLang="zh-CN"/>
+              <a:rPr kumimoji="1" lang="en-US" altLang="zh-CN" dirty="0"/>
               <a:t>BABIP</a:t>
             </a:r>
-            <a:endParaRPr kumimoji="1" lang="en-US" altLang="zh-CN" dirty="0"/>
           </a:p>
           <a:p>
             <a:pPr lvl="3"/>
@@ -7125,6 +7747,103 @@
           <a:chExt cx="0" cy="0"/>
         </a:xfrm>
       </p:grpSpPr>
+      <p:pic>
+        <p:nvPicPr>
+          <p:cNvPr id="6" name="內容版面配置區 5">
+            <a:extLst>
+              <a:ext uri="{FF2B5EF4-FFF2-40B4-BE49-F238E27FC236}">
+                <a16:creationId xmlns:a16="http://schemas.microsoft.com/office/drawing/2014/main" id="{8227E43B-EAD0-8B40-89A2-8A34C715A5A7}"/>
+              </a:ext>
+            </a:extLst>
+          </p:cNvPr>
+          <p:cNvPicPr>
+            <a:picLocks noGrp="1" noChangeAspect="1"/>
+          </p:cNvPicPr>
+          <p:nvPr>
+            <p:ph idx="1"/>
+          </p:nvPr>
+        </p:nvPicPr>
+        <p:blipFill>
+          <a:blip r:embed="rId2"/>
+          <a:stretch>
+            <a:fillRect/>
+          </a:stretch>
+        </p:blipFill>
+        <p:spPr>
+          <a:xfrm>
+            <a:off x="911831" y="731972"/>
+            <a:ext cx="9773609" cy="5591807"/>
+          </a:xfrm>
+        </p:spPr>
+      </p:pic>
+      <p:sp>
+        <p:nvSpPr>
+          <p:cNvPr id="2" name="標題 1">
+            <a:extLst>
+              <a:ext uri="{FF2B5EF4-FFF2-40B4-BE49-F238E27FC236}">
+                <a16:creationId xmlns:a16="http://schemas.microsoft.com/office/drawing/2014/main" id="{A5476516-ADA5-584F-9504-C87C82614399}"/>
+              </a:ext>
+            </a:extLst>
+          </p:cNvPr>
+          <p:cNvSpPr>
+            <a:spLocks noGrp="1"/>
+          </p:cNvSpPr>
+          <p:nvPr>
+            <p:ph type="title"/>
+          </p:nvPr>
+        </p:nvSpPr>
+        <p:spPr>
+          <a:xfrm>
+            <a:off x="412302" y="0"/>
+            <a:ext cx="10058400" cy="1609344"/>
+          </a:xfrm>
+        </p:spPr>
+        <p:txBody>
+          <a:bodyPr/>
+          <a:lstStyle/>
+          <a:p>
+            <a:r>
+              <a:rPr kumimoji="1" lang="en-US" altLang="zh-TW" dirty="0" err="1"/>
+              <a:t>Er</a:t>
+            </a:r>
+            <a:r>
+              <a:rPr kumimoji="1" lang="en-US" altLang="zh-TW" dirty="0"/>
+              <a:t>-diagram</a:t>
+            </a:r>
+            <a:endParaRPr kumimoji="1" lang="zh-TW" altLang="en-US" dirty="0"/>
+          </a:p>
+        </p:txBody>
+      </p:sp>
+    </p:spTree>
+    <p:extLst>
+      <p:ext uri="{BB962C8B-B14F-4D97-AF65-F5344CB8AC3E}">
+        <p14:creationId xmlns:p14="http://schemas.microsoft.com/office/powerpoint/2010/main" val="3477721775"/>
+      </p:ext>
+    </p:extLst>
+  </p:cSld>
+  <p:clrMapOvr>
+    <a:masterClrMapping/>
+  </p:clrMapOvr>
+</p:sld>
+</file>
+
+<file path=ppt/slides/slide7.xml><?xml version="1.0" encoding="utf-8"?>
+<p:sld xmlns:a="http://schemas.openxmlformats.org/drawingml/2006/main" xmlns:r="http://schemas.openxmlformats.org/officeDocument/2006/relationships" xmlns:p="http://schemas.openxmlformats.org/presentationml/2006/main">
+  <p:cSld>
+    <p:spTree>
+      <p:nvGrpSpPr>
+        <p:cNvPr id="1" name=""/>
+        <p:cNvGrpSpPr/>
+        <p:nvPr/>
+      </p:nvGrpSpPr>
+      <p:grpSpPr>
+        <a:xfrm>
+          <a:off x="0" y="0"/>
+          <a:ext cx="0" cy="0"/>
+          <a:chOff x="0" y="0"/>
+          <a:chExt cx="0" cy="0"/>
+        </a:xfrm>
+      </p:grpSpPr>
       <p:sp>
         <p:nvSpPr>
           <p:cNvPr id="2" name="標題 1">
@@ -7265,7 +7984,7 @@
 </p:sld>
 </file>
 
-<file path=ppt/slides/slide7.xml><?xml version="1.0" encoding="utf-8"?>
+<file path=ppt/slides/slide8.xml><?xml version="1.0" encoding="utf-8"?>
 <p:sld xmlns:a="http://schemas.openxmlformats.org/drawingml/2006/main" xmlns:r="http://schemas.openxmlformats.org/officeDocument/2006/relationships" xmlns:p="http://schemas.openxmlformats.org/presentationml/2006/main">
   <p:cSld>
     <p:spTree>
@@ -7327,7 +8046,7 @@
 </p:sld>
 </file>
 
-<file path=ppt/slides/slide8.xml><?xml version="1.0" encoding="utf-8"?>
+<file path=ppt/slides/slide9.xml><?xml version="1.0" encoding="utf-8"?>
 <p:sld xmlns:a="http://schemas.openxmlformats.org/drawingml/2006/main" xmlns:r="http://schemas.openxmlformats.org/officeDocument/2006/relationships" xmlns:p="http://schemas.openxmlformats.org/presentationml/2006/main">
   <p:cSld>
     <p:spTree>
@@ -7436,8 +8155,8 @@
         </p:blipFill>
         <p:spPr>
           <a:xfrm>
-            <a:off x="6477482" y="1889516"/>
-            <a:ext cx="5375851" cy="2701038"/>
+            <a:off x="5461482" y="1935358"/>
+            <a:ext cx="5945564" cy="2987284"/>
           </a:xfrm>
           <a:prstGeom prst="rect">
             <a:avLst/>
@@ -7466,7 +8185,7 @@
         </p:blipFill>
         <p:spPr>
           <a:xfrm>
-            <a:off x="131758" y="268402"/>
+            <a:off x="0" y="268402"/>
             <a:ext cx="5680657" cy="5943267"/>
           </a:xfrm>
           <a:prstGeom prst="rect">
@@ -7474,72 +8193,12 @@
           </a:prstGeom>
         </p:spPr>
       </p:pic>
-    </p:spTree>
-    <p:extLst>
-      <p:ext uri="{BB962C8B-B14F-4D97-AF65-F5344CB8AC3E}">
-        <p14:creationId xmlns:p14="http://schemas.microsoft.com/office/powerpoint/2010/main" val="1956414440"/>
-      </p:ext>
-    </p:extLst>
-  </p:cSld>
-  <p:clrMapOvr>
-    <a:masterClrMapping/>
-  </p:clrMapOvr>
-</p:sld>
-</file>
-
-<file path=ppt/slides/slide9.xml><?xml version="1.0" encoding="utf-8"?>
-<p:sld xmlns:a="http://schemas.openxmlformats.org/drawingml/2006/main" xmlns:r="http://schemas.openxmlformats.org/officeDocument/2006/relationships" xmlns:p="http://schemas.openxmlformats.org/presentationml/2006/main">
-  <p:cSld>
-    <p:spTree>
-      <p:nvGrpSpPr>
-        <p:cNvPr id="1" name=""/>
-        <p:cNvGrpSpPr/>
-        <p:nvPr/>
-      </p:nvGrpSpPr>
-      <p:grpSpPr>
-        <a:xfrm>
-          <a:off x="0" y="0"/>
-          <a:ext cx="0" cy="0"/>
-          <a:chOff x="0" y="0"/>
-          <a:chExt cx="0" cy="0"/>
-        </a:xfrm>
-      </p:grpSpPr>
-      <p:pic>
-        <p:nvPicPr>
-          <p:cNvPr id="4" name="圖片 3">
+      <p:sp>
+        <p:nvSpPr>
+          <p:cNvPr id="8" name="文字方塊 7">
             <a:extLst>
               <a:ext uri="{FF2B5EF4-FFF2-40B4-BE49-F238E27FC236}">
-                <a16:creationId xmlns:a16="http://schemas.microsoft.com/office/drawing/2014/main" id="{758B1F50-6408-5640-9EB3-6E1BFC094AF0}"/>
-              </a:ext>
-            </a:extLst>
-          </p:cNvPr>
-          <p:cNvPicPr>
-            <a:picLocks noChangeAspect="1"/>
-          </p:cNvPicPr>
-          <p:nvPr/>
-        </p:nvPicPr>
-        <p:blipFill>
-          <a:blip r:embed="rId2"/>
-          <a:stretch>
-            <a:fillRect/>
-          </a:stretch>
-        </p:blipFill>
-        <p:spPr>
-          <a:xfrm>
-            <a:off x="3748661" y="225816"/>
-            <a:ext cx="7675695" cy="6406368"/>
-          </a:xfrm>
-          <a:prstGeom prst="rect">
-            <a:avLst/>
-          </a:prstGeom>
-        </p:spPr>
-      </p:pic>
-      <p:sp>
-        <p:nvSpPr>
-          <p:cNvPr id="5" name="文字方塊 4">
-            <a:extLst>
-              <a:ext uri="{FF2B5EF4-FFF2-40B4-BE49-F238E27FC236}">
-                <a16:creationId xmlns:a16="http://schemas.microsoft.com/office/drawing/2014/main" id="{6EA13B5B-E35F-0D40-B43C-A0F30EDAFA07}"/>
+                <a16:creationId xmlns:a16="http://schemas.microsoft.com/office/drawing/2014/main" id="{DE20808A-58CE-D647-B774-7003BFA79781}"/>
               </a:ext>
             </a:extLst>
           </p:cNvPr>
@@ -7548,75 +8207,7 @@
         </p:nvSpPr>
         <p:spPr>
           <a:xfrm>
-            <a:off x="417690" y="327378"/>
-            <a:ext cx="3300904" cy="646331"/>
-          </a:xfrm>
-          <a:prstGeom prst="rect">
-            <a:avLst/>
-          </a:prstGeom>
-          <a:noFill/>
-        </p:spPr>
-        <p:txBody>
-          <a:bodyPr wrap="none" rtlCol="0">
-            <a:spAutoFit/>
-          </a:bodyPr>
-          <a:lstStyle/>
-          <a:p>
-            <a:r>
-              <a:rPr kumimoji="1" lang="zh-CN" altLang="en-US" sz="3600" dirty="0">
-                <a:solidFill>
-                  <a:srgbClr val="C00000"/>
-                </a:solidFill>
-              </a:rPr>
-              <a:t>目前進度</a:t>
-            </a:r>
-            <a:r>
-              <a:rPr kumimoji="1" lang="en-US" altLang="zh-CN" sz="3600" dirty="0">
-                <a:solidFill>
-                  <a:srgbClr val="C00000"/>
-                </a:solidFill>
-              </a:rPr>
-              <a:t>(</a:t>
-            </a:r>
-            <a:r>
-              <a:rPr kumimoji="1" lang="zh-CN" altLang="en-US" sz="3600" dirty="0">
-                <a:solidFill>
-                  <a:srgbClr val="C00000"/>
-                </a:solidFill>
-              </a:rPr>
-              <a:t>後端</a:t>
-            </a:r>
-            <a:r>
-              <a:rPr kumimoji="1" lang="en-US" altLang="zh-CN" sz="3600" dirty="0">
-                <a:solidFill>
-                  <a:srgbClr val="C00000"/>
-                </a:solidFill>
-              </a:rPr>
-              <a:t>)</a:t>
-            </a:r>
-            <a:endParaRPr kumimoji="1" lang="zh-TW" altLang="en-US" sz="3600" dirty="0">
-              <a:solidFill>
-                <a:srgbClr val="C00000"/>
-              </a:solidFill>
-            </a:endParaRPr>
-          </a:p>
-        </p:txBody>
-      </p:sp>
-      <p:sp>
-        <p:nvSpPr>
-          <p:cNvPr id="6" name="文字方塊 5">
-            <a:extLst>
-              <a:ext uri="{FF2B5EF4-FFF2-40B4-BE49-F238E27FC236}">
-                <a16:creationId xmlns:a16="http://schemas.microsoft.com/office/drawing/2014/main" id="{6DD5E639-DE9D-2C4F-8217-F7CB755B09ED}"/>
-              </a:ext>
-            </a:extLst>
-          </p:cNvPr>
-          <p:cNvSpPr txBox="1"/>
-          <p:nvPr/>
-        </p:nvSpPr>
-        <p:spPr>
-          <a:xfrm>
-            <a:off x="2585665" y="1112208"/>
+            <a:off x="6154316" y="568312"/>
             <a:ext cx="646331" cy="369332"/>
           </a:xfrm>
           <a:prstGeom prst="rect">
@@ -7631,122 +8222,17 @@
           <a:lstStyle/>
           <a:p>
             <a:r>
-              <a:rPr kumimoji="1" lang="zh-TW" altLang="en-US" dirty="0"/>
-              <a:t>打者</a:t>
-            </a:r>
-          </a:p>
-        </p:txBody>
-      </p:sp>
-      <p:sp>
-        <p:nvSpPr>
-          <p:cNvPr id="7" name="向右箭號 6">
-            <a:extLst>
-              <a:ext uri="{FF2B5EF4-FFF2-40B4-BE49-F238E27FC236}">
-                <a16:creationId xmlns:a16="http://schemas.microsoft.com/office/drawing/2014/main" id="{48B22F71-D65A-BA4A-8E27-B019D33AD6C9}"/>
-              </a:ext>
-            </a:extLst>
-          </p:cNvPr>
-          <p:cNvSpPr/>
-          <p:nvPr/>
-        </p:nvSpPr>
-        <p:spPr>
-          <a:xfrm rot="18750237">
-            <a:off x="3174707" y="800540"/>
-            <a:ext cx="545987" cy="316089"/>
-          </a:xfrm>
-          <a:prstGeom prst="rightArrow">
-            <a:avLst/>
-          </a:prstGeom>
-        </p:spPr>
-        <p:style>
-          <a:lnRef idx="2">
-            <a:schemeClr val="accent1">
-              <a:shade val="50000"/>
-            </a:schemeClr>
-          </a:lnRef>
-          <a:fillRef idx="1">
-            <a:schemeClr val="accent1"/>
-          </a:fillRef>
-          <a:effectRef idx="0">
-            <a:schemeClr val="accent1"/>
-          </a:effectRef>
-          <a:fontRef idx="minor">
-            <a:schemeClr val="lt1"/>
-          </a:fontRef>
-        </p:style>
-        <p:txBody>
-          <a:bodyPr rtlCol="0" anchor="ctr"/>
-          <a:lstStyle/>
-          <a:p>
-            <a:pPr algn="ctr"/>
-            <a:endParaRPr kumimoji="1" lang="zh-TW" altLang="en-US"/>
-          </a:p>
-        </p:txBody>
-      </p:sp>
-      <p:pic>
-        <p:nvPicPr>
-          <p:cNvPr id="8" name="圖片 7">
-            <a:extLst>
-              <a:ext uri="{FF2B5EF4-FFF2-40B4-BE49-F238E27FC236}">
-                <a16:creationId xmlns:a16="http://schemas.microsoft.com/office/drawing/2014/main" id="{C1B34ADD-DDB3-EE42-8D13-6DCB517F0AF3}"/>
-              </a:ext>
-            </a:extLst>
-          </p:cNvPr>
-          <p:cNvPicPr>
-            <a:picLocks noChangeAspect="1"/>
-          </p:cNvPicPr>
-          <p:nvPr/>
-        </p:nvPicPr>
-        <p:blipFill>
-          <a:blip r:embed="rId3"/>
-          <a:stretch>
-            <a:fillRect/>
-          </a:stretch>
-        </p:blipFill>
-        <p:spPr>
-          <a:xfrm>
-            <a:off x="304878" y="1112208"/>
-            <a:ext cx="1333500" cy="1892300"/>
-          </a:xfrm>
-          <a:prstGeom prst="rect">
-            <a:avLst/>
-          </a:prstGeom>
-        </p:spPr>
-      </p:pic>
-      <p:pic>
-        <p:nvPicPr>
-          <p:cNvPr id="9" name="圖片 8">
-            <a:extLst>
-              <a:ext uri="{FF2B5EF4-FFF2-40B4-BE49-F238E27FC236}">
-                <a16:creationId xmlns:a16="http://schemas.microsoft.com/office/drawing/2014/main" id="{F9032A16-F3A9-8A45-A3E7-BEF6718B8D49}"/>
-              </a:ext>
-            </a:extLst>
-          </p:cNvPr>
-          <p:cNvPicPr>
-            <a:picLocks noChangeAspect="1"/>
-          </p:cNvPicPr>
-          <p:nvPr/>
-        </p:nvPicPr>
-        <p:blipFill>
-          <a:blip r:embed="rId4"/>
-          <a:stretch>
-            <a:fillRect/>
-          </a:stretch>
-        </p:blipFill>
-        <p:spPr>
-          <a:xfrm>
-            <a:off x="971628" y="3429000"/>
-            <a:ext cx="6852356" cy="843683"/>
-          </a:xfrm>
-          <a:prstGeom prst="rect">
-            <a:avLst/>
-          </a:prstGeom>
-        </p:spPr>
-      </p:pic>
+              <a:rPr kumimoji="1" lang="zh-CN" altLang="en-US" dirty="0"/>
+              <a:t>球隊</a:t>
+            </a:r>
+            <a:endParaRPr kumimoji="1" lang="zh-TW" altLang="en-US" dirty="0"/>
+          </a:p>
+        </p:txBody>
+      </p:sp>
     </p:spTree>
     <p:extLst>
       <p:ext uri="{BB962C8B-B14F-4D97-AF65-F5344CB8AC3E}">
-        <p14:creationId xmlns:p14="http://schemas.microsoft.com/office/powerpoint/2010/main" val="1356387353"/>
+        <p14:creationId xmlns:p14="http://schemas.microsoft.com/office/powerpoint/2010/main" val="1956414440"/>
       </p:ext>
     </p:extLst>
   </p:cSld>

--- a/report.pptx
+++ b/report.pptx
@@ -6,16 +6,17 @@
   </p:sldMasterIdLst>
   <p:sldIdLst>
     <p:sldId id="256" r:id="rId2"/>
-    <p:sldId id="257" r:id="rId3"/>
-    <p:sldId id="265" r:id="rId4"/>
-    <p:sldId id="258" r:id="rId5"/>
-    <p:sldId id="259" r:id="rId6"/>
-    <p:sldId id="261" r:id="rId7"/>
+    <p:sldId id="258" r:id="rId3"/>
+    <p:sldId id="261" r:id="rId4"/>
+    <p:sldId id="259" r:id="rId5"/>
+    <p:sldId id="257" r:id="rId6"/>
+    <p:sldId id="268" r:id="rId7"/>
     <p:sldId id="260" r:id="rId8"/>
     <p:sldId id="264" r:id="rId9"/>
     <p:sldId id="266" r:id="rId10"/>
     <p:sldId id="263" r:id="rId11"/>
     <p:sldId id="262" r:id="rId12"/>
+    <p:sldId id="267" r:id="rId13"/>
   </p:sldIdLst>
   <p:sldSz cx="12192000" cy="6858000"/>
   <p:notesSz cx="6858000" cy="9144000"/>
@@ -5334,7 +5335,300 @@
           <a:bodyPr/>
           <a:lstStyle/>
           <a:p>
+            <a:endParaRPr kumimoji="1" lang="zh-TW" altLang="en-US" dirty="0"/>
+          </a:p>
+        </p:txBody>
+      </p:sp>
+      <p:pic>
+        <p:nvPicPr>
+          <p:cNvPr id="6" name="內容版面配置區 5">
+            <a:extLst>
+              <a:ext uri="{FF2B5EF4-FFF2-40B4-BE49-F238E27FC236}">
+                <a16:creationId xmlns:a16="http://schemas.microsoft.com/office/drawing/2014/main" id="{A3C4B6EC-F083-F14A-A290-A825CF655931}"/>
+              </a:ext>
+            </a:extLst>
+          </p:cNvPr>
+          <p:cNvPicPr>
+            <a:picLocks noGrp="1" noChangeAspect="1"/>
+          </p:cNvPicPr>
+          <p:nvPr>
+            <p:ph idx="1"/>
+          </p:nvPr>
+        </p:nvPicPr>
+        <p:blipFill>
+          <a:blip r:embed="rId2"/>
+          <a:stretch>
+            <a:fillRect/>
+          </a:stretch>
+        </p:blipFill>
+        <p:spPr>
+          <a:xfrm>
+            <a:off x="1069848" y="2683042"/>
+            <a:ext cx="10058400" cy="3979147"/>
+          </a:xfrm>
+          <a:prstGeom prst="rect">
+            <a:avLst/>
+          </a:prstGeom>
+        </p:spPr>
+      </p:pic>
+      <p:sp>
+        <p:nvSpPr>
+          <p:cNvPr id="5" name="文字方塊 4">
+            <a:extLst>
+              <a:ext uri="{FF2B5EF4-FFF2-40B4-BE49-F238E27FC236}">
+                <a16:creationId xmlns:a16="http://schemas.microsoft.com/office/drawing/2014/main" id="{C41ED1C8-DEEA-DC4F-86E4-484A54E376E3}"/>
+              </a:ext>
+            </a:extLst>
+          </p:cNvPr>
+          <p:cNvSpPr txBox="1"/>
+          <p:nvPr/>
+        </p:nvSpPr>
+        <p:spPr>
+          <a:xfrm>
+            <a:off x="10193867" y="1670756"/>
+            <a:ext cx="646331" cy="369332"/>
+          </a:xfrm>
+          <a:prstGeom prst="rect">
+            <a:avLst/>
+          </a:prstGeom>
+          <a:noFill/>
+        </p:spPr>
+        <p:txBody>
+          <a:bodyPr wrap="none" rtlCol="0">
+            <a:spAutoFit/>
+          </a:bodyPr>
+          <a:lstStyle/>
+          <a:p>
+            <a:r>
+              <a:rPr kumimoji="1" lang="zh-TW" altLang="en-US" dirty="0"/>
+              <a:t>投手</a:t>
+            </a:r>
+          </a:p>
+        </p:txBody>
+      </p:sp>
+      <p:sp>
+        <p:nvSpPr>
+          <p:cNvPr id="7" name="文字方塊 6">
+            <a:extLst>
+              <a:ext uri="{FF2B5EF4-FFF2-40B4-BE49-F238E27FC236}">
+                <a16:creationId xmlns:a16="http://schemas.microsoft.com/office/drawing/2014/main" id="{BFC41618-B7C0-3F44-B0A1-C678E2CAB2C0}"/>
+              </a:ext>
+            </a:extLst>
+          </p:cNvPr>
+          <p:cNvSpPr txBox="1"/>
+          <p:nvPr/>
+        </p:nvSpPr>
+        <p:spPr>
+          <a:xfrm>
+            <a:off x="2029134" y="1058512"/>
+            <a:ext cx="697627" cy="400110"/>
+          </a:xfrm>
+          <a:prstGeom prst="rect">
+            <a:avLst/>
+          </a:prstGeom>
+          <a:noFill/>
+        </p:spPr>
+        <p:txBody>
+          <a:bodyPr wrap="none" rtlCol="0">
+            <a:spAutoFit/>
+          </a:bodyPr>
+          <a:lstStyle/>
+          <a:p>
+            <a:r>
+              <a:rPr kumimoji="1" lang="zh-CN" altLang="en-US" sz="2000" dirty="0"/>
+              <a:t>投手</a:t>
+            </a:r>
+            <a:endParaRPr kumimoji="1" lang="zh-TW" altLang="en-US" sz="2000" dirty="0"/>
+          </a:p>
+        </p:txBody>
+      </p:sp>
+      <p:pic>
+        <p:nvPicPr>
+          <p:cNvPr id="8" name="圖片 7">
+            <a:extLst>
+              <a:ext uri="{FF2B5EF4-FFF2-40B4-BE49-F238E27FC236}">
+                <a16:creationId xmlns:a16="http://schemas.microsoft.com/office/drawing/2014/main" id="{674FA2BA-F97C-BC45-9EA4-0DC135990259}"/>
+              </a:ext>
+            </a:extLst>
+          </p:cNvPr>
+          <p:cNvPicPr>
+            <a:picLocks noChangeAspect="1"/>
+          </p:cNvPicPr>
+          <p:nvPr/>
+        </p:nvPicPr>
+        <p:blipFill>
+          <a:blip r:embed="rId3"/>
+          <a:stretch>
+            <a:fillRect/>
+          </a:stretch>
+        </p:blipFill>
+        <p:spPr>
+          <a:xfrm>
+            <a:off x="130113" y="1289304"/>
+            <a:ext cx="1308100" cy="1879600"/>
+          </a:xfrm>
+          <a:prstGeom prst="rect">
+            <a:avLst/>
+          </a:prstGeom>
+        </p:spPr>
+      </p:pic>
+      <p:pic>
+        <p:nvPicPr>
+          <p:cNvPr id="9" name="圖片 8">
+            <a:extLst>
+              <a:ext uri="{FF2B5EF4-FFF2-40B4-BE49-F238E27FC236}">
+                <a16:creationId xmlns:a16="http://schemas.microsoft.com/office/drawing/2014/main" id="{26D27F49-85A1-5F4A-B5FA-EED83A6D8753}"/>
+              </a:ext>
+            </a:extLst>
+          </p:cNvPr>
+          <p:cNvPicPr>
+            <a:picLocks noChangeAspect="1"/>
+          </p:cNvPicPr>
+          <p:nvPr/>
+        </p:nvPicPr>
+        <p:blipFill>
+          <a:blip r:embed="rId4"/>
+          <a:stretch>
+            <a:fillRect/>
+          </a:stretch>
+        </p:blipFill>
+        <p:spPr>
+          <a:xfrm>
+            <a:off x="3804355" y="667516"/>
+            <a:ext cx="7834489" cy="2006480"/>
+          </a:xfrm>
+          <a:prstGeom prst="rect">
+            <a:avLst/>
+          </a:prstGeom>
+        </p:spPr>
+      </p:pic>
+      <p:sp>
+        <p:nvSpPr>
+          <p:cNvPr id="10" name="矩形 9">
+            <a:extLst>
+              <a:ext uri="{FF2B5EF4-FFF2-40B4-BE49-F238E27FC236}">
+                <a16:creationId xmlns:a16="http://schemas.microsoft.com/office/drawing/2014/main" id="{AB155E7E-B658-2644-9823-E9381D514C8C}"/>
+              </a:ext>
+            </a:extLst>
+          </p:cNvPr>
+          <p:cNvSpPr/>
+          <p:nvPr/>
+        </p:nvSpPr>
+        <p:spPr>
+          <a:xfrm>
+            <a:off x="4888089" y="3263062"/>
+            <a:ext cx="519287" cy="3399127"/>
+          </a:xfrm>
+          <a:prstGeom prst="rect">
+            <a:avLst/>
+          </a:prstGeom>
+          <a:noFill/>
+          <a:ln w="28575">
+            <a:solidFill>
+              <a:srgbClr val="00B050"/>
+            </a:solidFill>
+          </a:ln>
+        </p:spPr>
+        <p:style>
+          <a:lnRef idx="2">
+            <a:schemeClr val="accent1">
+              <a:shade val="50000"/>
+            </a:schemeClr>
+          </a:lnRef>
+          <a:fillRef idx="1">
+            <a:schemeClr val="accent1"/>
+          </a:fillRef>
+          <a:effectRef idx="0">
+            <a:schemeClr val="accent1"/>
+          </a:effectRef>
+          <a:fontRef idx="minor">
+            <a:schemeClr val="lt1"/>
+          </a:fontRef>
+        </p:style>
+        <p:txBody>
+          <a:bodyPr rtlCol="0" anchor="ctr"/>
+          <a:lstStyle/>
+          <a:p>
+            <a:pPr algn="ctr"/>
             <a:endParaRPr kumimoji="1" lang="zh-TW" altLang="en-US"/>
+          </a:p>
+        </p:txBody>
+      </p:sp>
+    </p:spTree>
+    <p:extLst>
+      <p:ext uri="{BB962C8B-B14F-4D97-AF65-F5344CB8AC3E}">
+        <p14:creationId xmlns:p14="http://schemas.microsoft.com/office/powerpoint/2010/main" val="3342573951"/>
+      </p:ext>
+    </p:extLst>
+  </p:cSld>
+  <p:clrMapOvr>
+    <a:masterClrMapping/>
+  </p:clrMapOvr>
+</p:sld>
+</file>
+
+<file path=ppt/slides/slide12.xml><?xml version="1.0" encoding="utf-8"?>
+<p:sld xmlns:a="http://schemas.openxmlformats.org/drawingml/2006/main" xmlns:r="http://schemas.openxmlformats.org/officeDocument/2006/relationships" xmlns:p="http://schemas.openxmlformats.org/presentationml/2006/main">
+  <p:cSld>
+    <p:spTree>
+      <p:nvGrpSpPr>
+        <p:cNvPr id="1" name=""/>
+        <p:cNvGrpSpPr/>
+        <p:nvPr/>
+      </p:nvGrpSpPr>
+      <p:grpSpPr>
+        <a:xfrm>
+          <a:off x="0" y="0"/>
+          <a:ext cx="0" cy="0"/>
+          <a:chOff x="0" y="0"/>
+          <a:chExt cx="0" cy="0"/>
+        </a:xfrm>
+      </p:grpSpPr>
+      <p:sp>
+        <p:nvSpPr>
+          <p:cNvPr id="2" name="標題 1">
+            <a:extLst>
+              <a:ext uri="{FF2B5EF4-FFF2-40B4-BE49-F238E27FC236}">
+                <a16:creationId xmlns:a16="http://schemas.microsoft.com/office/drawing/2014/main" id="{57D7C0FA-FE3B-BB4B-9307-FD7D737D5429}"/>
+              </a:ext>
+            </a:extLst>
+          </p:cNvPr>
+          <p:cNvSpPr>
+            <a:spLocks noGrp="1"/>
+          </p:cNvSpPr>
+          <p:nvPr>
+            <p:ph type="title"/>
+          </p:nvPr>
+        </p:nvSpPr>
+        <p:spPr>
+          <a:xfrm>
+            <a:off x="36464" y="156465"/>
+            <a:ext cx="10058400" cy="1609344"/>
+          </a:xfrm>
+        </p:spPr>
+        <p:txBody>
+          <a:bodyPr>
+            <a:normAutofit/>
+          </a:bodyPr>
+          <a:lstStyle/>
+          <a:p>
+            <a:r>
+              <a:rPr kumimoji="1" lang="zh-TW" altLang="en-US" sz="7200" dirty="0"/>
+              <a:t>前端</a:t>
+            </a:r>
+            <a:r>
+              <a:rPr kumimoji="1" lang="en-US" altLang="zh-TW" sz="7200" dirty="0"/>
+              <a:t>(</a:t>
+            </a:r>
+            <a:r>
+              <a:rPr kumimoji="1" lang="en-US" altLang="zh-TW" sz="7200" dirty="0" err="1"/>
+              <a:t>grafana</a:t>
+            </a:r>
+            <a:r>
+              <a:rPr kumimoji="1" lang="en-US" altLang="zh-TW" sz="7200" dirty="0"/>
+              <a:t>)</a:t>
+            </a:r>
+            <a:endParaRPr kumimoji="1" lang="zh-TW" altLang="en-US" sz="7200" dirty="0"/>
           </a:p>
         </p:txBody>
       </p:sp>
@@ -5343,7 +5637,7 @@
           <p:cNvPr id="3" name="內容版面配置區 2">
             <a:extLst>
               <a:ext uri="{FF2B5EF4-FFF2-40B4-BE49-F238E27FC236}">
-                <a16:creationId xmlns:a16="http://schemas.microsoft.com/office/drawing/2014/main" id="{8AAA5C91-4703-5F43-B187-E106B7A5CE56}"/>
+                <a16:creationId xmlns:a16="http://schemas.microsoft.com/office/drawing/2014/main" id="{4F5BAF85-129B-734A-A8C4-308DC38EC55D}"/>
               </a:ext>
             </a:extLst>
           </p:cNvPr>
@@ -5354,19 +5648,82 @@
             <p:ph idx="1"/>
           </p:nvPr>
         </p:nvSpPr>
-        <p:spPr/>
-        <p:txBody>
-          <a:bodyPr/>
+        <p:spPr>
+          <a:xfrm>
+            <a:off x="36464" y="1765809"/>
+            <a:ext cx="10058400" cy="4050792"/>
+          </a:xfrm>
+        </p:spPr>
+        <p:txBody>
+          <a:bodyPr>
+            <a:normAutofit/>
+          </a:bodyPr>
           <a:lstStyle/>
           <a:p>
-            <a:endParaRPr kumimoji="1" lang="zh-TW" altLang="en-US"/>
-          </a:p>
-        </p:txBody>
-      </p:sp>
+            <a:r>
+              <a:rPr kumimoji="1" lang="zh-TW" altLang="en-US" sz="3200" dirty="0"/>
+              <a:t>資料視覺化平台</a:t>
+            </a:r>
+            <a:endParaRPr kumimoji="1" lang="en-US" altLang="zh-TW" sz="3200" dirty="0"/>
+          </a:p>
+          <a:p>
+            <a:r>
+              <a:rPr kumimoji="1" lang="zh-TW" altLang="en-US" sz="3200" dirty="0"/>
+              <a:t>呈現</a:t>
+            </a:r>
+            <a:r>
+              <a:rPr kumimoji="1" lang="en-US" altLang="zh-TW" sz="3200" dirty="0"/>
+              <a:t>query</a:t>
+            </a:r>
+            <a:r>
+              <a:rPr kumimoji="1" lang="zh-CN" altLang="en-US" sz="3200" dirty="0"/>
+              <a:t>結果</a:t>
+            </a:r>
+            <a:endParaRPr kumimoji="1" lang="en-US" altLang="zh-CN" sz="3200" dirty="0"/>
+          </a:p>
+          <a:p>
+            <a:r>
+              <a:rPr kumimoji="1" lang="zh-CN" altLang="en-US" sz="3200" dirty="0"/>
+              <a:t>與使用者互動</a:t>
+            </a:r>
+            <a:endParaRPr kumimoji="1" lang="zh-TW" altLang="en-US" sz="3200" dirty="0"/>
+          </a:p>
+        </p:txBody>
+      </p:sp>
+      <p:pic>
+        <p:nvPicPr>
+          <p:cNvPr id="4" name="圖片 3">
+            <a:extLst>
+              <a:ext uri="{FF2B5EF4-FFF2-40B4-BE49-F238E27FC236}">
+                <a16:creationId xmlns:a16="http://schemas.microsoft.com/office/drawing/2014/main" id="{F067F1C5-8116-D943-81ED-0F2C4D7B4597}"/>
+              </a:ext>
+            </a:extLst>
+          </p:cNvPr>
+          <p:cNvPicPr>
+            <a:picLocks noChangeAspect="1"/>
+          </p:cNvPicPr>
+          <p:nvPr/>
+        </p:nvPicPr>
+        <p:blipFill>
+          <a:blip r:embed="rId2"/>
+          <a:stretch>
+            <a:fillRect/>
+          </a:stretch>
+        </p:blipFill>
+        <p:spPr>
+          <a:xfrm>
+            <a:off x="3391979" y="1997230"/>
+            <a:ext cx="8800021" cy="4358414"/>
+          </a:xfrm>
+          <a:prstGeom prst="rect">
+            <a:avLst/>
+          </a:prstGeom>
+        </p:spPr>
+      </p:pic>
     </p:spTree>
     <p:extLst>
       <p:ext uri="{BB962C8B-B14F-4D97-AF65-F5344CB8AC3E}">
-        <p14:creationId xmlns:p14="http://schemas.microsoft.com/office/powerpoint/2010/main" val="3342573951"/>
+        <p14:creationId xmlns:p14="http://schemas.microsoft.com/office/powerpoint/2010/main" val="3166690515"/>
       </p:ext>
     </p:extLst>
   </p:cSld>
@@ -5393,12 +5750,132 @@
           <a:chExt cx="0" cy="0"/>
         </a:xfrm>
       </p:grpSpPr>
+      <p:pic>
+        <p:nvPicPr>
+          <p:cNvPr id="7" name="圖片 6">
+            <a:extLst>
+              <a:ext uri="{FF2B5EF4-FFF2-40B4-BE49-F238E27FC236}">
+                <a16:creationId xmlns:a16="http://schemas.microsoft.com/office/drawing/2014/main" id="{914F4052-CF28-4A47-AFAE-930726DB9F66}"/>
+              </a:ext>
+            </a:extLst>
+          </p:cNvPr>
+          <p:cNvPicPr>
+            <a:picLocks noChangeAspect="1"/>
+          </p:cNvPicPr>
+          <p:nvPr/>
+        </p:nvPicPr>
+        <p:blipFill rotWithShape="1">
+          <a:blip r:embed="rId2"/>
+          <a:srcRect t="10303" b="54014"/>
+          <a:stretch/>
+        </p:blipFill>
+        <p:spPr>
+          <a:xfrm>
+            <a:off x="1555311" y="387614"/>
+            <a:ext cx="8501289" cy="1706362"/>
+          </a:xfrm>
+          <a:prstGeom prst="rect">
+            <a:avLst/>
+          </a:prstGeom>
+        </p:spPr>
+      </p:pic>
+      <p:pic>
+        <p:nvPicPr>
+          <p:cNvPr id="6" name="內容版面配置區 5">
+            <a:extLst>
+              <a:ext uri="{FF2B5EF4-FFF2-40B4-BE49-F238E27FC236}">
+                <a16:creationId xmlns:a16="http://schemas.microsoft.com/office/drawing/2014/main" id="{20E25E3A-D31F-E04F-A973-68019A6EADAC}"/>
+              </a:ext>
+            </a:extLst>
+          </p:cNvPr>
+          <p:cNvPicPr>
+            <a:picLocks noGrp="1" noChangeAspect="1"/>
+          </p:cNvPicPr>
+          <p:nvPr>
+            <p:ph idx="1"/>
+          </p:nvPr>
+        </p:nvPicPr>
+        <p:blipFill>
+          <a:blip r:embed="rId3"/>
+          <a:stretch>
+            <a:fillRect/>
+          </a:stretch>
+        </p:blipFill>
+        <p:spPr>
+          <a:xfrm>
+            <a:off x="980763" y="2093976"/>
+            <a:ext cx="9586822" cy="5544007"/>
+          </a:xfrm>
+          <a:prstGeom prst="rect">
+            <a:avLst/>
+          </a:prstGeom>
+        </p:spPr>
+      </p:pic>
+    </p:spTree>
+    <p:extLst>
+      <p:ext uri="{BB962C8B-B14F-4D97-AF65-F5344CB8AC3E}">
+        <p14:creationId xmlns:p14="http://schemas.microsoft.com/office/powerpoint/2010/main" val="2281429190"/>
+      </p:ext>
+    </p:extLst>
+  </p:cSld>
+  <p:clrMapOvr>
+    <a:masterClrMapping/>
+  </p:clrMapOvr>
+</p:sld>
+</file>
+
+<file path=ppt/slides/slide3.xml><?xml version="1.0" encoding="utf-8"?>
+<p:sld xmlns:a="http://schemas.openxmlformats.org/drawingml/2006/main" xmlns:r="http://schemas.openxmlformats.org/officeDocument/2006/relationships" xmlns:p="http://schemas.openxmlformats.org/presentationml/2006/main">
+  <p:cSld>
+    <p:spTree>
+      <p:nvGrpSpPr>
+        <p:cNvPr id="1" name=""/>
+        <p:cNvGrpSpPr/>
+        <p:nvPr/>
+      </p:nvGrpSpPr>
+      <p:grpSpPr>
+        <a:xfrm>
+          <a:off x="0" y="0"/>
+          <a:ext cx="0" cy="0"/>
+          <a:chOff x="0" y="0"/>
+          <a:chExt cx="0" cy="0"/>
+        </a:xfrm>
+      </p:grpSpPr>
+      <p:pic>
+        <p:nvPicPr>
+          <p:cNvPr id="15" name="內容版面配置區 14">
+            <a:extLst>
+              <a:ext uri="{FF2B5EF4-FFF2-40B4-BE49-F238E27FC236}">
+                <a16:creationId xmlns:a16="http://schemas.microsoft.com/office/drawing/2014/main" id="{6D765418-A954-4C4E-9EC0-3393BC9B78EA}"/>
+              </a:ext>
+            </a:extLst>
+          </p:cNvPr>
+          <p:cNvPicPr>
+            <a:picLocks noGrp="1" noChangeAspect="1"/>
+          </p:cNvPicPr>
+          <p:nvPr>
+            <p:ph idx="1"/>
+          </p:nvPr>
+        </p:nvPicPr>
+        <p:blipFill>
+          <a:blip r:embed="rId2"/>
+          <a:stretch>
+            <a:fillRect/>
+          </a:stretch>
+        </p:blipFill>
+        <p:spPr>
+          <a:xfrm>
+            <a:off x="1215284" y="556314"/>
+            <a:ext cx="9761431" cy="5584839"/>
+          </a:xfrm>
+        </p:spPr>
+      </p:pic>
       <p:sp>
         <p:nvSpPr>
           <p:cNvPr id="2" name="標題 1">
             <a:extLst>
               <a:ext uri="{FF2B5EF4-FFF2-40B4-BE49-F238E27FC236}">
-                <a16:creationId xmlns:a16="http://schemas.microsoft.com/office/drawing/2014/main" id="{5E346F7B-9AFE-464C-84DD-8E901DB329B5}"/>
+                <a16:creationId xmlns:a16="http://schemas.microsoft.com/office/drawing/2014/main" id="{A5476516-ADA5-584F-9504-C87C82614399}"/>
               </a:ext>
             </a:extLst>
           </p:cNvPr>
@@ -5409,260 +5886,292 @@
             <p:ph type="title"/>
           </p:nvPr>
         </p:nvSpPr>
-        <p:spPr/>
+        <p:spPr>
+          <a:xfrm>
+            <a:off x="412302" y="0"/>
+            <a:ext cx="10058400" cy="1609344"/>
+          </a:xfrm>
+        </p:spPr>
         <p:txBody>
           <a:bodyPr/>
           <a:lstStyle/>
           <a:p>
             <a:r>
-              <a:rPr kumimoji="1" lang="zh-TW" altLang="en-US" dirty="0"/>
-              <a:t>研究方向</a:t>
-            </a:r>
-          </a:p>
-        </p:txBody>
-      </p:sp>
-      <p:sp>
-        <p:nvSpPr>
-          <p:cNvPr id="3" name="內容版面配置區 2">
+              <a:rPr kumimoji="1" lang="en-US" altLang="zh-TW" dirty="0" err="1"/>
+              <a:t>Er</a:t>
+            </a:r>
+            <a:r>
+              <a:rPr kumimoji="1" lang="en-US" altLang="zh-TW" dirty="0"/>
+              <a:t>-diagram</a:t>
+            </a:r>
+            <a:endParaRPr kumimoji="1" lang="zh-TW" altLang="en-US" dirty="0"/>
+          </a:p>
+        </p:txBody>
+      </p:sp>
+      <p:sp>
+        <p:nvSpPr>
+          <p:cNvPr id="16" name="橢圓 15">
             <a:extLst>
               <a:ext uri="{FF2B5EF4-FFF2-40B4-BE49-F238E27FC236}">
-                <a16:creationId xmlns:a16="http://schemas.microsoft.com/office/drawing/2014/main" id="{D3E96B48-5961-7546-BD7E-4136DD2629F6}"/>
+                <a16:creationId xmlns:a16="http://schemas.microsoft.com/office/drawing/2014/main" id="{C29655EF-12FC-DA41-99E0-5F5D21BABA3E}"/>
               </a:ext>
             </a:extLst>
           </p:cNvPr>
-          <p:cNvSpPr>
-            <a:spLocks noGrp="1"/>
-          </p:cNvSpPr>
-          <p:nvPr>
-            <p:ph idx="1"/>
-          </p:nvPr>
-        </p:nvSpPr>
-        <p:spPr/>
-        <p:txBody>
-          <a:bodyPr>
-            <a:normAutofit lnSpcReduction="10000"/>
-          </a:bodyPr>
+          <p:cNvSpPr/>
+          <p:nvPr/>
+        </p:nvSpPr>
+        <p:spPr>
+          <a:xfrm>
+            <a:off x="1689418" y="3135657"/>
+            <a:ext cx="1019916" cy="524934"/>
+          </a:xfrm>
+          <a:prstGeom prst="ellipse">
+            <a:avLst/>
+          </a:prstGeom>
+          <a:noFill/>
+          <a:ln>
+            <a:solidFill>
+              <a:srgbClr val="FF0000"/>
+            </a:solidFill>
+          </a:ln>
+        </p:spPr>
+        <p:style>
+          <a:lnRef idx="2">
+            <a:schemeClr val="accent1">
+              <a:shade val="50000"/>
+            </a:schemeClr>
+          </a:lnRef>
+          <a:fillRef idx="1">
+            <a:schemeClr val="accent1"/>
+          </a:fillRef>
+          <a:effectRef idx="0">
+            <a:schemeClr val="accent1"/>
+          </a:effectRef>
+          <a:fontRef idx="minor">
+            <a:schemeClr val="lt1"/>
+          </a:fontRef>
+        </p:style>
+        <p:txBody>
+          <a:bodyPr rtlCol="0" anchor="ctr"/>
           <a:lstStyle/>
           <a:p>
-            <a:r>
-              <a:rPr kumimoji="1" lang="zh-CN" altLang="en-US" dirty="0"/>
-              <a:t>棒球的投打傳統數據</a:t>
-            </a:r>
-            <a:r>
-              <a:rPr kumimoji="1" lang="en-US" altLang="zh-CN" dirty="0"/>
-              <a:t> </a:t>
-            </a:r>
-          </a:p>
-          <a:p>
-            <a:pPr lvl="1"/>
-            <a:r>
-              <a:rPr kumimoji="1" lang="zh-CN" altLang="en-US" dirty="0"/>
-              <a:t>球隊</a:t>
-            </a:r>
-            <a:r>
-              <a:rPr kumimoji="1" lang="zh-TW" altLang="en-US" dirty="0"/>
-              <a:t> ：</a:t>
-            </a:r>
-            <a:r>
-              <a:rPr kumimoji="1" lang="en-US" altLang="zh-TW" dirty="0"/>
-              <a:t> </a:t>
-            </a:r>
-            <a:r>
-              <a:rPr kumimoji="1" lang="zh-CN" altLang="en-US" dirty="0"/>
-              <a:t>年度勝率、與對手的比分、</a:t>
-            </a:r>
-            <a:r>
-              <a:rPr kumimoji="1" lang="zh-CN" altLang="en-US" dirty="0">
-                <a:solidFill>
-                  <a:srgbClr val="FF0000"/>
-                </a:solidFill>
-              </a:rPr>
-              <a:t>驅逐出場內容</a:t>
-            </a:r>
-            <a:endParaRPr kumimoji="1" lang="en-US" altLang="zh-TW" dirty="0">
-              <a:solidFill>
-                <a:srgbClr val="FF0000"/>
-              </a:solidFill>
-            </a:endParaRPr>
-          </a:p>
-          <a:p>
-            <a:pPr lvl="1"/>
-            <a:r>
-              <a:rPr kumimoji="1" lang="zh-CN" altLang="en-US" dirty="0"/>
-              <a:t>投手</a:t>
-            </a:r>
-            <a:r>
-              <a:rPr kumimoji="1" lang="en-US" altLang="zh-CN" dirty="0"/>
-              <a:t> </a:t>
-            </a:r>
-            <a:r>
-              <a:rPr kumimoji="1" lang="zh-CN" altLang="en-US" dirty="0"/>
-              <a:t>：投球局數、用球量、解決打者的效益、揮空率、三振</a:t>
-            </a:r>
-            <a:r>
-              <a:rPr kumimoji="1" lang="en-US" altLang="zh-CN" dirty="0"/>
-              <a:t>(K9)</a:t>
-            </a:r>
-            <a:r>
-              <a:rPr kumimoji="1" lang="zh-CN" altLang="en-US" dirty="0"/>
-              <a:t>、保送</a:t>
-            </a:r>
-            <a:r>
-              <a:rPr kumimoji="1" lang="en-US" altLang="zh-CN" dirty="0"/>
-              <a:t>(BB9)</a:t>
-            </a:r>
-            <a:r>
-              <a:rPr kumimoji="1" lang="zh-CN" altLang="en-US" dirty="0"/>
-              <a:t>、</a:t>
-            </a:r>
-            <a:r>
-              <a:rPr kumimoji="1" lang="en-US" altLang="zh-CN" dirty="0"/>
-              <a:t>BABIP</a:t>
-            </a:r>
-          </a:p>
-          <a:p>
-            <a:pPr lvl="3"/>
-            <a:r>
-              <a:rPr kumimoji="1" lang="zh-CN" altLang="en-US" dirty="0"/>
-              <a:t>其中關於</a:t>
-            </a:r>
-            <a:r>
-              <a:rPr kumimoji="1" lang="en-US" altLang="zh-CN" dirty="0"/>
-              <a:t>ERA</a:t>
-            </a:r>
-            <a:r>
-              <a:rPr kumimoji="1" lang="zh-CN" altLang="en-US" dirty="0"/>
-              <a:t>的數據難以判斷故不做</a:t>
-            </a:r>
-            <a:endParaRPr kumimoji="1" lang="en-US" altLang="zh-CN" dirty="0"/>
-          </a:p>
-          <a:p>
-            <a:pPr lvl="1"/>
-            <a:r>
-              <a:rPr kumimoji="1" lang="zh-CN" altLang="en-US" dirty="0"/>
-              <a:t>打者：安打數、打擊率</a:t>
-            </a:r>
-            <a:r>
-              <a:rPr kumimoji="1" lang="en-US" altLang="zh-CN" dirty="0"/>
-              <a:t>(AVG)</a:t>
-            </a:r>
-            <a:r>
-              <a:rPr kumimoji="1" lang="zh-CN" altLang="en-US" dirty="0"/>
-              <a:t>、全壘打、上壘率</a:t>
-            </a:r>
-            <a:r>
-              <a:rPr kumimoji="1" lang="en-US" altLang="zh-CN" dirty="0"/>
-              <a:t>(OBP)</a:t>
-            </a:r>
-            <a:r>
-              <a:rPr kumimoji="1" lang="zh-CN" altLang="en-US" dirty="0"/>
-              <a:t>、長打率</a:t>
-            </a:r>
-            <a:r>
-              <a:rPr kumimoji="1" lang="en-US" altLang="zh-CN" dirty="0"/>
-              <a:t>(SLG)</a:t>
-            </a:r>
-            <a:r>
-              <a:rPr kumimoji="1" lang="zh-CN" altLang="en-US" dirty="0"/>
-              <a:t>、進攻指數</a:t>
-            </a:r>
-            <a:r>
-              <a:rPr kumimoji="1" lang="en-US" altLang="zh-CN" dirty="0"/>
-              <a:t>(OPS)</a:t>
-            </a:r>
-            <a:r>
-              <a:rPr kumimoji="1" lang="zh-CN" altLang="en-US" dirty="0"/>
-              <a:t>、</a:t>
-            </a:r>
-            <a:r>
-              <a:rPr kumimoji="1" lang="en-US" altLang="zh-CN" dirty="0"/>
-              <a:t>BABIP</a:t>
-            </a:r>
-          </a:p>
-          <a:p>
-            <a:r>
-              <a:rPr kumimoji="1" lang="zh-CN" altLang="en-US" dirty="0"/>
-              <a:t>投手進階數據（僅做個人認為比較值得探討的議題）：</a:t>
-            </a:r>
-            <a:endParaRPr kumimoji="1" lang="en-US" altLang="zh-CN" dirty="0"/>
-          </a:p>
-          <a:p>
-            <a:pPr lvl="1"/>
-            <a:r>
-              <a:rPr kumimoji="1" lang="zh-CN" altLang="en-US" dirty="0"/>
-              <a:t>四縫線轉速與壓制力關係</a:t>
-            </a:r>
-            <a:endParaRPr kumimoji="1" lang="en-US" altLang="zh-CN" dirty="0"/>
-          </a:p>
-          <a:p>
-            <a:pPr lvl="1"/>
-            <a:r>
-              <a:rPr kumimoji="1" lang="zh-CN" altLang="en-US" dirty="0"/>
-              <a:t>變速球速差與壓制力關係</a:t>
-            </a:r>
-            <a:endParaRPr kumimoji="1" lang="en-US" altLang="zh-CN" dirty="0"/>
-          </a:p>
-          <a:p>
-            <a:pPr lvl="1"/>
-            <a:r>
-              <a:rPr kumimoji="1" lang="zh-CN" altLang="en-US" dirty="0"/>
-              <a:t>各球種使用比例、兩好球後各球種使用比例、三振的球種使用比例、被全壘打的球種使用比例</a:t>
-            </a:r>
-            <a:endParaRPr kumimoji="1" lang="en-US" altLang="zh-CN" dirty="0"/>
-          </a:p>
-          <a:p>
-            <a:pPr marL="274320" lvl="1" indent="0">
-              <a:buNone/>
-            </a:pPr>
-            <a:endParaRPr kumimoji="1" lang="en-US" altLang="zh-CN" dirty="0"/>
-          </a:p>
-          <a:p>
-            <a:pPr lvl="1"/>
-            <a:endParaRPr kumimoji="1" lang="en-US" altLang="zh-CN" dirty="0"/>
-          </a:p>
-          <a:p>
-            <a:r>
-              <a:rPr kumimoji="1" lang="zh-CN" altLang="en-US" dirty="0"/>
-              <a:t>根據現有的資料進行獨特的數據分析</a:t>
-            </a:r>
-            <a:endParaRPr kumimoji="1" lang="zh-TW" altLang="en-US" dirty="0"/>
-          </a:p>
-        </p:txBody>
-      </p:sp>
-      <p:pic>
-        <p:nvPicPr>
-          <p:cNvPr id="5" name="圖片 4">
+            <a:pPr algn="ctr"/>
+            <a:endParaRPr kumimoji="1" lang="zh-TW" altLang="en-US"/>
+          </a:p>
+        </p:txBody>
+      </p:sp>
+      <p:sp>
+        <p:nvSpPr>
+          <p:cNvPr id="17" name="橢圓 16">
             <a:extLst>
               <a:ext uri="{FF2B5EF4-FFF2-40B4-BE49-F238E27FC236}">
-                <a16:creationId xmlns:a16="http://schemas.microsoft.com/office/drawing/2014/main" id="{DD96A7B6-4EED-EB4A-AE86-6F20C10101A5}"/>
+                <a16:creationId xmlns:a16="http://schemas.microsoft.com/office/drawing/2014/main" id="{2FC97280-F1C7-4949-85E2-843B6F0C4BBE}"/>
               </a:ext>
             </a:extLst>
           </p:cNvPr>
-          <p:cNvPicPr>
-            <a:picLocks noChangeAspect="1"/>
-          </p:cNvPicPr>
+          <p:cNvSpPr/>
           <p:nvPr/>
-        </p:nvPicPr>
-        <p:blipFill>
-          <a:blip r:embed="rId2"/>
-          <a:stretch>
-            <a:fillRect/>
-          </a:stretch>
-        </p:blipFill>
+        </p:nvSpPr>
         <p:spPr>
           <a:xfrm>
-            <a:off x="8128000" y="251442"/>
-            <a:ext cx="3375378" cy="2294202"/>
+            <a:off x="3997995" y="3002674"/>
+            <a:ext cx="1019916" cy="395450"/>
           </a:xfrm>
-          <a:prstGeom prst="rect">
+          <a:prstGeom prst="ellipse">
             <a:avLst/>
           </a:prstGeom>
+          <a:noFill/>
+          <a:ln>
+            <a:solidFill>
+              <a:srgbClr val="FF0000"/>
+            </a:solidFill>
+          </a:ln>
         </p:spPr>
-      </p:pic>
+        <p:style>
+          <a:lnRef idx="2">
+            <a:schemeClr val="accent1">
+              <a:shade val="50000"/>
+            </a:schemeClr>
+          </a:lnRef>
+          <a:fillRef idx="1">
+            <a:schemeClr val="accent1"/>
+          </a:fillRef>
+          <a:effectRef idx="0">
+            <a:schemeClr val="accent1"/>
+          </a:effectRef>
+          <a:fontRef idx="minor">
+            <a:schemeClr val="lt1"/>
+          </a:fontRef>
+        </p:style>
+        <p:txBody>
+          <a:bodyPr rtlCol="0" anchor="ctr"/>
+          <a:lstStyle/>
+          <a:p>
+            <a:pPr algn="ctr"/>
+            <a:endParaRPr kumimoji="1" lang="zh-TW" altLang="en-US"/>
+          </a:p>
+        </p:txBody>
+      </p:sp>
+      <p:sp>
+        <p:nvSpPr>
+          <p:cNvPr id="18" name="橢圓 17">
+            <a:extLst>
+              <a:ext uri="{FF2B5EF4-FFF2-40B4-BE49-F238E27FC236}">
+                <a16:creationId xmlns:a16="http://schemas.microsoft.com/office/drawing/2014/main" id="{EEB55BFE-8457-564D-B751-1A37F7D0A283}"/>
+              </a:ext>
+            </a:extLst>
+          </p:cNvPr>
+          <p:cNvSpPr/>
+          <p:nvPr/>
+        </p:nvSpPr>
+        <p:spPr>
+          <a:xfrm>
+            <a:off x="8840929" y="5569490"/>
+            <a:ext cx="969115" cy="571663"/>
+          </a:xfrm>
+          <a:prstGeom prst="ellipse">
+            <a:avLst/>
+          </a:prstGeom>
+          <a:noFill/>
+          <a:ln>
+            <a:solidFill>
+              <a:srgbClr val="FF0000"/>
+            </a:solidFill>
+          </a:ln>
+        </p:spPr>
+        <p:style>
+          <a:lnRef idx="2">
+            <a:schemeClr val="accent1">
+              <a:shade val="50000"/>
+            </a:schemeClr>
+          </a:lnRef>
+          <a:fillRef idx="1">
+            <a:schemeClr val="accent1"/>
+          </a:fillRef>
+          <a:effectRef idx="0">
+            <a:schemeClr val="accent1"/>
+          </a:effectRef>
+          <a:fontRef idx="minor">
+            <a:schemeClr val="lt1"/>
+          </a:fontRef>
+        </p:style>
+        <p:txBody>
+          <a:bodyPr rtlCol="0" anchor="ctr"/>
+          <a:lstStyle/>
+          <a:p>
+            <a:pPr algn="ctr"/>
+            <a:endParaRPr kumimoji="1" lang="zh-TW" altLang="en-US"/>
+          </a:p>
+        </p:txBody>
+      </p:sp>
+      <p:sp>
+        <p:nvSpPr>
+          <p:cNvPr id="19" name="橢圓 18">
+            <a:extLst>
+              <a:ext uri="{FF2B5EF4-FFF2-40B4-BE49-F238E27FC236}">
+                <a16:creationId xmlns:a16="http://schemas.microsoft.com/office/drawing/2014/main" id="{06A43FA3-4E9B-E549-91EE-6AC799B61DB9}"/>
+              </a:ext>
+            </a:extLst>
+          </p:cNvPr>
+          <p:cNvSpPr/>
+          <p:nvPr/>
+        </p:nvSpPr>
+        <p:spPr>
+          <a:xfrm>
+            <a:off x="9951155" y="1216546"/>
+            <a:ext cx="1019916" cy="524934"/>
+          </a:xfrm>
+          <a:prstGeom prst="ellipse">
+            <a:avLst/>
+          </a:prstGeom>
+          <a:noFill/>
+          <a:ln>
+            <a:solidFill>
+              <a:srgbClr val="FF0000"/>
+            </a:solidFill>
+          </a:ln>
+        </p:spPr>
+        <p:style>
+          <a:lnRef idx="2">
+            <a:schemeClr val="accent1">
+              <a:shade val="50000"/>
+            </a:schemeClr>
+          </a:lnRef>
+          <a:fillRef idx="1">
+            <a:schemeClr val="accent1"/>
+          </a:fillRef>
+          <a:effectRef idx="0">
+            <a:schemeClr val="accent1"/>
+          </a:effectRef>
+          <a:fontRef idx="minor">
+            <a:schemeClr val="lt1"/>
+          </a:fontRef>
+        </p:style>
+        <p:txBody>
+          <a:bodyPr rtlCol="0" anchor="ctr"/>
+          <a:lstStyle/>
+          <a:p>
+            <a:pPr algn="ctr"/>
+            <a:endParaRPr kumimoji="1" lang="zh-TW" altLang="en-US"/>
+          </a:p>
+        </p:txBody>
+      </p:sp>
+      <p:sp>
+        <p:nvSpPr>
+          <p:cNvPr id="20" name="橢圓 19">
+            <a:extLst>
+              <a:ext uri="{FF2B5EF4-FFF2-40B4-BE49-F238E27FC236}">
+                <a16:creationId xmlns:a16="http://schemas.microsoft.com/office/drawing/2014/main" id="{6D0CB6FC-9B41-4240-A217-C696AF58010F}"/>
+              </a:ext>
+            </a:extLst>
+          </p:cNvPr>
+          <p:cNvSpPr/>
+          <p:nvPr/>
+        </p:nvSpPr>
+        <p:spPr>
+          <a:xfrm>
+            <a:off x="4507952" y="5365212"/>
+            <a:ext cx="1791247" cy="629187"/>
+          </a:xfrm>
+          <a:prstGeom prst="ellipse">
+            <a:avLst/>
+          </a:prstGeom>
+          <a:noFill/>
+          <a:ln>
+            <a:solidFill>
+              <a:srgbClr val="FF0000"/>
+            </a:solidFill>
+          </a:ln>
+        </p:spPr>
+        <p:style>
+          <a:lnRef idx="2">
+            <a:schemeClr val="accent1">
+              <a:shade val="50000"/>
+            </a:schemeClr>
+          </a:lnRef>
+          <a:fillRef idx="1">
+            <a:schemeClr val="accent1"/>
+          </a:fillRef>
+          <a:effectRef idx="0">
+            <a:schemeClr val="accent1"/>
+          </a:effectRef>
+          <a:fontRef idx="minor">
+            <a:schemeClr val="lt1"/>
+          </a:fontRef>
+        </p:style>
+        <p:txBody>
+          <a:bodyPr rtlCol="0" anchor="ctr"/>
+          <a:lstStyle/>
+          <a:p>
+            <a:pPr algn="ctr"/>
+            <a:endParaRPr kumimoji="1" lang="zh-TW" altLang="en-US"/>
+          </a:p>
+        </p:txBody>
+      </p:sp>
     </p:spTree>
     <p:extLst>
       <p:ext uri="{BB962C8B-B14F-4D97-AF65-F5344CB8AC3E}">
-        <p14:creationId xmlns:p14="http://schemas.microsoft.com/office/powerpoint/2010/main" val="2195202454"/>
+        <p14:creationId xmlns:p14="http://schemas.microsoft.com/office/powerpoint/2010/main" val="3477721775"/>
       </p:ext>
     </p:extLst>
   </p:cSld>
@@ -5690,7 +6199,7 @@
                             </p:stCondLst>
                             <p:childTnLst>
                               <p:par>
-                                <p:cTn id="5" presetID="9" presetClass="entr" presetSubtype="0" fill="hold" nodeType="clickEffect">
+                                <p:cTn id="5" presetID="9" presetClass="entr" presetSubtype="0" fill="hold" grpId="0" nodeType="clickEffect">
                                   <p:stCondLst>
                                     <p:cond delay="0"/>
                                   </p:stCondLst>
@@ -5703,7 +6212,7 @@
                                           </p:stCondLst>
                                         </p:cTn>
                                         <p:tgtEl>
-                                          <p:spTgt spid="5"/>
+                                          <p:spTgt spid="16"/>
                                         </p:tgtEl>
                                         <p:attrNameLst>
                                           <p:attrName>style.visibility</p:attrName>
@@ -5717,7 +6226,147 @@
                                       <p:cBhvr>
                                         <p:cTn id="7" dur="500"/>
                                         <p:tgtEl>
-                                          <p:spTgt spid="5"/>
+                                          <p:spTgt spid="16"/>
+                                        </p:tgtEl>
+                                      </p:cBhvr>
+                                    </p:animEffect>
+                                  </p:childTnLst>
+                                </p:cTn>
+                              </p:par>
+                              <p:par>
+                                <p:cTn id="8" presetID="9" presetClass="entr" presetSubtype="0" fill="hold" grpId="0" nodeType="withEffect">
+                                  <p:stCondLst>
+                                    <p:cond delay="0"/>
+                                  </p:stCondLst>
+                                  <p:childTnLst>
+                                    <p:set>
+                                      <p:cBhvr>
+                                        <p:cTn id="9" dur="1" fill="hold">
+                                          <p:stCondLst>
+                                            <p:cond delay="0"/>
+                                          </p:stCondLst>
+                                        </p:cTn>
+                                        <p:tgtEl>
+                                          <p:spTgt spid="17"/>
+                                        </p:tgtEl>
+                                        <p:attrNameLst>
+                                          <p:attrName>style.visibility</p:attrName>
+                                        </p:attrNameLst>
+                                      </p:cBhvr>
+                                      <p:to>
+                                        <p:strVal val="visible"/>
+                                      </p:to>
+                                    </p:set>
+                                    <p:animEffect transition="in" filter="dissolve">
+                                      <p:cBhvr>
+                                        <p:cTn id="10" dur="500"/>
+                                        <p:tgtEl>
+                                          <p:spTgt spid="17"/>
+                                        </p:tgtEl>
+                                      </p:cBhvr>
+                                    </p:animEffect>
+                                  </p:childTnLst>
+                                </p:cTn>
+                              </p:par>
+                              <p:par>
+                                <p:cTn id="11" presetID="9" presetClass="entr" presetSubtype="0" fill="hold" grpId="0" nodeType="withEffect">
+                                  <p:stCondLst>
+                                    <p:cond delay="0"/>
+                                  </p:stCondLst>
+                                  <p:childTnLst>
+                                    <p:set>
+                                      <p:cBhvr>
+                                        <p:cTn id="12" dur="1" fill="hold">
+                                          <p:stCondLst>
+                                            <p:cond delay="0"/>
+                                          </p:stCondLst>
+                                        </p:cTn>
+                                        <p:tgtEl>
+                                          <p:spTgt spid="20"/>
+                                        </p:tgtEl>
+                                        <p:attrNameLst>
+                                          <p:attrName>style.visibility</p:attrName>
+                                        </p:attrNameLst>
+                                      </p:cBhvr>
+                                      <p:to>
+                                        <p:strVal val="visible"/>
+                                      </p:to>
+                                    </p:set>
+                                    <p:animEffect transition="in" filter="dissolve">
+                                      <p:cBhvr>
+                                        <p:cTn id="13" dur="500"/>
+                                        <p:tgtEl>
+                                          <p:spTgt spid="20"/>
+                                        </p:tgtEl>
+                                      </p:cBhvr>
+                                    </p:animEffect>
+                                  </p:childTnLst>
+                                </p:cTn>
+                              </p:par>
+                              <p:par>
+                                <p:cTn id="14" presetID="9" presetClass="entr" presetSubtype="0" fill="hold" grpId="0" nodeType="withEffect">
+                                  <p:stCondLst>
+                                    <p:cond delay="0"/>
+                                  </p:stCondLst>
+                                  <p:childTnLst>
+                                    <p:set>
+                                      <p:cBhvr>
+                                        <p:cTn id="15" dur="1" fill="hold">
+                                          <p:stCondLst>
+                                            <p:cond delay="0"/>
+                                          </p:stCondLst>
+                                        </p:cTn>
+                                        <p:tgtEl>
+                                          <p:spTgt spid="19"/>
+                                        </p:tgtEl>
+                                        <p:attrNameLst>
+                                          <p:attrName>style.visibility</p:attrName>
+                                        </p:attrNameLst>
+                                      </p:cBhvr>
+                                      <p:to>
+                                        <p:strVal val="visible"/>
+                                      </p:to>
+                                    </p:set>
+                                    <p:animEffect transition="in" filter="dissolve">
+                                      <p:cBhvr>
+                                        <p:cTn id="16" dur="500"/>
+                                        <p:tgtEl>
+                                          <p:spTgt spid="19"/>
+                                        </p:tgtEl>
+                                      </p:cBhvr>
+                                    </p:animEffect>
+                                  </p:childTnLst>
+                                </p:cTn>
+                              </p:par>
+                              <p:par>
+                                <p:cTn id="17" presetID="9" presetClass="entr" presetSubtype="0" fill="hold" grpId="0" nodeType="withEffect">
+                                  <p:stCondLst>
+                                    <p:cond delay="0"/>
+                                  </p:stCondLst>
+                                  <p:childTnLst>
+                                    <p:set>
+                                      <p:cBhvr>
+                                        <p:cTn id="18" dur="1" fill="hold">
+                                          <p:stCondLst>
+                                            <p:cond delay="0"/>
+                                          </p:stCondLst>
+                                        </p:cTn>
+                                        <p:tgtEl>
+                                          <p:spTgt spid="18"/>
+                                        </p:tgtEl>
+                                        <p:attrNameLst>
+                                          <p:attrName>style.visibility</p:attrName>
+                                        </p:attrNameLst>
+                                      </p:cBhvr>
+                                      <p:to>
+                                        <p:strVal val="visible"/>
+                                      </p:to>
+                                    </p:set>
+                                    <p:animEffect transition="in" filter="dissolve">
+                                      <p:cBhvr>
+                                        <p:cTn id="19" dur="500"/>
+                                        <p:tgtEl>
+                                          <p:spTgt spid="18"/>
                                         </p:tgtEl>
                                       </p:cBhvr>
                                     </p:animEffect>
@@ -5751,190 +6400,18 @@
         </p:cTn>
       </p:par>
     </p:tnLst>
+    <p:bldLst>
+      <p:bldP spid="16" grpId="0" animBg="1"/>
+      <p:bldP spid="17" grpId="0" animBg="1"/>
+      <p:bldP spid="18" grpId="0" animBg="1"/>
+      <p:bldP spid="19" grpId="0" animBg="1"/>
+      <p:bldP spid="20" grpId="0" animBg="1"/>
+    </p:bldLst>
   </p:timing>
 </p:sld>
 </file>
 
-<file path=ppt/slides/slide3.xml><?xml version="1.0" encoding="utf-8"?>
-<p:sld xmlns:a="http://schemas.openxmlformats.org/drawingml/2006/main" xmlns:r="http://schemas.openxmlformats.org/officeDocument/2006/relationships" xmlns:p="http://schemas.openxmlformats.org/presentationml/2006/main">
-  <p:cSld>
-    <p:spTree>
-      <p:nvGrpSpPr>
-        <p:cNvPr id="1" name=""/>
-        <p:cNvGrpSpPr/>
-        <p:nvPr/>
-      </p:nvGrpSpPr>
-      <p:grpSpPr>
-        <a:xfrm>
-          <a:off x="0" y="0"/>
-          <a:ext cx="0" cy="0"/>
-          <a:chOff x="0" y="0"/>
-          <a:chExt cx="0" cy="0"/>
-        </a:xfrm>
-      </p:grpSpPr>
-      <p:sp>
-        <p:nvSpPr>
-          <p:cNvPr id="3" name="內容版面配置區 2">
-            <a:extLst>
-              <a:ext uri="{FF2B5EF4-FFF2-40B4-BE49-F238E27FC236}">
-                <a16:creationId xmlns:a16="http://schemas.microsoft.com/office/drawing/2014/main" id="{094AF7EC-E337-B34B-912C-961EDC41A072}"/>
-              </a:ext>
-            </a:extLst>
-          </p:cNvPr>
-          <p:cNvSpPr>
-            <a:spLocks noGrp="1"/>
-          </p:cNvSpPr>
-          <p:nvPr>
-            <p:ph idx="1"/>
-          </p:nvPr>
-        </p:nvSpPr>
-        <p:spPr>
-          <a:xfrm>
-            <a:off x="1069848" y="406400"/>
-            <a:ext cx="10058400" cy="5765800"/>
-          </a:xfrm>
-        </p:spPr>
-        <p:txBody>
-          <a:bodyPr/>
-          <a:lstStyle/>
-          <a:p>
-            <a:pPr marL="0" indent="0">
-              <a:buNone/>
-            </a:pPr>
-            <a:endParaRPr kumimoji="1" lang="zh-TW" altLang="en-US" dirty="0"/>
-          </a:p>
-        </p:txBody>
-      </p:sp>
-    </p:spTree>
-    <p:extLst>
-      <p:ext uri="{BB962C8B-B14F-4D97-AF65-F5344CB8AC3E}">
-        <p14:creationId xmlns:p14="http://schemas.microsoft.com/office/powerpoint/2010/main" val="2539499823"/>
-      </p:ext>
-    </p:extLst>
-  </p:cSld>
-  <p:clrMapOvr>
-    <a:masterClrMapping/>
-  </p:clrMapOvr>
-</p:sld>
-</file>
-
 <file path=ppt/slides/slide4.xml><?xml version="1.0" encoding="utf-8"?>
-<p:sld xmlns:a="http://schemas.openxmlformats.org/drawingml/2006/main" xmlns:r="http://schemas.openxmlformats.org/officeDocument/2006/relationships" xmlns:p="http://schemas.openxmlformats.org/presentationml/2006/main">
-  <p:cSld>
-    <p:spTree>
-      <p:nvGrpSpPr>
-        <p:cNvPr id="1" name=""/>
-        <p:cNvGrpSpPr/>
-        <p:nvPr/>
-      </p:nvGrpSpPr>
-      <p:grpSpPr>
-        <a:xfrm>
-          <a:off x="0" y="0"/>
-          <a:ext cx="0" cy="0"/>
-          <a:chOff x="0" y="0"/>
-          <a:chExt cx="0" cy="0"/>
-        </a:xfrm>
-      </p:grpSpPr>
-      <p:sp>
-        <p:nvSpPr>
-          <p:cNvPr id="2" name="標題 1">
-            <a:extLst>
-              <a:ext uri="{FF2B5EF4-FFF2-40B4-BE49-F238E27FC236}">
-                <a16:creationId xmlns:a16="http://schemas.microsoft.com/office/drawing/2014/main" id="{AF9D6601-7260-904A-B322-9426E7F46523}"/>
-              </a:ext>
-            </a:extLst>
-          </p:cNvPr>
-          <p:cNvSpPr>
-            <a:spLocks noGrp="1"/>
-          </p:cNvSpPr>
-          <p:nvPr>
-            <p:ph type="title"/>
-          </p:nvPr>
-        </p:nvSpPr>
-        <p:spPr/>
-        <p:txBody>
-          <a:bodyPr/>
-          <a:lstStyle/>
-          <a:p>
-            <a:endParaRPr kumimoji="1" lang="zh-TW" altLang="en-US" dirty="0"/>
-          </a:p>
-        </p:txBody>
-      </p:sp>
-      <p:pic>
-        <p:nvPicPr>
-          <p:cNvPr id="6" name="內容版面配置區 5">
-            <a:extLst>
-              <a:ext uri="{FF2B5EF4-FFF2-40B4-BE49-F238E27FC236}">
-                <a16:creationId xmlns:a16="http://schemas.microsoft.com/office/drawing/2014/main" id="{20E25E3A-D31F-E04F-A973-68019A6EADAC}"/>
-              </a:ext>
-            </a:extLst>
-          </p:cNvPr>
-          <p:cNvPicPr>
-            <a:picLocks noGrp="1" noChangeAspect="1"/>
-          </p:cNvPicPr>
-          <p:nvPr>
-            <p:ph idx="1"/>
-          </p:nvPr>
-        </p:nvPicPr>
-        <p:blipFill>
-          <a:blip r:embed="rId2"/>
-          <a:stretch>
-            <a:fillRect/>
-          </a:stretch>
-        </p:blipFill>
-        <p:spPr>
-          <a:xfrm>
-            <a:off x="980763" y="2093976"/>
-            <a:ext cx="9586822" cy="5544007"/>
-          </a:xfrm>
-          <a:prstGeom prst="rect">
-            <a:avLst/>
-          </a:prstGeom>
-        </p:spPr>
-      </p:pic>
-      <p:pic>
-        <p:nvPicPr>
-          <p:cNvPr id="7" name="圖片 6">
-            <a:extLst>
-              <a:ext uri="{FF2B5EF4-FFF2-40B4-BE49-F238E27FC236}">
-                <a16:creationId xmlns:a16="http://schemas.microsoft.com/office/drawing/2014/main" id="{914F4052-CF28-4A47-AFAE-930726DB9F66}"/>
-              </a:ext>
-            </a:extLst>
-          </p:cNvPr>
-          <p:cNvPicPr>
-            <a:picLocks noChangeAspect="1"/>
-          </p:cNvPicPr>
-          <p:nvPr/>
-        </p:nvPicPr>
-        <p:blipFill rotWithShape="1">
-          <a:blip r:embed="rId3"/>
-          <a:srcRect t="10303" b="54014"/>
-          <a:stretch/>
-        </p:blipFill>
-        <p:spPr>
-          <a:xfrm>
-            <a:off x="980763" y="207818"/>
-            <a:ext cx="8501289" cy="1706362"/>
-          </a:xfrm>
-          <a:prstGeom prst="rect">
-            <a:avLst/>
-          </a:prstGeom>
-        </p:spPr>
-      </p:pic>
-    </p:spTree>
-    <p:extLst>
-      <p:ext uri="{BB962C8B-B14F-4D97-AF65-F5344CB8AC3E}">
-        <p14:creationId xmlns:p14="http://schemas.microsoft.com/office/powerpoint/2010/main" val="2281429190"/>
-      </p:ext>
-    </p:extLst>
-  </p:cSld>
-  <p:clrMapOvr>
-    <a:masterClrMapping/>
-  </p:clrMapOvr>
-</p:sld>
-</file>
-
-<file path=ppt/slides/slide5.xml><?xml version="1.0" encoding="utf-8"?>
 <p:sld xmlns:a="http://schemas.openxmlformats.org/drawingml/2006/main" xmlns:r="http://schemas.openxmlformats.org/officeDocument/2006/relationships" xmlns:p="http://schemas.openxmlformats.org/presentationml/2006/main">
   <p:cSld>
     <p:spTree>
@@ -6010,7 +6487,7 @@
           <a:lstStyle/>
           <a:p>
             <a:r>
-              <a:rPr kumimoji="1" lang="en-US" altLang="zh-CN" sz="4000" dirty="0">
+              <a:rPr kumimoji="1" lang="zh-TW" altLang="en-US" sz="4000" dirty="0">
                 <a:solidFill>
                   <a:schemeClr val="tx1">
                     <a:lumMod val="75000"/>
@@ -6018,10 +6495,10 @@
                   </a:schemeClr>
                 </a:solidFill>
               </a:rPr>
-              <a:t>Table and </a:t>
-            </a:r>
-            <a:br>
-              <a:rPr kumimoji="1" lang="en-US" altLang="zh-CN" sz="4000" dirty="0">
+              <a:t>原始</a:t>
+            </a:r>
+            <a:r>
+              <a:rPr kumimoji="1" lang="en-US" altLang="zh-TW" sz="4000" dirty="0">
                 <a:solidFill>
                   <a:schemeClr val="tx1">
                     <a:lumMod val="75000"/>
@@ -6029,17 +6506,7 @@
                   </a:schemeClr>
                 </a:solidFill>
               </a:rPr>
-            </a:br>
-            <a:r>
-              <a:rPr kumimoji="1" lang="en-US" altLang="zh-CN" sz="4000" dirty="0">
-                <a:solidFill>
-                  <a:schemeClr val="tx1">
-                    <a:lumMod val="75000"/>
-                    <a:lumOff val="25000"/>
-                  </a:schemeClr>
-                </a:solidFill>
-              </a:rPr>
-              <a:t>Attribute</a:t>
+              <a:t>data</a:t>
             </a:r>
             <a:endParaRPr kumimoji="1" lang="zh-TW" altLang="en-US" sz="4000" dirty="0">
               <a:solidFill>
@@ -7730,6 +8197,389 @@
 </p:sld>
 </file>
 
+<file path=ppt/slides/slide5.xml><?xml version="1.0" encoding="utf-8"?>
+<p:sld xmlns:a="http://schemas.openxmlformats.org/drawingml/2006/main" xmlns:r="http://schemas.openxmlformats.org/officeDocument/2006/relationships" xmlns:p="http://schemas.openxmlformats.org/presentationml/2006/main">
+  <p:cSld>
+    <p:spTree>
+      <p:nvGrpSpPr>
+        <p:cNvPr id="1" name=""/>
+        <p:cNvGrpSpPr/>
+        <p:nvPr/>
+      </p:nvGrpSpPr>
+      <p:grpSpPr>
+        <a:xfrm>
+          <a:off x="0" y="0"/>
+          <a:ext cx="0" cy="0"/>
+          <a:chOff x="0" y="0"/>
+          <a:chExt cx="0" cy="0"/>
+        </a:xfrm>
+      </p:grpSpPr>
+      <p:sp>
+        <p:nvSpPr>
+          <p:cNvPr id="2" name="標題 1">
+            <a:extLst>
+              <a:ext uri="{FF2B5EF4-FFF2-40B4-BE49-F238E27FC236}">
+                <a16:creationId xmlns:a16="http://schemas.microsoft.com/office/drawing/2014/main" id="{5E346F7B-9AFE-464C-84DD-8E901DB329B5}"/>
+              </a:ext>
+            </a:extLst>
+          </p:cNvPr>
+          <p:cNvSpPr>
+            <a:spLocks noGrp="1"/>
+          </p:cNvSpPr>
+          <p:nvPr>
+            <p:ph type="title"/>
+          </p:nvPr>
+        </p:nvSpPr>
+        <p:spPr/>
+        <p:txBody>
+          <a:bodyPr/>
+          <a:lstStyle/>
+          <a:p>
+            <a:r>
+              <a:rPr kumimoji="1" lang="en-US" altLang="zh-TW" dirty="0"/>
+              <a:t>query</a:t>
+            </a:r>
+            <a:r>
+              <a:rPr kumimoji="1" lang="zh-TW" altLang="en-US" dirty="0"/>
+              <a:t>項目</a:t>
+            </a:r>
+          </a:p>
+        </p:txBody>
+      </p:sp>
+      <p:sp>
+        <p:nvSpPr>
+          <p:cNvPr id="3" name="內容版面配置區 2">
+            <a:extLst>
+              <a:ext uri="{FF2B5EF4-FFF2-40B4-BE49-F238E27FC236}">
+                <a16:creationId xmlns:a16="http://schemas.microsoft.com/office/drawing/2014/main" id="{D3E96B48-5961-7546-BD7E-4136DD2629F6}"/>
+              </a:ext>
+            </a:extLst>
+          </p:cNvPr>
+          <p:cNvSpPr>
+            <a:spLocks noGrp="1"/>
+          </p:cNvSpPr>
+          <p:nvPr>
+            <p:ph idx="1"/>
+          </p:nvPr>
+        </p:nvSpPr>
+        <p:spPr/>
+        <p:txBody>
+          <a:bodyPr>
+            <a:normAutofit lnSpcReduction="10000"/>
+          </a:bodyPr>
+          <a:lstStyle/>
+          <a:p>
+            <a:r>
+              <a:rPr kumimoji="1" lang="zh-CN" altLang="en-US" dirty="0"/>
+              <a:t>棒球的投打傳統數據</a:t>
+            </a:r>
+            <a:r>
+              <a:rPr kumimoji="1" lang="en-US" altLang="zh-CN" dirty="0"/>
+              <a:t> </a:t>
+            </a:r>
+          </a:p>
+          <a:p>
+            <a:pPr lvl="1"/>
+            <a:r>
+              <a:rPr kumimoji="1" lang="zh-CN" altLang="en-US" dirty="0"/>
+              <a:t>球隊</a:t>
+            </a:r>
+            <a:r>
+              <a:rPr kumimoji="1" lang="zh-TW" altLang="en-US" dirty="0"/>
+              <a:t> ：</a:t>
+            </a:r>
+            <a:r>
+              <a:rPr kumimoji="1" lang="en-US" altLang="zh-TW" dirty="0"/>
+              <a:t> </a:t>
+            </a:r>
+            <a:r>
+              <a:rPr kumimoji="1" lang="zh-CN" altLang="en-US" dirty="0"/>
+              <a:t>年度勝率、與對手的比分、</a:t>
+            </a:r>
+            <a:r>
+              <a:rPr kumimoji="1" lang="zh-CN" altLang="en-US" dirty="0">
+                <a:solidFill>
+                  <a:srgbClr val="FF0000"/>
+                </a:solidFill>
+              </a:rPr>
+              <a:t>驅逐出場內容</a:t>
+            </a:r>
+            <a:endParaRPr kumimoji="1" lang="en-US" altLang="zh-TW" dirty="0">
+              <a:solidFill>
+                <a:srgbClr val="FF0000"/>
+              </a:solidFill>
+            </a:endParaRPr>
+          </a:p>
+          <a:p>
+            <a:pPr lvl="1"/>
+            <a:r>
+              <a:rPr kumimoji="1" lang="zh-CN" altLang="en-US" dirty="0"/>
+              <a:t>投手</a:t>
+            </a:r>
+            <a:r>
+              <a:rPr kumimoji="1" lang="en-US" altLang="zh-CN" dirty="0"/>
+              <a:t> </a:t>
+            </a:r>
+            <a:r>
+              <a:rPr kumimoji="1" lang="zh-CN" altLang="en-US" dirty="0"/>
+              <a:t>：投球局數、用球量、解決打者的效益、揮空率、三振</a:t>
+            </a:r>
+            <a:r>
+              <a:rPr kumimoji="1" lang="en-US" altLang="zh-CN" dirty="0"/>
+              <a:t>(K9)</a:t>
+            </a:r>
+            <a:r>
+              <a:rPr kumimoji="1" lang="zh-CN" altLang="en-US" dirty="0"/>
+              <a:t>、保送</a:t>
+            </a:r>
+            <a:r>
+              <a:rPr kumimoji="1" lang="en-US" altLang="zh-CN" dirty="0"/>
+              <a:t>(BB9)</a:t>
+            </a:r>
+            <a:r>
+              <a:rPr kumimoji="1" lang="zh-CN" altLang="en-US" dirty="0"/>
+              <a:t>、</a:t>
+            </a:r>
+            <a:r>
+              <a:rPr kumimoji="1" lang="en-US" altLang="zh-CN" dirty="0"/>
+              <a:t>BABIP</a:t>
+            </a:r>
+          </a:p>
+          <a:p>
+            <a:pPr lvl="3"/>
+            <a:r>
+              <a:rPr kumimoji="1" lang="zh-CN" altLang="en-US" dirty="0"/>
+              <a:t>其中關於</a:t>
+            </a:r>
+            <a:r>
+              <a:rPr kumimoji="1" lang="en-US" altLang="zh-CN" dirty="0"/>
+              <a:t>ERA</a:t>
+            </a:r>
+            <a:r>
+              <a:rPr kumimoji="1" lang="zh-CN" altLang="en-US" dirty="0"/>
+              <a:t>的數據難以判斷故不做</a:t>
+            </a:r>
+            <a:endParaRPr kumimoji="1" lang="en-US" altLang="zh-CN" dirty="0"/>
+          </a:p>
+          <a:p>
+            <a:pPr lvl="1"/>
+            <a:r>
+              <a:rPr kumimoji="1" lang="zh-CN" altLang="en-US" dirty="0"/>
+              <a:t>打者：安打數、打擊率</a:t>
+            </a:r>
+            <a:r>
+              <a:rPr kumimoji="1" lang="en-US" altLang="zh-CN" dirty="0"/>
+              <a:t>(AVG)</a:t>
+            </a:r>
+            <a:r>
+              <a:rPr kumimoji="1" lang="zh-CN" altLang="en-US" dirty="0"/>
+              <a:t>、全壘打、上壘率</a:t>
+            </a:r>
+            <a:r>
+              <a:rPr kumimoji="1" lang="en-US" altLang="zh-CN" dirty="0"/>
+              <a:t>(OBP)</a:t>
+            </a:r>
+            <a:r>
+              <a:rPr kumimoji="1" lang="zh-CN" altLang="en-US" dirty="0"/>
+              <a:t>、長打率</a:t>
+            </a:r>
+            <a:r>
+              <a:rPr kumimoji="1" lang="en-US" altLang="zh-CN" dirty="0"/>
+              <a:t>(SLG)</a:t>
+            </a:r>
+            <a:r>
+              <a:rPr kumimoji="1" lang="zh-CN" altLang="en-US" dirty="0"/>
+              <a:t>、進攻指數</a:t>
+            </a:r>
+            <a:r>
+              <a:rPr kumimoji="1" lang="en-US" altLang="zh-CN" dirty="0"/>
+              <a:t>(OPS)</a:t>
+            </a:r>
+            <a:r>
+              <a:rPr kumimoji="1" lang="zh-CN" altLang="en-US" dirty="0"/>
+              <a:t>、</a:t>
+            </a:r>
+            <a:r>
+              <a:rPr kumimoji="1" lang="en-US" altLang="zh-CN" dirty="0"/>
+              <a:t>BABIP</a:t>
+            </a:r>
+          </a:p>
+          <a:p>
+            <a:r>
+              <a:rPr kumimoji="1" lang="zh-CN" altLang="en-US" dirty="0"/>
+              <a:t>投手特殊數據（僅做個人認為比較值得探討的議題）：</a:t>
+            </a:r>
+            <a:endParaRPr kumimoji="1" lang="en-US" altLang="zh-CN" dirty="0"/>
+          </a:p>
+          <a:p>
+            <a:pPr lvl="1"/>
+            <a:r>
+              <a:rPr kumimoji="1" lang="zh-CN" altLang="en-US" dirty="0"/>
+              <a:t>四縫線轉速與壓制力關係</a:t>
+            </a:r>
+            <a:endParaRPr kumimoji="1" lang="en-US" altLang="zh-CN" dirty="0"/>
+          </a:p>
+          <a:p>
+            <a:pPr lvl="1"/>
+            <a:r>
+              <a:rPr kumimoji="1" lang="zh-CN" altLang="en-US" dirty="0"/>
+              <a:t>變速球速差與壓制力關係</a:t>
+            </a:r>
+            <a:endParaRPr kumimoji="1" lang="en-US" altLang="zh-CN" dirty="0"/>
+          </a:p>
+          <a:p>
+            <a:pPr lvl="1"/>
+            <a:r>
+              <a:rPr kumimoji="1" lang="zh-CN" altLang="en-US" dirty="0"/>
+              <a:t>各球種使用比例、兩好球後各球種使用比例、三振的球種使用比例、被全壘打的球種使用比例</a:t>
+            </a:r>
+            <a:endParaRPr kumimoji="1" lang="en-US" altLang="zh-CN" dirty="0"/>
+          </a:p>
+          <a:p>
+            <a:pPr marL="274320" lvl="1" indent="0">
+              <a:buNone/>
+            </a:pPr>
+            <a:endParaRPr kumimoji="1" lang="en-US" altLang="zh-CN" dirty="0"/>
+          </a:p>
+          <a:p>
+            <a:pPr lvl="1"/>
+            <a:endParaRPr kumimoji="1" lang="en-US" altLang="zh-CN" dirty="0"/>
+          </a:p>
+          <a:p>
+            <a:r>
+              <a:rPr kumimoji="1" lang="zh-CN" altLang="en-US" dirty="0"/>
+              <a:t>根據現有的資料進行獨特的數據分析</a:t>
+            </a:r>
+            <a:endParaRPr kumimoji="1" lang="zh-TW" altLang="en-US" dirty="0"/>
+          </a:p>
+        </p:txBody>
+      </p:sp>
+      <p:pic>
+        <p:nvPicPr>
+          <p:cNvPr id="5" name="圖片 4">
+            <a:extLst>
+              <a:ext uri="{FF2B5EF4-FFF2-40B4-BE49-F238E27FC236}">
+                <a16:creationId xmlns:a16="http://schemas.microsoft.com/office/drawing/2014/main" id="{DD96A7B6-4EED-EB4A-AE86-6F20C10101A5}"/>
+              </a:ext>
+            </a:extLst>
+          </p:cNvPr>
+          <p:cNvPicPr>
+            <a:picLocks noChangeAspect="1"/>
+          </p:cNvPicPr>
+          <p:nvPr/>
+        </p:nvPicPr>
+        <p:blipFill>
+          <a:blip r:embed="rId2"/>
+          <a:stretch>
+            <a:fillRect/>
+          </a:stretch>
+        </p:blipFill>
+        <p:spPr>
+          <a:xfrm>
+            <a:off x="8128000" y="251442"/>
+            <a:ext cx="3375378" cy="2294202"/>
+          </a:xfrm>
+          <a:prstGeom prst="rect">
+            <a:avLst/>
+          </a:prstGeom>
+        </p:spPr>
+      </p:pic>
+    </p:spTree>
+    <p:extLst>
+      <p:ext uri="{BB962C8B-B14F-4D97-AF65-F5344CB8AC3E}">
+        <p14:creationId xmlns:p14="http://schemas.microsoft.com/office/powerpoint/2010/main" val="2195202454"/>
+      </p:ext>
+    </p:extLst>
+  </p:cSld>
+  <p:clrMapOvr>
+    <a:masterClrMapping/>
+  </p:clrMapOvr>
+  <p:timing>
+    <p:tnLst>
+      <p:par>
+        <p:cTn id="1" dur="indefinite" restart="never" nodeType="tmRoot">
+          <p:childTnLst>
+            <p:seq concurrent="1" nextAc="seek">
+              <p:cTn id="2" dur="indefinite" nodeType="mainSeq">
+                <p:childTnLst>
+                  <p:par>
+                    <p:cTn id="3" fill="hold">
+                      <p:stCondLst>
+                        <p:cond delay="indefinite"/>
+                      </p:stCondLst>
+                      <p:childTnLst>
+                        <p:par>
+                          <p:cTn id="4" fill="hold">
+                            <p:stCondLst>
+                              <p:cond delay="0"/>
+                            </p:stCondLst>
+                            <p:childTnLst>
+                              <p:par>
+                                <p:cTn id="5" presetID="9" presetClass="entr" presetSubtype="0" fill="hold" nodeType="clickEffect">
+                                  <p:stCondLst>
+                                    <p:cond delay="0"/>
+                                  </p:stCondLst>
+                                  <p:childTnLst>
+                                    <p:set>
+                                      <p:cBhvr>
+                                        <p:cTn id="6" dur="1" fill="hold">
+                                          <p:stCondLst>
+                                            <p:cond delay="0"/>
+                                          </p:stCondLst>
+                                        </p:cTn>
+                                        <p:tgtEl>
+                                          <p:spTgt spid="5"/>
+                                        </p:tgtEl>
+                                        <p:attrNameLst>
+                                          <p:attrName>style.visibility</p:attrName>
+                                        </p:attrNameLst>
+                                      </p:cBhvr>
+                                      <p:to>
+                                        <p:strVal val="visible"/>
+                                      </p:to>
+                                    </p:set>
+                                    <p:animEffect transition="in" filter="dissolve">
+                                      <p:cBhvr>
+                                        <p:cTn id="7" dur="500"/>
+                                        <p:tgtEl>
+                                          <p:spTgt spid="5"/>
+                                        </p:tgtEl>
+                                      </p:cBhvr>
+                                    </p:animEffect>
+                                  </p:childTnLst>
+                                </p:cTn>
+                              </p:par>
+                            </p:childTnLst>
+                          </p:cTn>
+                        </p:par>
+                      </p:childTnLst>
+                    </p:cTn>
+                  </p:par>
+                </p:childTnLst>
+              </p:cTn>
+              <p:prevCondLst>
+                <p:cond evt="onPrev" delay="0">
+                  <p:tgtEl>
+                    <p:sldTgt/>
+                  </p:tgtEl>
+                </p:cond>
+              </p:prevCondLst>
+              <p:nextCondLst>
+                <p:cond evt="onNext" delay="0">
+                  <p:tgtEl>
+                    <p:sldTgt/>
+                  </p:tgtEl>
+                </p:cond>
+              </p:nextCondLst>
+            </p:seq>
+          </p:childTnLst>
+        </p:cTn>
+      </p:par>
+    </p:tnLst>
+  </p:timing>
+</p:sld>
+</file>
+
 <file path=ppt/slides/slide6.xml><?xml version="1.0" encoding="utf-8"?>
 <p:sld xmlns:a="http://schemas.openxmlformats.org/drawingml/2006/main" xmlns:r="http://schemas.openxmlformats.org/officeDocument/2006/relationships" xmlns:p="http://schemas.openxmlformats.org/presentationml/2006/main">
   <p:cSld>
@@ -7747,12 +8597,50 @@
           <a:chExt cx="0" cy="0"/>
         </a:xfrm>
       </p:grpSpPr>
+      <p:sp>
+        <p:nvSpPr>
+          <p:cNvPr id="2" name="標題 1">
+            <a:extLst>
+              <a:ext uri="{FF2B5EF4-FFF2-40B4-BE49-F238E27FC236}">
+                <a16:creationId xmlns:a16="http://schemas.microsoft.com/office/drawing/2014/main" id="{3D3A4492-AB21-4F4D-8708-0D67A1D49B03}"/>
+              </a:ext>
+            </a:extLst>
+          </p:cNvPr>
+          <p:cNvSpPr>
+            <a:spLocks noGrp="1"/>
+          </p:cNvSpPr>
+          <p:nvPr>
+            <p:ph type="title"/>
+          </p:nvPr>
+        </p:nvSpPr>
+        <p:spPr>
+          <a:xfrm>
+            <a:off x="-81619" y="0"/>
+            <a:ext cx="10058400" cy="1609344"/>
+          </a:xfrm>
+        </p:spPr>
+        <p:txBody>
+          <a:bodyPr/>
+          <a:lstStyle/>
+          <a:p>
+            <a:r>
+              <a:rPr kumimoji="1" lang="zh-CN" altLang="en-US" dirty="0"/>
+              <a:t>目前寫好的</a:t>
+            </a:r>
+            <a:r>
+              <a:rPr kumimoji="1" lang="en-US" altLang="zh-CN" dirty="0"/>
+              <a:t>query</a:t>
+            </a:r>
+            <a:endParaRPr kumimoji="1" lang="zh-TW" altLang="en-US" dirty="0"/>
+          </a:p>
+        </p:txBody>
+      </p:sp>
       <p:pic>
         <p:nvPicPr>
-          <p:cNvPr id="6" name="內容版面配置區 5">
+          <p:cNvPr id="4" name="內容版面配置區 3">
             <a:extLst>
               <a:ext uri="{FF2B5EF4-FFF2-40B4-BE49-F238E27FC236}">
-                <a16:creationId xmlns:a16="http://schemas.microsoft.com/office/drawing/2014/main" id="{8227E43B-EAD0-8B40-89A2-8A34C715A5A7}"/>
+                <a16:creationId xmlns:a16="http://schemas.microsoft.com/office/drawing/2014/main" id="{AB36E5E0-072E-2A48-8846-24C6221646D5}"/>
               </a:ext>
             </a:extLst>
           </p:cNvPr>
@@ -7771,53 +8659,18 @@
         </p:blipFill>
         <p:spPr>
           <a:xfrm>
-            <a:off x="911831" y="731972"/>
-            <a:ext cx="9773609" cy="5591807"/>
+            <a:off x="5129122" y="189693"/>
+            <a:ext cx="6893545" cy="6478613"/>
           </a:xfrm>
+          <a:prstGeom prst="rect">
+            <a:avLst/>
+          </a:prstGeom>
         </p:spPr>
       </p:pic>
-      <p:sp>
-        <p:nvSpPr>
-          <p:cNvPr id="2" name="標題 1">
-            <a:extLst>
-              <a:ext uri="{FF2B5EF4-FFF2-40B4-BE49-F238E27FC236}">
-                <a16:creationId xmlns:a16="http://schemas.microsoft.com/office/drawing/2014/main" id="{A5476516-ADA5-584F-9504-C87C82614399}"/>
-              </a:ext>
-            </a:extLst>
-          </p:cNvPr>
-          <p:cNvSpPr>
-            <a:spLocks noGrp="1"/>
-          </p:cNvSpPr>
-          <p:nvPr>
-            <p:ph type="title"/>
-          </p:nvPr>
-        </p:nvSpPr>
-        <p:spPr>
-          <a:xfrm>
-            <a:off x="412302" y="0"/>
-            <a:ext cx="10058400" cy="1609344"/>
-          </a:xfrm>
-        </p:spPr>
-        <p:txBody>
-          <a:bodyPr/>
-          <a:lstStyle/>
-          <a:p>
-            <a:r>
-              <a:rPr kumimoji="1" lang="en-US" altLang="zh-TW" dirty="0" err="1"/>
-              <a:t>Er</a:t>
-            </a:r>
-            <a:r>
-              <a:rPr kumimoji="1" lang="en-US" altLang="zh-TW" dirty="0"/>
-              <a:t>-diagram</a:t>
-            </a:r>
-            <a:endParaRPr kumimoji="1" lang="zh-TW" altLang="en-US" dirty="0"/>
-          </a:p>
-        </p:txBody>
-      </p:sp>
     </p:spTree>
     <p:extLst>
       <p:ext uri="{BB962C8B-B14F-4D97-AF65-F5344CB8AC3E}">
-        <p14:creationId xmlns:p14="http://schemas.microsoft.com/office/powerpoint/2010/main" val="3477721775"/>
+        <p14:creationId xmlns:p14="http://schemas.microsoft.com/office/powerpoint/2010/main" val="3588519637"/>
       </p:ext>
     </p:extLst>
   </p:cSld>
